--- a/Slide_KLTN.pptx
+++ b/Slide_KLTN.pptx
@@ -13,16 +13,16 @@
     <p:sldId id="295" r:id="rId4"/>
     <p:sldId id="258" r:id="rId5"/>
     <p:sldId id="314" r:id="rId6"/>
-    <p:sldId id="318" r:id="rId7"/>
-    <p:sldId id="315" r:id="rId8"/>
-    <p:sldId id="285" r:id="rId9"/>
-    <p:sldId id="320" r:id="rId10"/>
-    <p:sldId id="288" r:id="rId11"/>
-    <p:sldId id="319" r:id="rId12"/>
-    <p:sldId id="321" r:id="rId13"/>
-    <p:sldId id="322" r:id="rId14"/>
-    <p:sldId id="323" r:id="rId15"/>
-    <p:sldId id="324" r:id="rId16"/>
+    <p:sldId id="315" r:id="rId7"/>
+    <p:sldId id="320" r:id="rId8"/>
+    <p:sldId id="288" r:id="rId9"/>
+    <p:sldId id="319" r:id="rId10"/>
+    <p:sldId id="321" r:id="rId11"/>
+    <p:sldId id="328" r:id="rId12"/>
+    <p:sldId id="322" r:id="rId13"/>
+    <p:sldId id="323" r:id="rId14"/>
+    <p:sldId id="324" r:id="rId15"/>
+    <p:sldId id="329" r:id="rId16"/>
     <p:sldId id="325" r:id="rId17"/>
     <p:sldId id="326" r:id="rId18"/>
     <p:sldId id="327" r:id="rId19"/>
@@ -1001,89 +1001,6 @@
         </a:p>
       </dgm:t>
     </dgm:pt>
-    <dgm:pt modelId="{463B56CA-1E2E-4A40-987B-0EFF2122CDA4}">
-      <dgm:prSet custT="1"/>
-      <dgm:spPr>
-        <a:solidFill>
-          <a:schemeClr val="accent1">
-            <a:lumMod val="75000"/>
-          </a:schemeClr>
-        </a:solidFill>
-      </dgm:spPr>
-      <dgm:t>
-        <a:bodyPr/>
-        <a:lstStyle/>
-        <a:p>
-          <a:r>
-            <a:rPr lang="en-US" sz="3200" dirty="0" err="1">
-              <a:latin typeface="Cambria" panose="02040503050406030204" pitchFamily="18" charset="0"/>
-            </a:rPr>
-            <a:t>Nghiên</a:t>
-          </a:r>
-          <a:r>
-            <a:rPr lang="en-US" sz="3200" dirty="0">
-              <a:latin typeface="Cambria" panose="02040503050406030204" pitchFamily="18" charset="0"/>
-            </a:rPr>
-            <a:t> </a:t>
-          </a:r>
-          <a:r>
-            <a:rPr lang="en-US" sz="3200" dirty="0" err="1">
-              <a:latin typeface="Cambria" panose="02040503050406030204" pitchFamily="18" charset="0"/>
-            </a:rPr>
-            <a:t>cứu</a:t>
-          </a:r>
-          <a:r>
-            <a:rPr lang="en-US" sz="3200" dirty="0">
-              <a:latin typeface="Cambria" panose="02040503050406030204" pitchFamily="18" charset="0"/>
-            </a:rPr>
-            <a:t> </a:t>
-          </a:r>
-          <a:r>
-            <a:rPr lang="en-US" sz="3200" dirty="0" err="1">
-              <a:latin typeface="Cambria" panose="02040503050406030204" pitchFamily="18" charset="0"/>
-            </a:rPr>
-            <a:t>liên</a:t>
-          </a:r>
-          <a:r>
-            <a:rPr lang="en-US" sz="3200" dirty="0">
-              <a:latin typeface="Cambria" panose="02040503050406030204" pitchFamily="18" charset="0"/>
-            </a:rPr>
-            <a:t> </a:t>
-          </a:r>
-          <a:r>
-            <a:rPr lang="en-US" sz="3200" dirty="0" err="1">
-              <a:latin typeface="Cambria" panose="02040503050406030204" pitchFamily="18" charset="0"/>
-            </a:rPr>
-            <a:t>quan</a:t>
-          </a:r>
-          <a:endParaRPr lang="en-US" sz="3200" dirty="0">
-            <a:latin typeface="Cambria" panose="02040503050406030204" pitchFamily="18" charset="0"/>
-          </a:endParaRPr>
-        </a:p>
-      </dgm:t>
-    </dgm:pt>
-    <dgm:pt modelId="{61C9F1A5-5801-4A30-B4CF-6DEB2368567C}" type="parTrans" cxnId="{09AD5B0F-A48E-4350-9240-3EFE7C9A018B}">
-      <dgm:prSet/>
-      <dgm:spPr/>
-      <dgm:t>
-        <a:bodyPr/>
-        <a:lstStyle/>
-        <a:p>
-          <a:endParaRPr lang="en-US"/>
-        </a:p>
-      </dgm:t>
-    </dgm:pt>
-    <dgm:pt modelId="{D52313CE-E0C6-4B9E-A1CE-D18FE2917F77}" type="sibTrans" cxnId="{09AD5B0F-A48E-4350-9240-3EFE7C9A018B}">
-      <dgm:prSet/>
-      <dgm:spPr/>
-      <dgm:t>
-        <a:bodyPr/>
-        <a:lstStyle/>
-        <a:p>
-          <a:endParaRPr lang="en-US"/>
-        </a:p>
-      </dgm:t>
-    </dgm:pt>
     <dgm:pt modelId="{1683C3F0-F51B-48AA-811A-CC838D70ED4E}">
       <dgm:prSet custT="1"/>
       <dgm:spPr>
@@ -1204,6 +1121,39 @@
             </a:rPr>
             <a:t> </a:t>
           </a:r>
+          <a:r>
+            <a:rPr lang="en-US" sz="3200" dirty="0" err="1">
+              <a:latin typeface="Cambria" panose="02040503050406030204" pitchFamily="18" charset="0"/>
+            </a:rPr>
+            <a:t>và</a:t>
+          </a:r>
+          <a:r>
+            <a:rPr lang="en-US" sz="3200" dirty="0">
+              <a:latin typeface="Cambria" panose="02040503050406030204" pitchFamily="18" charset="0"/>
+            </a:rPr>
+            <a:t> </a:t>
+          </a:r>
+          <a:r>
+            <a:rPr lang="en-US" sz="3200" dirty="0" err="1">
+              <a:latin typeface="Cambria" panose="02040503050406030204" pitchFamily="18" charset="0"/>
+            </a:rPr>
+            <a:t>kết</a:t>
+          </a:r>
+          <a:r>
+            <a:rPr lang="en-US" sz="3200" dirty="0">
+              <a:latin typeface="Cambria" panose="02040503050406030204" pitchFamily="18" charset="0"/>
+            </a:rPr>
+            <a:t> </a:t>
+          </a:r>
+          <a:r>
+            <a:rPr lang="en-US" sz="3200" dirty="0" err="1">
+              <a:latin typeface="Cambria" panose="02040503050406030204" pitchFamily="18" charset="0"/>
+            </a:rPr>
+            <a:t>quả</a:t>
+          </a:r>
+          <a:endParaRPr lang="en-US" sz="3200" dirty="0">
+            <a:latin typeface="Cambria" panose="02040503050406030204" pitchFamily="18" charset="0"/>
+          </a:endParaRPr>
         </a:p>
       </dgm:t>
     </dgm:pt>
@@ -1303,11 +1253,11 @@
       <dgm:spPr/>
     </dgm:pt>
     <dgm:pt modelId="{B0300439-2C84-443D-B6C2-FBA2E56472DF}" type="pres">
-      <dgm:prSet presAssocID="{2DC01014-1D2A-4225-9951-AD79231B2190}" presName="parentLeftMargin" presStyleLbl="node1" presStyleIdx="0" presStyleCnt="5"/>
+      <dgm:prSet presAssocID="{2DC01014-1D2A-4225-9951-AD79231B2190}" presName="parentLeftMargin" presStyleLbl="node1" presStyleIdx="0" presStyleCnt="4"/>
       <dgm:spPr/>
     </dgm:pt>
     <dgm:pt modelId="{77BBB504-73D8-4772-A7B0-42A354BF3FF9}" type="pres">
-      <dgm:prSet presAssocID="{2DC01014-1D2A-4225-9951-AD79231B2190}" presName="parentText" presStyleLbl="node1" presStyleIdx="0" presStyleCnt="5" custScaleX="119898" custLinFactNeighborX="24576">
+      <dgm:prSet presAssocID="{2DC01014-1D2A-4225-9951-AD79231B2190}" presName="parentText" presStyleLbl="node1" presStyleIdx="0" presStyleCnt="4" custScaleX="119898" custLinFactNeighborX="24576">
         <dgm:presLayoutVars>
           <dgm:chMax val="0"/>
           <dgm:bulletEnabled val="1"/>
@@ -1320,7 +1270,7 @@
       <dgm:spPr/>
     </dgm:pt>
     <dgm:pt modelId="{BB1178DD-30F6-4336-B757-DDE9669A637F}" type="pres">
-      <dgm:prSet presAssocID="{2DC01014-1D2A-4225-9951-AD79231B2190}" presName="childText" presStyleLbl="conFgAcc1" presStyleIdx="0" presStyleCnt="5">
+      <dgm:prSet presAssocID="{2DC01014-1D2A-4225-9951-AD79231B2190}" presName="childText" presStyleLbl="conFgAcc1" presStyleIdx="0" presStyleCnt="4">
         <dgm:presLayoutVars>
           <dgm:bulletEnabled val="1"/>
         </dgm:presLayoutVars>
@@ -1331,49 +1281,16 @@
       <dgm:prSet presAssocID="{CC4B8723-3A92-4060-B277-B92D66C3DE08}" presName="spaceBetweenRectangles" presStyleCnt="0"/>
       <dgm:spPr/>
     </dgm:pt>
-    <dgm:pt modelId="{E15251A4-928B-4C1A-A18E-C68048D785DB}" type="pres">
-      <dgm:prSet presAssocID="{463B56CA-1E2E-4A40-987B-0EFF2122CDA4}" presName="parentLin" presStyleCnt="0"/>
-      <dgm:spPr/>
-    </dgm:pt>
-    <dgm:pt modelId="{AF426687-DDA0-4F03-8669-5E429A2B0877}" type="pres">
-      <dgm:prSet presAssocID="{463B56CA-1E2E-4A40-987B-0EFF2122CDA4}" presName="parentLeftMargin" presStyleLbl="node1" presStyleIdx="0" presStyleCnt="5" custScaleX="127903"/>
-      <dgm:spPr/>
-    </dgm:pt>
-    <dgm:pt modelId="{028ACF3B-911D-4CF7-9B5E-5DD84F7352D1}" type="pres">
-      <dgm:prSet presAssocID="{463B56CA-1E2E-4A40-987B-0EFF2122CDA4}" presName="parentText" presStyleLbl="node1" presStyleIdx="1" presStyleCnt="5" custScaleX="119898" custLinFactNeighborX="-599" custLinFactNeighborY="1388">
-        <dgm:presLayoutVars>
-          <dgm:chMax val="0"/>
-          <dgm:bulletEnabled val="1"/>
-        </dgm:presLayoutVars>
-      </dgm:prSet>
-      <dgm:spPr/>
-    </dgm:pt>
-    <dgm:pt modelId="{1D5E4947-F443-498A-B667-D19C30E104F3}" type="pres">
-      <dgm:prSet presAssocID="{463B56CA-1E2E-4A40-987B-0EFF2122CDA4}" presName="negativeSpace" presStyleCnt="0"/>
-      <dgm:spPr/>
-    </dgm:pt>
-    <dgm:pt modelId="{8C447649-8804-4892-965C-E1A2AB744EB1}" type="pres">
-      <dgm:prSet presAssocID="{463B56CA-1E2E-4A40-987B-0EFF2122CDA4}" presName="childText" presStyleLbl="conFgAcc1" presStyleIdx="1" presStyleCnt="5">
-        <dgm:presLayoutVars>
-          <dgm:bulletEnabled val="1"/>
-        </dgm:presLayoutVars>
-      </dgm:prSet>
-      <dgm:spPr/>
-    </dgm:pt>
-    <dgm:pt modelId="{F840A0DC-D5FC-476A-83EC-3C25A0FDBA16}" type="pres">
-      <dgm:prSet presAssocID="{D52313CE-E0C6-4B9E-A1CE-D18FE2917F77}" presName="spaceBetweenRectangles" presStyleCnt="0"/>
-      <dgm:spPr/>
-    </dgm:pt>
     <dgm:pt modelId="{F1BC3958-BF71-4557-8050-4018ADD6E1C6}" type="pres">
       <dgm:prSet presAssocID="{1683C3F0-F51B-48AA-811A-CC838D70ED4E}" presName="parentLin" presStyleCnt="0"/>
       <dgm:spPr/>
     </dgm:pt>
     <dgm:pt modelId="{723E5303-B969-44E8-9AE6-B71E739D9009}" type="pres">
-      <dgm:prSet presAssocID="{1683C3F0-F51B-48AA-811A-CC838D70ED4E}" presName="parentLeftMargin" presStyleLbl="node1" presStyleIdx="1" presStyleCnt="5" custScaleX="127903"/>
+      <dgm:prSet presAssocID="{1683C3F0-F51B-48AA-811A-CC838D70ED4E}" presName="parentLeftMargin" presStyleLbl="node1" presStyleIdx="0" presStyleCnt="4" custScaleX="127903"/>
       <dgm:spPr/>
     </dgm:pt>
     <dgm:pt modelId="{AE939224-1EAE-463D-9782-F6E502AD587A}" type="pres">
-      <dgm:prSet presAssocID="{1683C3F0-F51B-48AA-811A-CC838D70ED4E}" presName="parentText" presStyleLbl="node1" presStyleIdx="2" presStyleCnt="5" custScaleX="119898">
+      <dgm:prSet presAssocID="{1683C3F0-F51B-48AA-811A-CC838D70ED4E}" presName="parentText" presStyleLbl="node1" presStyleIdx="1" presStyleCnt="4" custScaleX="119898">
         <dgm:presLayoutVars>
           <dgm:chMax val="0"/>
           <dgm:bulletEnabled val="1"/>
@@ -1386,7 +1303,7 @@
       <dgm:spPr/>
     </dgm:pt>
     <dgm:pt modelId="{F104BA71-78B5-4D31-988D-A0BEFEA8CCF2}" type="pres">
-      <dgm:prSet presAssocID="{1683C3F0-F51B-48AA-811A-CC838D70ED4E}" presName="childText" presStyleLbl="conFgAcc1" presStyleIdx="2" presStyleCnt="5">
+      <dgm:prSet presAssocID="{1683C3F0-F51B-48AA-811A-CC838D70ED4E}" presName="childText" presStyleLbl="conFgAcc1" presStyleIdx="1" presStyleCnt="4">
         <dgm:presLayoutVars>
           <dgm:bulletEnabled val="1"/>
         </dgm:presLayoutVars>
@@ -1402,11 +1319,11 @@
       <dgm:spPr/>
     </dgm:pt>
     <dgm:pt modelId="{9FB3416E-7435-41FB-8ED4-355009F9CF00}" type="pres">
-      <dgm:prSet presAssocID="{3AF7A48D-6341-42FE-A78D-4896C714CE32}" presName="parentLeftMargin" presStyleLbl="node1" presStyleIdx="2" presStyleCnt="5" custScaleX="127903"/>
+      <dgm:prSet presAssocID="{3AF7A48D-6341-42FE-A78D-4896C714CE32}" presName="parentLeftMargin" presStyleLbl="node1" presStyleIdx="1" presStyleCnt="4" custScaleX="127903"/>
       <dgm:spPr/>
     </dgm:pt>
     <dgm:pt modelId="{8A907E4D-F510-40A5-AE6F-920BDD2C0A9C}" type="pres">
-      <dgm:prSet presAssocID="{3AF7A48D-6341-42FE-A78D-4896C714CE32}" presName="parentText" presStyleLbl="node1" presStyleIdx="3" presStyleCnt="5" custScaleX="119898">
+      <dgm:prSet presAssocID="{3AF7A48D-6341-42FE-A78D-4896C714CE32}" presName="parentText" presStyleLbl="node1" presStyleIdx="2" presStyleCnt="4" custScaleX="119898">
         <dgm:presLayoutVars>
           <dgm:chMax val="0"/>
           <dgm:bulletEnabled val="1"/>
@@ -1419,7 +1336,7 @@
       <dgm:spPr/>
     </dgm:pt>
     <dgm:pt modelId="{4B3016A9-E2DC-4BA8-AFF3-9F3FCC9BCAD3}" type="pres">
-      <dgm:prSet presAssocID="{3AF7A48D-6341-42FE-A78D-4896C714CE32}" presName="childText" presStyleLbl="conFgAcc1" presStyleIdx="3" presStyleCnt="5">
+      <dgm:prSet presAssocID="{3AF7A48D-6341-42FE-A78D-4896C714CE32}" presName="childText" presStyleLbl="conFgAcc1" presStyleIdx="2" presStyleCnt="4">
         <dgm:presLayoutVars>
           <dgm:bulletEnabled val="1"/>
         </dgm:presLayoutVars>
@@ -1435,11 +1352,11 @@
       <dgm:spPr/>
     </dgm:pt>
     <dgm:pt modelId="{DCC553BF-56A5-4F80-B8A3-0F6A3F80EBB8}" type="pres">
-      <dgm:prSet presAssocID="{A640A66D-2CB7-48B7-84E5-7F0CDA796436}" presName="parentLeftMargin" presStyleLbl="node1" presStyleIdx="3" presStyleCnt="5" custScaleX="127903"/>
+      <dgm:prSet presAssocID="{A640A66D-2CB7-48B7-84E5-7F0CDA796436}" presName="parentLeftMargin" presStyleLbl="node1" presStyleIdx="2" presStyleCnt="4" custScaleX="127903"/>
       <dgm:spPr/>
     </dgm:pt>
     <dgm:pt modelId="{E3094BA5-9E62-45EE-B33F-D310280F938E}" type="pres">
-      <dgm:prSet presAssocID="{A640A66D-2CB7-48B7-84E5-7F0CDA796436}" presName="parentText" presStyleLbl="node1" presStyleIdx="4" presStyleCnt="5" custScaleX="119898">
+      <dgm:prSet presAssocID="{A640A66D-2CB7-48B7-84E5-7F0CDA796436}" presName="parentText" presStyleLbl="node1" presStyleIdx="3" presStyleCnt="4" custScaleX="119898">
         <dgm:presLayoutVars>
           <dgm:chMax val="0"/>
           <dgm:bulletEnabled val="1"/>
@@ -1452,7 +1369,7 @@
       <dgm:spPr/>
     </dgm:pt>
     <dgm:pt modelId="{07F6ECAF-85A0-4A1C-A6ED-78C59B0B34DB}" type="pres">
-      <dgm:prSet presAssocID="{A640A66D-2CB7-48B7-84E5-7F0CDA796436}" presName="childText" presStyleLbl="conFgAcc1" presStyleIdx="4" presStyleCnt="5">
+      <dgm:prSet presAssocID="{A640A66D-2CB7-48B7-84E5-7F0CDA796436}" presName="childText" presStyleLbl="conFgAcc1" presStyleIdx="3" presStyleCnt="4">
         <dgm:presLayoutVars>
           <dgm:bulletEnabled val="1"/>
         </dgm:presLayoutVars>
@@ -1461,21 +1378,18 @@
     </dgm:pt>
   </dgm:ptLst>
   <dgm:cxnLst>
-    <dgm:cxn modelId="{09AD5B0F-A48E-4350-9240-3EFE7C9A018B}" srcId="{E817B532-EC20-4DAB-B4C8-B09CFD4E42E1}" destId="{463B56CA-1E2E-4A40-987B-0EFF2122CDA4}" srcOrd="1" destOrd="0" parTransId="{61C9F1A5-5801-4A30-B4CF-6DEB2368567C}" sibTransId="{D52313CE-E0C6-4B9E-A1CE-D18FE2917F77}"/>
-    <dgm:cxn modelId="{C483CC10-0126-46B9-8E56-40ACE02A082B}" type="presOf" srcId="{463B56CA-1E2E-4A40-987B-0EFF2122CDA4}" destId="{028ACF3B-911D-4CF7-9B5E-5DD84F7352D1}" srcOrd="1" destOrd="0" presId="urn:microsoft.com/office/officeart/2005/8/layout/list1"/>
     <dgm:cxn modelId="{66F8A743-FD87-4FD6-A278-DED8606D5BCF}" type="presOf" srcId="{1683C3F0-F51B-48AA-811A-CC838D70ED4E}" destId="{AE939224-1EAE-463D-9782-F6E502AD587A}" srcOrd="1" destOrd="0" presId="urn:microsoft.com/office/officeart/2005/8/layout/list1"/>
-    <dgm:cxn modelId="{81454B6B-101D-46D7-897B-A620937890D9}" srcId="{E817B532-EC20-4DAB-B4C8-B09CFD4E42E1}" destId="{3AF7A48D-6341-42FE-A78D-4896C714CE32}" srcOrd="3" destOrd="0" parTransId="{37FBEE73-5901-4C8C-9DC1-A7985B8BED7E}" sibTransId="{CEF03D16-415D-4B0F-AA17-CE378FAFA080}"/>
+    <dgm:cxn modelId="{81454B6B-101D-46D7-897B-A620937890D9}" srcId="{E817B532-EC20-4DAB-B4C8-B09CFD4E42E1}" destId="{3AF7A48D-6341-42FE-A78D-4896C714CE32}" srcOrd="2" destOrd="0" parTransId="{37FBEE73-5901-4C8C-9DC1-A7985B8BED7E}" sibTransId="{CEF03D16-415D-4B0F-AA17-CE378FAFA080}"/>
     <dgm:cxn modelId="{0FA5176C-79EF-4587-88A6-20D7A243024D}" srcId="{E817B532-EC20-4DAB-B4C8-B09CFD4E42E1}" destId="{2DC01014-1D2A-4225-9951-AD79231B2190}" srcOrd="0" destOrd="0" parTransId="{51C1DA5B-0171-4E8D-9E34-B9D14EC0515C}" sibTransId="{CC4B8723-3A92-4060-B277-B92D66C3DE08}"/>
     <dgm:cxn modelId="{B26ED856-E080-4509-AFA4-F2F49770DE61}" type="presOf" srcId="{2DC01014-1D2A-4225-9951-AD79231B2190}" destId="{77BBB504-73D8-4772-A7B0-42A354BF3FF9}" srcOrd="1" destOrd="0" presId="urn:microsoft.com/office/officeart/2005/8/layout/list1"/>
     <dgm:cxn modelId="{F2018E7C-32B6-46CA-9C32-E9933307B31A}" type="presOf" srcId="{1683C3F0-F51B-48AA-811A-CC838D70ED4E}" destId="{723E5303-B969-44E8-9AE6-B71E739D9009}" srcOrd="0" destOrd="0" presId="urn:microsoft.com/office/officeart/2005/8/layout/list1"/>
     <dgm:cxn modelId="{ECC91D83-0671-43A7-B993-A21E3DB25E18}" type="presOf" srcId="{E817B532-EC20-4DAB-B4C8-B09CFD4E42E1}" destId="{FCC155DA-4A3D-4366-B097-1BBFA3083E46}" srcOrd="0" destOrd="0" presId="urn:microsoft.com/office/officeart/2005/8/layout/list1"/>
-    <dgm:cxn modelId="{3F460E93-F28E-4796-A4A1-A0A315707B4C}" srcId="{E817B532-EC20-4DAB-B4C8-B09CFD4E42E1}" destId="{1683C3F0-F51B-48AA-811A-CC838D70ED4E}" srcOrd="2" destOrd="0" parTransId="{86DC6B5A-0CE0-421B-8164-87BC7F600DA6}" sibTransId="{4D39692D-74D0-4DF6-B94F-452F936EDC80}"/>
+    <dgm:cxn modelId="{3F460E93-F28E-4796-A4A1-A0A315707B4C}" srcId="{E817B532-EC20-4DAB-B4C8-B09CFD4E42E1}" destId="{1683C3F0-F51B-48AA-811A-CC838D70ED4E}" srcOrd="1" destOrd="0" parTransId="{86DC6B5A-0CE0-421B-8164-87BC7F600DA6}" sibTransId="{4D39692D-74D0-4DF6-B94F-452F936EDC80}"/>
     <dgm:cxn modelId="{26FF4FAA-0868-4F45-9BC3-29EA537BD027}" type="presOf" srcId="{A640A66D-2CB7-48B7-84E5-7F0CDA796436}" destId="{E3094BA5-9E62-45EE-B33F-D310280F938E}" srcOrd="1" destOrd="0" presId="urn:microsoft.com/office/officeart/2005/8/layout/list1"/>
     <dgm:cxn modelId="{E9DA91CD-2809-4C09-B21E-F1B6D349C506}" type="presOf" srcId="{3AF7A48D-6341-42FE-A78D-4896C714CE32}" destId="{8A907E4D-F510-40A5-AE6F-920BDD2C0A9C}" srcOrd="1" destOrd="0" presId="urn:microsoft.com/office/officeart/2005/8/layout/list1"/>
     <dgm:cxn modelId="{D8F7B1CD-AF63-47A0-B1A1-7D4990290CF9}" type="presOf" srcId="{A640A66D-2CB7-48B7-84E5-7F0CDA796436}" destId="{DCC553BF-56A5-4F80-B8A3-0F6A3F80EBB8}" srcOrd="0" destOrd="0" presId="urn:microsoft.com/office/officeart/2005/8/layout/list1"/>
-    <dgm:cxn modelId="{37FDF8D0-220A-443A-A788-B1317E0AA6AC}" type="presOf" srcId="{463B56CA-1E2E-4A40-987B-0EFF2122CDA4}" destId="{AF426687-DDA0-4F03-8669-5E429A2B0877}" srcOrd="0" destOrd="0" presId="urn:microsoft.com/office/officeart/2005/8/layout/list1"/>
     <dgm:cxn modelId="{F58D81D9-8FFE-4132-87E9-69268297CE77}" type="presOf" srcId="{3AF7A48D-6341-42FE-A78D-4896C714CE32}" destId="{9FB3416E-7435-41FB-8ED4-355009F9CF00}" srcOrd="0" destOrd="0" presId="urn:microsoft.com/office/officeart/2005/8/layout/list1"/>
-    <dgm:cxn modelId="{DAC511E7-2BF4-4F14-8C43-2DBA711811C0}" srcId="{E817B532-EC20-4DAB-B4C8-B09CFD4E42E1}" destId="{A640A66D-2CB7-48B7-84E5-7F0CDA796436}" srcOrd="4" destOrd="0" parTransId="{CA409D76-FF72-4B91-978E-EF06EEB5C1D1}" sibTransId="{541E7A2C-EE12-4A1B-B529-957F4D250B72}"/>
+    <dgm:cxn modelId="{DAC511E7-2BF4-4F14-8C43-2DBA711811C0}" srcId="{E817B532-EC20-4DAB-B4C8-B09CFD4E42E1}" destId="{A640A66D-2CB7-48B7-84E5-7F0CDA796436}" srcOrd="3" destOrd="0" parTransId="{CA409D76-FF72-4B91-978E-EF06EEB5C1D1}" sibTransId="{541E7A2C-EE12-4A1B-B529-957F4D250B72}"/>
     <dgm:cxn modelId="{42AD5EEE-BB8F-4F7C-A7DD-47AE05752098}" type="presOf" srcId="{2DC01014-1D2A-4225-9951-AD79231B2190}" destId="{B0300439-2C84-443D-B6C2-FBA2E56472DF}" srcOrd="0" destOrd="0" presId="urn:microsoft.com/office/officeart/2005/8/layout/list1"/>
     <dgm:cxn modelId="{8B667991-8DAE-45FE-BEFC-DEAA98BD8CBE}" type="presParOf" srcId="{FCC155DA-4A3D-4366-B097-1BBFA3083E46}" destId="{5F1AFF82-60F0-41F3-8D5E-22C6433CD138}" srcOrd="0" destOrd="0" presId="urn:microsoft.com/office/officeart/2005/8/layout/list1"/>
     <dgm:cxn modelId="{47880FF9-E9EF-461A-99AD-5FB65C647468}" type="presParOf" srcId="{5F1AFF82-60F0-41F3-8D5E-22C6433CD138}" destId="{B0300439-2C84-443D-B6C2-FBA2E56472DF}" srcOrd="0" destOrd="0" presId="urn:microsoft.com/office/officeart/2005/8/layout/list1"/>
@@ -1483,29 +1397,23 @@
     <dgm:cxn modelId="{375B2513-0137-4AA4-A82C-F3051E058D28}" type="presParOf" srcId="{FCC155DA-4A3D-4366-B097-1BBFA3083E46}" destId="{F707C7F3-394F-41D7-ACDA-C03DD15AB761}" srcOrd="1" destOrd="0" presId="urn:microsoft.com/office/officeart/2005/8/layout/list1"/>
     <dgm:cxn modelId="{80DFBD25-2F56-4662-B7A2-10DD2AB691D1}" type="presParOf" srcId="{FCC155DA-4A3D-4366-B097-1BBFA3083E46}" destId="{BB1178DD-30F6-4336-B757-DDE9669A637F}" srcOrd="2" destOrd="0" presId="urn:microsoft.com/office/officeart/2005/8/layout/list1"/>
     <dgm:cxn modelId="{C6AFCC03-78F4-42E4-B7A8-C34C3532F9A1}" type="presParOf" srcId="{FCC155DA-4A3D-4366-B097-1BBFA3083E46}" destId="{99C4BBFE-01DD-4461-AE48-C9DACA3A21A1}" srcOrd="3" destOrd="0" presId="urn:microsoft.com/office/officeart/2005/8/layout/list1"/>
-    <dgm:cxn modelId="{1C847239-02D0-4F72-A13A-4918D3CD5D28}" type="presParOf" srcId="{FCC155DA-4A3D-4366-B097-1BBFA3083E46}" destId="{E15251A4-928B-4C1A-A18E-C68048D785DB}" srcOrd="4" destOrd="0" presId="urn:microsoft.com/office/officeart/2005/8/layout/list1"/>
-    <dgm:cxn modelId="{F8130D38-F995-41E8-ABB7-3A2158A6BC74}" type="presParOf" srcId="{E15251A4-928B-4C1A-A18E-C68048D785DB}" destId="{AF426687-DDA0-4F03-8669-5E429A2B0877}" srcOrd="0" destOrd="0" presId="urn:microsoft.com/office/officeart/2005/8/layout/list1"/>
-    <dgm:cxn modelId="{B0DF6B79-2651-4271-A939-AF7705EF7A18}" type="presParOf" srcId="{E15251A4-928B-4C1A-A18E-C68048D785DB}" destId="{028ACF3B-911D-4CF7-9B5E-5DD84F7352D1}" srcOrd="1" destOrd="0" presId="urn:microsoft.com/office/officeart/2005/8/layout/list1"/>
-    <dgm:cxn modelId="{BB75975C-2655-4A88-A78D-DEAAFDAEE650}" type="presParOf" srcId="{FCC155DA-4A3D-4366-B097-1BBFA3083E46}" destId="{1D5E4947-F443-498A-B667-D19C30E104F3}" srcOrd="5" destOrd="0" presId="urn:microsoft.com/office/officeart/2005/8/layout/list1"/>
-    <dgm:cxn modelId="{EB92B283-3F0F-4CE7-A0DC-8D98576868A1}" type="presParOf" srcId="{FCC155DA-4A3D-4366-B097-1BBFA3083E46}" destId="{8C447649-8804-4892-965C-E1A2AB744EB1}" srcOrd="6" destOrd="0" presId="urn:microsoft.com/office/officeart/2005/8/layout/list1"/>
-    <dgm:cxn modelId="{E5B3F336-E4C2-4E9E-8445-1B28CE64184E}" type="presParOf" srcId="{FCC155DA-4A3D-4366-B097-1BBFA3083E46}" destId="{F840A0DC-D5FC-476A-83EC-3C25A0FDBA16}" srcOrd="7" destOrd="0" presId="urn:microsoft.com/office/officeart/2005/8/layout/list1"/>
-    <dgm:cxn modelId="{B43AA826-AEAB-4735-BC4C-355A341B0E2A}" type="presParOf" srcId="{FCC155DA-4A3D-4366-B097-1BBFA3083E46}" destId="{F1BC3958-BF71-4557-8050-4018ADD6E1C6}" srcOrd="8" destOrd="0" presId="urn:microsoft.com/office/officeart/2005/8/layout/list1"/>
+    <dgm:cxn modelId="{B43AA826-AEAB-4735-BC4C-355A341B0E2A}" type="presParOf" srcId="{FCC155DA-4A3D-4366-B097-1BBFA3083E46}" destId="{F1BC3958-BF71-4557-8050-4018ADD6E1C6}" srcOrd="4" destOrd="0" presId="urn:microsoft.com/office/officeart/2005/8/layout/list1"/>
     <dgm:cxn modelId="{A1A0563D-904F-4271-855F-D4CD04AEF44C}" type="presParOf" srcId="{F1BC3958-BF71-4557-8050-4018ADD6E1C6}" destId="{723E5303-B969-44E8-9AE6-B71E739D9009}" srcOrd="0" destOrd="0" presId="urn:microsoft.com/office/officeart/2005/8/layout/list1"/>
     <dgm:cxn modelId="{D88034EC-9785-4C47-BB0D-BDA950D52C8F}" type="presParOf" srcId="{F1BC3958-BF71-4557-8050-4018ADD6E1C6}" destId="{AE939224-1EAE-463D-9782-F6E502AD587A}" srcOrd="1" destOrd="0" presId="urn:microsoft.com/office/officeart/2005/8/layout/list1"/>
-    <dgm:cxn modelId="{E8B39412-F1EA-4558-B8AA-18EDE964174D}" type="presParOf" srcId="{FCC155DA-4A3D-4366-B097-1BBFA3083E46}" destId="{5E93E318-CD11-4ECD-AC0D-D554F7FDB692}" srcOrd="9" destOrd="0" presId="urn:microsoft.com/office/officeart/2005/8/layout/list1"/>
-    <dgm:cxn modelId="{33A37A45-782E-4C8C-AD4F-B4E734FFDBBE}" type="presParOf" srcId="{FCC155DA-4A3D-4366-B097-1BBFA3083E46}" destId="{F104BA71-78B5-4D31-988D-A0BEFEA8CCF2}" srcOrd="10" destOrd="0" presId="urn:microsoft.com/office/officeart/2005/8/layout/list1"/>
-    <dgm:cxn modelId="{5C41E055-2285-4354-B84E-D624C1B2199E}" type="presParOf" srcId="{FCC155DA-4A3D-4366-B097-1BBFA3083E46}" destId="{106221CD-D1D9-4329-BE00-221BEE2FFB15}" srcOrd="11" destOrd="0" presId="urn:microsoft.com/office/officeart/2005/8/layout/list1"/>
-    <dgm:cxn modelId="{5741A516-6027-45B1-BEA5-356C247DCF7F}" type="presParOf" srcId="{FCC155DA-4A3D-4366-B097-1BBFA3083E46}" destId="{E68D0CBD-7558-429F-A824-41723F15C310}" srcOrd="12" destOrd="0" presId="urn:microsoft.com/office/officeart/2005/8/layout/list1"/>
+    <dgm:cxn modelId="{E8B39412-F1EA-4558-B8AA-18EDE964174D}" type="presParOf" srcId="{FCC155DA-4A3D-4366-B097-1BBFA3083E46}" destId="{5E93E318-CD11-4ECD-AC0D-D554F7FDB692}" srcOrd="5" destOrd="0" presId="urn:microsoft.com/office/officeart/2005/8/layout/list1"/>
+    <dgm:cxn modelId="{33A37A45-782E-4C8C-AD4F-B4E734FFDBBE}" type="presParOf" srcId="{FCC155DA-4A3D-4366-B097-1BBFA3083E46}" destId="{F104BA71-78B5-4D31-988D-A0BEFEA8CCF2}" srcOrd="6" destOrd="0" presId="urn:microsoft.com/office/officeart/2005/8/layout/list1"/>
+    <dgm:cxn modelId="{5C41E055-2285-4354-B84E-D624C1B2199E}" type="presParOf" srcId="{FCC155DA-4A3D-4366-B097-1BBFA3083E46}" destId="{106221CD-D1D9-4329-BE00-221BEE2FFB15}" srcOrd="7" destOrd="0" presId="urn:microsoft.com/office/officeart/2005/8/layout/list1"/>
+    <dgm:cxn modelId="{5741A516-6027-45B1-BEA5-356C247DCF7F}" type="presParOf" srcId="{FCC155DA-4A3D-4366-B097-1BBFA3083E46}" destId="{E68D0CBD-7558-429F-A824-41723F15C310}" srcOrd="8" destOrd="0" presId="urn:microsoft.com/office/officeart/2005/8/layout/list1"/>
     <dgm:cxn modelId="{CFAD3AA3-AD4B-4E74-BC47-444E67C24F49}" type="presParOf" srcId="{E68D0CBD-7558-429F-A824-41723F15C310}" destId="{9FB3416E-7435-41FB-8ED4-355009F9CF00}" srcOrd="0" destOrd="0" presId="urn:microsoft.com/office/officeart/2005/8/layout/list1"/>
     <dgm:cxn modelId="{BEE86EEB-8F35-4FD8-83E7-B8C83CF50CAE}" type="presParOf" srcId="{E68D0CBD-7558-429F-A824-41723F15C310}" destId="{8A907E4D-F510-40A5-AE6F-920BDD2C0A9C}" srcOrd="1" destOrd="0" presId="urn:microsoft.com/office/officeart/2005/8/layout/list1"/>
-    <dgm:cxn modelId="{B55D6EEF-291B-40B6-83CE-42D83749CD90}" type="presParOf" srcId="{FCC155DA-4A3D-4366-B097-1BBFA3083E46}" destId="{C9722E93-DD00-4EF4-9BAC-E55F3162676A}" srcOrd="13" destOrd="0" presId="urn:microsoft.com/office/officeart/2005/8/layout/list1"/>
-    <dgm:cxn modelId="{50236237-AAD0-4852-8816-DE116CAD2893}" type="presParOf" srcId="{FCC155DA-4A3D-4366-B097-1BBFA3083E46}" destId="{4B3016A9-E2DC-4BA8-AFF3-9F3FCC9BCAD3}" srcOrd="14" destOrd="0" presId="urn:microsoft.com/office/officeart/2005/8/layout/list1"/>
-    <dgm:cxn modelId="{542DAE6B-AC55-48A9-85B1-9E3BCD489464}" type="presParOf" srcId="{FCC155DA-4A3D-4366-B097-1BBFA3083E46}" destId="{35E83390-B5D8-409F-926F-29605F767901}" srcOrd="15" destOrd="0" presId="urn:microsoft.com/office/officeart/2005/8/layout/list1"/>
-    <dgm:cxn modelId="{907A59D5-77E4-4E1E-97C8-AA961530D4BD}" type="presParOf" srcId="{FCC155DA-4A3D-4366-B097-1BBFA3083E46}" destId="{6154D856-B431-43BD-8A64-B28EAB8797EF}" srcOrd="16" destOrd="0" presId="urn:microsoft.com/office/officeart/2005/8/layout/list1"/>
+    <dgm:cxn modelId="{B55D6EEF-291B-40B6-83CE-42D83749CD90}" type="presParOf" srcId="{FCC155DA-4A3D-4366-B097-1BBFA3083E46}" destId="{C9722E93-DD00-4EF4-9BAC-E55F3162676A}" srcOrd="9" destOrd="0" presId="urn:microsoft.com/office/officeart/2005/8/layout/list1"/>
+    <dgm:cxn modelId="{50236237-AAD0-4852-8816-DE116CAD2893}" type="presParOf" srcId="{FCC155DA-4A3D-4366-B097-1BBFA3083E46}" destId="{4B3016A9-E2DC-4BA8-AFF3-9F3FCC9BCAD3}" srcOrd="10" destOrd="0" presId="urn:microsoft.com/office/officeart/2005/8/layout/list1"/>
+    <dgm:cxn modelId="{542DAE6B-AC55-48A9-85B1-9E3BCD489464}" type="presParOf" srcId="{FCC155DA-4A3D-4366-B097-1BBFA3083E46}" destId="{35E83390-B5D8-409F-926F-29605F767901}" srcOrd="11" destOrd="0" presId="urn:microsoft.com/office/officeart/2005/8/layout/list1"/>
+    <dgm:cxn modelId="{907A59D5-77E4-4E1E-97C8-AA961530D4BD}" type="presParOf" srcId="{FCC155DA-4A3D-4366-B097-1BBFA3083E46}" destId="{6154D856-B431-43BD-8A64-B28EAB8797EF}" srcOrd="12" destOrd="0" presId="urn:microsoft.com/office/officeart/2005/8/layout/list1"/>
     <dgm:cxn modelId="{A72C4AB5-A9E4-4C18-BE09-65801DFB0A26}" type="presParOf" srcId="{6154D856-B431-43BD-8A64-B28EAB8797EF}" destId="{DCC553BF-56A5-4F80-B8A3-0F6A3F80EBB8}" srcOrd="0" destOrd="0" presId="urn:microsoft.com/office/officeart/2005/8/layout/list1"/>
     <dgm:cxn modelId="{E5D10903-484C-4A68-A6E5-5DC8C698A1E3}" type="presParOf" srcId="{6154D856-B431-43BD-8A64-B28EAB8797EF}" destId="{E3094BA5-9E62-45EE-B33F-D310280F938E}" srcOrd="1" destOrd="0" presId="urn:microsoft.com/office/officeart/2005/8/layout/list1"/>
-    <dgm:cxn modelId="{BFA0E320-A2FB-41D8-9C41-C0F628570DEB}" type="presParOf" srcId="{FCC155DA-4A3D-4366-B097-1BBFA3083E46}" destId="{D466C344-8CD3-4A98-99FF-AFB84375B913}" srcOrd="17" destOrd="0" presId="urn:microsoft.com/office/officeart/2005/8/layout/list1"/>
-    <dgm:cxn modelId="{E514F4DC-DD6E-40D0-84F4-E900A13F4D63}" type="presParOf" srcId="{FCC155DA-4A3D-4366-B097-1BBFA3083E46}" destId="{07F6ECAF-85A0-4A1C-A6ED-78C59B0B34DB}" srcOrd="18" destOrd="0" presId="urn:microsoft.com/office/officeart/2005/8/layout/list1"/>
+    <dgm:cxn modelId="{BFA0E320-A2FB-41D8-9C41-C0F628570DEB}" type="presParOf" srcId="{FCC155DA-4A3D-4366-B097-1BBFA3083E46}" destId="{D466C344-8CD3-4A98-99FF-AFB84375B913}" srcOrd="13" destOrd="0" presId="urn:microsoft.com/office/officeart/2005/8/layout/list1"/>
+    <dgm:cxn modelId="{E514F4DC-DD6E-40D0-84F4-E900A13F4D63}" type="presParOf" srcId="{FCC155DA-4A3D-4366-B097-1BBFA3083E46}" destId="{07F6ECAF-85A0-4A1C-A6ED-78C59B0B34DB}" srcOrd="14" destOrd="0" presId="urn:microsoft.com/office/officeart/2005/8/layout/list1"/>
   </dgm:cxnLst>
   <dgm:bg/>
   <dgm:whole/>
@@ -1532,8 +1440,8 @@
       </dsp:nvSpPr>
       <dsp:spPr>
         <a:xfrm>
-          <a:off x="0" y="404296"/>
-          <a:ext cx="9448799" cy="579600"/>
+          <a:off x="0" y="486376"/>
+          <a:ext cx="9448799" cy="730800"/>
         </a:xfrm>
         <a:prstGeom prst="rect">
           <a:avLst/>
@@ -1581,8 +1489,8 @@
       </dsp:nvSpPr>
       <dsp:spPr>
         <a:xfrm>
-          <a:off x="588546" y="64816"/>
-          <a:ext cx="7930245" cy="678960"/>
+          <a:off x="588546" y="58336"/>
+          <a:ext cx="7930245" cy="856080"/>
         </a:xfrm>
         <a:prstGeom prst="roundRect">
           <a:avLst/>
@@ -1696,173 +1604,8 @@
         </a:p>
       </dsp:txBody>
       <dsp:txXfrm>
-        <a:off x="621690" y="97960"/>
-        <a:ext cx="7863957" cy="612672"/>
-      </dsp:txXfrm>
-    </dsp:sp>
-    <dsp:sp modelId="{8C447649-8804-4892-965C-E1A2AB744EB1}">
-      <dsp:nvSpPr>
-        <dsp:cNvPr id="0" name=""/>
-        <dsp:cNvSpPr/>
-      </dsp:nvSpPr>
-      <dsp:spPr>
-        <a:xfrm>
-          <a:off x="0" y="1447576"/>
-          <a:ext cx="9448799" cy="579600"/>
-        </a:xfrm>
-        <a:prstGeom prst="rect">
-          <a:avLst/>
-        </a:prstGeom>
-        <a:solidFill>
-          <a:schemeClr val="lt1">
-            <a:alpha val="90000"/>
-            <a:hueOff val="0"/>
-            <a:satOff val="0"/>
-            <a:lumOff val="0"/>
-            <a:alphaOff val="0"/>
-          </a:schemeClr>
-        </a:solidFill>
-        <a:ln w="12700" cap="flat" cmpd="sng" algn="ctr">
-          <a:solidFill>
-            <a:schemeClr val="accent1">
-              <a:hueOff val="0"/>
-              <a:satOff val="0"/>
-              <a:lumOff val="0"/>
-              <a:alphaOff val="0"/>
-            </a:schemeClr>
-          </a:solidFill>
-          <a:prstDash val="solid"/>
-          <a:miter lim="800000"/>
-        </a:ln>
-        <a:effectLst/>
-      </dsp:spPr>
-      <dsp:style>
-        <a:lnRef idx="2">
-          <a:scrgbClr r="0" g="0" b="0"/>
-        </a:lnRef>
-        <a:fillRef idx="1">
-          <a:scrgbClr r="0" g="0" b="0"/>
-        </a:fillRef>
-        <a:effectRef idx="0">
-          <a:scrgbClr r="0" g="0" b="0"/>
-        </a:effectRef>
-        <a:fontRef idx="minor"/>
-      </dsp:style>
-    </dsp:sp>
-    <dsp:sp modelId="{028ACF3B-911D-4CF7-9B5E-5DD84F7352D1}">
-      <dsp:nvSpPr>
-        <dsp:cNvPr id="0" name=""/>
-        <dsp:cNvSpPr/>
-      </dsp:nvSpPr>
-      <dsp:spPr>
-        <a:xfrm>
-          <a:off x="601435" y="1117520"/>
-          <a:ext cx="7930245" cy="678960"/>
-        </a:xfrm>
-        <a:prstGeom prst="roundRect">
-          <a:avLst/>
-        </a:prstGeom>
-        <a:solidFill>
-          <a:schemeClr val="accent1">
-            <a:lumMod val="75000"/>
-          </a:schemeClr>
-        </a:solidFill>
-        <a:ln w="12700" cap="flat" cmpd="sng" algn="ctr">
-          <a:solidFill>
-            <a:schemeClr val="lt1">
-              <a:hueOff val="0"/>
-              <a:satOff val="0"/>
-              <a:lumOff val="0"/>
-              <a:alphaOff val="0"/>
-            </a:schemeClr>
-          </a:solidFill>
-          <a:prstDash val="solid"/>
-          <a:miter lim="800000"/>
-        </a:ln>
-        <a:effectLst/>
-      </dsp:spPr>
-      <dsp:style>
-        <a:lnRef idx="2">
-          <a:scrgbClr r="0" g="0" b="0"/>
-        </a:lnRef>
-        <a:fillRef idx="1">
-          <a:scrgbClr r="0" g="0" b="0"/>
-        </a:fillRef>
-        <a:effectRef idx="0">
-          <a:scrgbClr r="0" g="0" b="0"/>
-        </a:effectRef>
-        <a:fontRef idx="minor">
-          <a:schemeClr val="lt1"/>
-        </a:fontRef>
-      </dsp:style>
-      <dsp:txBody>
-        <a:bodyPr spcFirstLastPara="0" vert="horz" wrap="square" lIns="250000" tIns="0" rIns="250000" bIns="0" numCol="1" spcCol="1270" anchor="ctr" anchorCtr="0">
-          <a:noAutofit/>
-        </a:bodyPr>
-        <a:lstStyle/>
-        <a:p>
-          <a:pPr marL="0" lvl="0" indent="0" algn="l" defTabSz="1422400">
-            <a:lnSpc>
-              <a:spcPct val="90000"/>
-            </a:lnSpc>
-            <a:spcBef>
-              <a:spcPct val="0"/>
-            </a:spcBef>
-            <a:spcAft>
-              <a:spcPct val="35000"/>
-            </a:spcAft>
-            <a:buNone/>
-          </a:pPr>
-          <a:r>
-            <a:rPr lang="en-US" sz="3200" kern="1200" dirty="0" err="1">
-              <a:latin typeface="Cambria" panose="02040503050406030204" pitchFamily="18" charset="0"/>
-            </a:rPr>
-            <a:t>Nghiên</a:t>
-          </a:r>
-          <a:r>
-            <a:rPr lang="en-US" sz="3200" kern="1200" dirty="0">
-              <a:latin typeface="Cambria" panose="02040503050406030204" pitchFamily="18" charset="0"/>
-            </a:rPr>
-            <a:t> </a:t>
-          </a:r>
-          <a:r>
-            <a:rPr lang="en-US" sz="3200" kern="1200" dirty="0" err="1">
-              <a:latin typeface="Cambria" panose="02040503050406030204" pitchFamily="18" charset="0"/>
-            </a:rPr>
-            <a:t>cứu</a:t>
-          </a:r>
-          <a:r>
-            <a:rPr lang="en-US" sz="3200" kern="1200" dirty="0">
-              <a:latin typeface="Cambria" panose="02040503050406030204" pitchFamily="18" charset="0"/>
-            </a:rPr>
-            <a:t> </a:t>
-          </a:r>
-          <a:r>
-            <a:rPr lang="en-US" sz="3200" kern="1200" dirty="0" err="1">
-              <a:latin typeface="Cambria" panose="02040503050406030204" pitchFamily="18" charset="0"/>
-            </a:rPr>
-            <a:t>liên</a:t>
-          </a:r>
-          <a:r>
-            <a:rPr lang="en-US" sz="3200" kern="1200" dirty="0">
-              <a:latin typeface="Cambria" panose="02040503050406030204" pitchFamily="18" charset="0"/>
-            </a:rPr>
-            <a:t> </a:t>
-          </a:r>
-          <a:r>
-            <a:rPr lang="en-US" sz="3200" kern="1200" dirty="0" err="1">
-              <a:latin typeface="Cambria" panose="02040503050406030204" pitchFamily="18" charset="0"/>
-            </a:rPr>
-            <a:t>quan</a:t>
-          </a:r>
-          <a:endParaRPr lang="en-US" sz="3200" kern="1200" dirty="0">
-            <a:latin typeface="Cambria" panose="02040503050406030204" pitchFamily="18" charset="0"/>
-          </a:endParaRPr>
-        </a:p>
-      </dsp:txBody>
-      <dsp:txXfrm>
-        <a:off x="634579" y="1150664"/>
-        <a:ext cx="7863957" cy="612672"/>
+        <a:off x="630336" y="100126"/>
+        <a:ext cx="7846665" cy="772500"/>
       </dsp:txXfrm>
     </dsp:sp>
     <dsp:sp modelId="{F104BA71-78B5-4D31-988D-A0BEFEA8CCF2}">
@@ -1872,8 +1615,8 @@
       </dsp:nvSpPr>
       <dsp:spPr>
         <a:xfrm>
-          <a:off x="0" y="2490856"/>
-          <a:ext cx="9448799" cy="579600"/>
+          <a:off x="0" y="1801816"/>
+          <a:ext cx="9448799" cy="730800"/>
         </a:xfrm>
         <a:prstGeom prst="rect">
           <a:avLst/>
@@ -1921,8 +1664,8 @@
       </dsp:nvSpPr>
       <dsp:spPr>
         <a:xfrm>
-          <a:off x="604264" y="2151376"/>
-          <a:ext cx="7930245" cy="678960"/>
+          <a:off x="604264" y="1373776"/>
+          <a:ext cx="7930245" cy="856080"/>
         </a:xfrm>
         <a:prstGeom prst="roundRect">
           <a:avLst/>
@@ -2026,8 +1769,8 @@
         </a:p>
       </dsp:txBody>
       <dsp:txXfrm>
-        <a:off x="637408" y="2184520"/>
-        <a:ext cx="7863957" cy="612672"/>
+        <a:off x="646054" y="1415566"/>
+        <a:ext cx="7846665" cy="772500"/>
       </dsp:txXfrm>
     </dsp:sp>
     <dsp:sp modelId="{4B3016A9-E2DC-4BA8-AFF3-9F3FCC9BCAD3}">
@@ -2037,8 +1780,8 @@
       </dsp:nvSpPr>
       <dsp:spPr>
         <a:xfrm>
-          <a:off x="0" y="3534136"/>
-          <a:ext cx="9448799" cy="579600"/>
+          <a:off x="0" y="3117256"/>
+          <a:ext cx="9448799" cy="730800"/>
         </a:xfrm>
         <a:prstGeom prst="rect">
           <a:avLst/>
@@ -2086,8 +1829,8 @@
       </dsp:nvSpPr>
       <dsp:spPr>
         <a:xfrm>
-          <a:off x="604264" y="3194656"/>
-          <a:ext cx="7930245" cy="678960"/>
+          <a:off x="604264" y="2689216"/>
+          <a:ext cx="7930245" cy="856080"/>
         </a:xfrm>
         <a:prstGeom prst="roundRect">
           <a:avLst/>
@@ -2167,11 +1910,44 @@
             </a:rPr>
             <a:t> </a:t>
           </a:r>
+          <a:r>
+            <a:rPr lang="en-US" sz="3200" kern="1200" dirty="0" err="1">
+              <a:latin typeface="Cambria" panose="02040503050406030204" pitchFamily="18" charset="0"/>
+            </a:rPr>
+            <a:t>và</a:t>
+          </a:r>
+          <a:r>
+            <a:rPr lang="en-US" sz="3200" kern="1200" dirty="0">
+              <a:latin typeface="Cambria" panose="02040503050406030204" pitchFamily="18" charset="0"/>
+            </a:rPr>
+            <a:t> </a:t>
+          </a:r>
+          <a:r>
+            <a:rPr lang="en-US" sz="3200" kern="1200" dirty="0" err="1">
+              <a:latin typeface="Cambria" panose="02040503050406030204" pitchFamily="18" charset="0"/>
+            </a:rPr>
+            <a:t>kết</a:t>
+          </a:r>
+          <a:r>
+            <a:rPr lang="en-US" sz="3200" kern="1200" dirty="0">
+              <a:latin typeface="Cambria" panose="02040503050406030204" pitchFamily="18" charset="0"/>
+            </a:rPr>
+            <a:t> </a:t>
+          </a:r>
+          <a:r>
+            <a:rPr lang="en-US" sz="3200" kern="1200" dirty="0" err="1">
+              <a:latin typeface="Cambria" panose="02040503050406030204" pitchFamily="18" charset="0"/>
+            </a:rPr>
+            <a:t>quả</a:t>
+          </a:r>
+          <a:endParaRPr lang="en-US" sz="3200" kern="1200" dirty="0">
+            <a:latin typeface="Cambria" panose="02040503050406030204" pitchFamily="18" charset="0"/>
+          </a:endParaRPr>
         </a:p>
       </dsp:txBody>
       <dsp:txXfrm>
-        <a:off x="637408" y="3227800"/>
-        <a:ext cx="7863957" cy="612672"/>
+        <a:off x="646054" y="2731006"/>
+        <a:ext cx="7846665" cy="772500"/>
       </dsp:txXfrm>
     </dsp:sp>
     <dsp:sp modelId="{07F6ECAF-85A0-4A1C-A6ED-78C59B0B34DB}">
@@ -2181,8 +1957,8 @@
       </dsp:nvSpPr>
       <dsp:spPr>
         <a:xfrm>
-          <a:off x="0" y="4577416"/>
-          <a:ext cx="9448799" cy="579600"/>
+          <a:off x="0" y="4432696"/>
+          <a:ext cx="9448799" cy="730800"/>
         </a:xfrm>
         <a:prstGeom prst="rect">
           <a:avLst/>
@@ -2230,8 +2006,8 @@
       </dsp:nvSpPr>
       <dsp:spPr>
         <a:xfrm>
-          <a:off x="604264" y="4237936"/>
-          <a:ext cx="7930245" cy="678960"/>
+          <a:off x="604264" y="4004656"/>
+          <a:ext cx="7930245" cy="856080"/>
         </a:xfrm>
         <a:prstGeom prst="roundRect">
           <a:avLst/>
@@ -2311,8 +2087,8 @@
         </a:p>
       </dsp:txBody>
       <dsp:txXfrm>
-        <a:off x="637408" y="4271080"/>
-        <a:ext cx="7863957" cy="612672"/>
+        <a:off x="646054" y="4046446"/>
+        <a:ext cx="7846665" cy="772500"/>
       </dsp:txXfrm>
     </dsp:sp>
   </dsp:spTree>
@@ -3661,7 +3437,7 @@
             <a:fld id="{B417D659-7A39-441F-A69A-2A31767F1AA5}" type="datetimeFigureOut">
               <a:rPr lang="en-US" smtClean="0"/>
               <a:pPr/>
-              <a:t>1/10/2024</a:t>
+              <a:t>1/15/2024</a:t>
             </a:fld>
             <a:endParaRPr lang="en-US"/>
           </a:p>
@@ -4313,7 +4089,7 @@
                 <a:latin typeface="Verdana" panose="020B0604030504040204" pitchFamily="34" charset="0"/>
               </a:rPr>
               <a:pPr eaLnBrk="1" hangingPunct="1"/>
-              <a:t>9</a:t>
+              <a:t>7</a:t>
             </a:fld>
             <a:endParaRPr lang="en-US" sz="1200">
               <a:latin typeface="Verdana" panose="020B0604030504040204" pitchFamily="34" charset="0"/>
@@ -10231,7 +10007,7 @@
           <p:cNvPr id="2" name="Title 1">
             <a:extLst>
               <a:ext uri="{FF2B5EF4-FFF2-40B4-BE49-F238E27FC236}">
-                <a16:creationId xmlns:a16="http://schemas.microsoft.com/office/drawing/2014/main" id="{C900A04F-7B24-F8F5-7598-D662ED1515FD}"/>
+                <a16:creationId xmlns:a16="http://schemas.microsoft.com/office/drawing/2014/main" id="{B2BDB952-C4E4-E5A7-9E03-0D66FA743909}"/>
               </a:ext>
             </a:extLst>
           </p:cNvPr>
@@ -10259,10 +10035,7 @@
               <a:rPr lang="en-US" dirty="0" err="1"/>
               <a:t>nghiệm</a:t>
             </a:r>
-            <a:r>
-              <a:rPr lang="en-US" dirty="0"/>
-              <a:t> </a:t>
-            </a:r>
+            <a:endParaRPr lang="en-US" dirty="0"/>
           </a:p>
         </p:txBody>
       </p:sp>
@@ -10271,7 +10044,7 @@
           <p:cNvPr id="3" name="Content Placeholder 2">
             <a:extLst>
               <a:ext uri="{FF2B5EF4-FFF2-40B4-BE49-F238E27FC236}">
-                <a16:creationId xmlns:a16="http://schemas.microsoft.com/office/drawing/2014/main" id="{52C8E888-CA05-884C-CDA6-2B8553363B97}"/>
+                <a16:creationId xmlns:a16="http://schemas.microsoft.com/office/drawing/2014/main" id="{2B4FB0D7-7B2F-3889-778A-CF0BACC03775}"/>
               </a:ext>
             </a:extLst>
           </p:cNvPr>
@@ -10282,19 +10055,14 @@
             <p:ph idx="1"/>
           </p:nvPr>
         </p:nvSpPr>
-        <p:spPr>
-          <a:xfrm>
-            <a:off x="449943" y="1190171"/>
-            <a:ext cx="11350172" cy="1317359"/>
-          </a:xfrm>
-        </p:spPr>
+        <p:spPr/>
         <p:txBody>
           <a:bodyPr/>
           <a:lstStyle/>
           <a:p>
             <a:r>
               <a:rPr lang="en-US" dirty="0" err="1"/>
-              <a:t>Thiết</a:t>
+              <a:t>Xây</a:t>
             </a:r>
             <a:r>
               <a:rPr lang="en-US" dirty="0"/>
@@ -10302,7 +10070,7 @@
             </a:r>
             <a:r>
               <a:rPr lang="en-US" dirty="0" err="1"/>
-              <a:t>kế</a:t>
+              <a:t>dựng</a:t>
             </a:r>
             <a:r>
               <a:rPr lang="en-US" dirty="0"/>
@@ -10310,7 +10078,7 @@
             </a:r>
             <a:r>
               <a:rPr lang="en-US" dirty="0" err="1"/>
-              <a:t>giao</a:t>
+              <a:t>các</a:t>
             </a:r>
             <a:r>
               <a:rPr lang="en-US" dirty="0"/>
@@ -10318,315 +10086,349 @@
             </a:r>
             <a:r>
               <a:rPr lang="en-US" dirty="0" err="1"/>
-              <a:t>diện</a:t>
+              <a:t>chức</a:t>
             </a:r>
             <a:r>
               <a:rPr lang="en-US" dirty="0"/>
-              <a:t> : </a:t>
-            </a:r>
-            <a:r>
-              <a:rPr lang="en-US" b="0" dirty="0" err="1">
-                <a:solidFill>
-                  <a:schemeClr val="tx1"/>
-                </a:solidFill>
-              </a:rPr>
-              <a:t>xây</a:t>
-            </a:r>
-            <a:r>
-              <a:rPr lang="en-US" b="0" dirty="0">
-                <a:solidFill>
-                  <a:schemeClr val="tx1"/>
-                </a:solidFill>
-              </a:rPr>
               <a:t> </a:t>
             </a:r>
             <a:r>
-              <a:rPr lang="en-US" b="0" dirty="0" err="1">
-                <a:solidFill>
-                  <a:schemeClr val="tx1"/>
-                </a:solidFill>
-              </a:rPr>
-              <a:t>dựng</a:t>
-            </a:r>
-            <a:r>
-              <a:rPr lang="en-US" b="0" dirty="0">
-                <a:solidFill>
-                  <a:schemeClr val="tx1"/>
-                </a:solidFill>
-              </a:rPr>
+              <a:rPr lang="en-US" dirty="0" err="1"/>
+              <a:t>năng</a:t>
+            </a:r>
+            <a:r>
+              <a:rPr lang="en-US" dirty="0"/>
               <a:t> </a:t>
             </a:r>
             <a:r>
-              <a:rPr lang="en-US" b="0" dirty="0" err="1">
-                <a:solidFill>
-                  <a:schemeClr val="tx1"/>
-                </a:solidFill>
-              </a:rPr>
-              <a:t>một</a:t>
-            </a:r>
-            <a:r>
-              <a:rPr lang="en-US" b="0" dirty="0">
-                <a:solidFill>
-                  <a:schemeClr val="tx1"/>
-                </a:solidFill>
-              </a:rPr>
+              <a:rPr lang="en-US" dirty="0" err="1"/>
+              <a:t>của</a:t>
+            </a:r>
+            <a:r>
+              <a:rPr lang="en-US" dirty="0"/>
+              <a:t> web:</a:t>
+            </a:r>
+          </a:p>
+          <a:p>
+            <a:pPr lvl="1"/>
+            <a:r>
+              <a:rPr lang="en-US" dirty="0" err="1"/>
+              <a:t>Hiển</a:t>
+            </a:r>
+            <a:r>
+              <a:rPr lang="en-US" dirty="0"/>
               <a:t> </a:t>
             </a:r>
             <a:r>
-              <a:rPr lang="en-US" b="0" dirty="0" err="1">
-                <a:solidFill>
-                  <a:schemeClr val="tx1"/>
-                </a:solidFill>
-              </a:rPr>
+              <a:rPr lang="en-US" dirty="0" err="1"/>
+              <a:t>thị</a:t>
+            </a:r>
+            <a:r>
+              <a:rPr lang="en-US" dirty="0"/>
+              <a:t> </a:t>
+            </a:r>
+            <a:r>
+              <a:rPr lang="en-US" dirty="0" err="1"/>
+              <a:t>sản</a:t>
+            </a:r>
+            <a:r>
+              <a:rPr lang="en-US" dirty="0"/>
+              <a:t> </a:t>
+            </a:r>
+            <a:r>
+              <a:rPr lang="en-US" dirty="0" err="1"/>
+              <a:t>phẩm</a:t>
+            </a:r>
+            <a:endParaRPr lang="en-US" dirty="0"/>
+          </a:p>
+          <a:p>
+            <a:pPr lvl="1"/>
+            <a:r>
+              <a:rPr lang="en-US" dirty="0" err="1"/>
+              <a:t>Xem</a:t>
+            </a:r>
+            <a:r>
+              <a:rPr lang="en-US" dirty="0"/>
+              <a:t> chi </a:t>
+            </a:r>
+            <a:r>
+              <a:rPr lang="en-US" dirty="0" err="1"/>
+              <a:t>tiết</a:t>
+            </a:r>
+            <a:r>
+              <a:rPr lang="en-US" dirty="0"/>
+              <a:t> </a:t>
+            </a:r>
+            <a:r>
+              <a:rPr lang="en-US" dirty="0" err="1"/>
+              <a:t>sản</a:t>
+            </a:r>
+            <a:r>
+              <a:rPr lang="en-US" dirty="0"/>
+              <a:t> </a:t>
+            </a:r>
+            <a:r>
+              <a:rPr lang="en-US" dirty="0" err="1"/>
+              <a:t>phẩm</a:t>
+            </a:r>
+            <a:endParaRPr lang="en-US" dirty="0"/>
+          </a:p>
+          <a:p>
+            <a:pPr lvl="1"/>
+            <a:r>
+              <a:rPr lang="en-US" dirty="0" err="1"/>
+              <a:t>Tìm</a:t>
+            </a:r>
+            <a:r>
+              <a:rPr lang="en-US" dirty="0"/>
+              <a:t> </a:t>
+            </a:r>
+            <a:r>
+              <a:rPr lang="en-US" dirty="0" err="1"/>
+              <a:t>kiếm</a:t>
+            </a:r>
+            <a:r>
+              <a:rPr lang="en-US" dirty="0"/>
+              <a:t> </a:t>
+            </a:r>
+            <a:r>
+              <a:rPr lang="en-US" dirty="0" err="1"/>
+              <a:t>sản</a:t>
+            </a:r>
+            <a:r>
+              <a:rPr lang="en-US" dirty="0"/>
+              <a:t> </a:t>
+            </a:r>
+            <a:r>
+              <a:rPr lang="en-US" dirty="0" err="1"/>
+              <a:t>phẩm</a:t>
+            </a:r>
+            <a:endParaRPr lang="en-US" dirty="0"/>
+          </a:p>
+          <a:p>
+            <a:pPr lvl="1"/>
+            <a:r>
+              <a:rPr lang="en-US" dirty="0" err="1"/>
+              <a:t>Phân</a:t>
+            </a:r>
+            <a:r>
+              <a:rPr lang="en-US" dirty="0"/>
+              <a:t> </a:t>
+            </a:r>
+            <a:r>
+              <a:rPr lang="en-US" dirty="0" err="1"/>
+              <a:t>loại</a:t>
+            </a:r>
+            <a:r>
+              <a:rPr lang="en-US" dirty="0"/>
+              <a:t> </a:t>
+            </a:r>
+            <a:r>
+              <a:rPr lang="en-US" dirty="0" err="1"/>
+              <a:t>sản</a:t>
+            </a:r>
+            <a:r>
+              <a:rPr lang="en-US" dirty="0"/>
+              <a:t> </a:t>
+            </a:r>
+            <a:r>
+              <a:rPr lang="en-US" dirty="0" err="1"/>
+              <a:t>phẩm</a:t>
+            </a:r>
+            <a:r>
+              <a:rPr lang="en-US" dirty="0"/>
+              <a:t> </a:t>
+            </a:r>
+          </a:p>
+          <a:p>
+            <a:pPr lvl="1"/>
+            <a:r>
+              <a:rPr lang="en-US" dirty="0" err="1"/>
+              <a:t>Thêm</a:t>
+            </a:r>
+            <a:r>
+              <a:rPr lang="en-US" dirty="0"/>
+              <a:t> </a:t>
+            </a:r>
+            <a:r>
+              <a:rPr lang="en-US" dirty="0" err="1"/>
+              <a:t>giỏ</a:t>
+            </a:r>
+            <a:r>
+              <a:rPr lang="en-US" dirty="0"/>
+              <a:t> </a:t>
+            </a:r>
+            <a:r>
+              <a:rPr lang="en-US" dirty="0" err="1"/>
+              <a:t>hàng</a:t>
+            </a:r>
+            <a:r>
+              <a:rPr lang="en-US" dirty="0"/>
+              <a:t>, </a:t>
+            </a:r>
+            <a:r>
+              <a:rPr lang="en-US" dirty="0" err="1"/>
+              <a:t>cập</a:t>
+            </a:r>
+            <a:r>
+              <a:rPr lang="en-US" dirty="0"/>
+              <a:t> </a:t>
+            </a:r>
+            <a:r>
+              <a:rPr lang="en-US" dirty="0" err="1"/>
+              <a:t>nhật</a:t>
+            </a:r>
+            <a:r>
+              <a:rPr lang="en-US" dirty="0"/>
+              <a:t> </a:t>
+            </a:r>
+            <a:r>
+              <a:rPr lang="en-US" dirty="0" err="1"/>
               <a:t>số</a:t>
             </a:r>
             <a:r>
-              <a:rPr lang="en-US" b="0" dirty="0">
-                <a:solidFill>
-                  <a:schemeClr val="tx1"/>
-                </a:solidFill>
-              </a:rPr>
+              <a:rPr lang="en-US" dirty="0"/>
               <a:t> </a:t>
             </a:r>
             <a:r>
-              <a:rPr lang="en-US" b="0" dirty="0" err="1">
-                <a:solidFill>
-                  <a:schemeClr val="tx1"/>
-                </a:solidFill>
-              </a:rPr>
-              <a:t>mẫu</a:t>
-            </a:r>
-            <a:r>
-              <a:rPr lang="en-US" b="0" dirty="0">
-                <a:solidFill>
-                  <a:schemeClr val="tx1"/>
-                </a:solidFill>
-              </a:rPr>
+              <a:rPr lang="en-US" dirty="0" err="1"/>
+              <a:t>lượng</a:t>
+            </a:r>
+            <a:endParaRPr lang="en-US" dirty="0"/>
+          </a:p>
+          <a:p>
+            <a:pPr lvl="1"/>
+            <a:r>
+              <a:rPr lang="en-US" dirty="0" err="1"/>
+              <a:t>Đăng</a:t>
+            </a:r>
+            <a:r>
+              <a:rPr lang="en-US" dirty="0"/>
               <a:t> </a:t>
             </a:r>
             <a:r>
-              <a:rPr lang="en-US" b="0" dirty="0" err="1">
-                <a:solidFill>
-                  <a:schemeClr val="tx1"/>
-                </a:solidFill>
-              </a:rPr>
-              <a:t>giao</a:t>
-            </a:r>
-            <a:r>
-              <a:rPr lang="en-US" b="0" dirty="0">
-                <a:solidFill>
-                  <a:schemeClr val="tx1"/>
-                </a:solidFill>
-              </a:rPr>
+              <a:rPr lang="en-US" dirty="0" err="1"/>
+              <a:t>nhập</a:t>
+            </a:r>
+            <a:r>
+              <a:rPr lang="en-US" dirty="0"/>
+              <a:t>, </a:t>
+            </a:r>
+            <a:r>
+              <a:rPr lang="en-US" dirty="0" err="1"/>
+              <a:t>đăng</a:t>
+            </a:r>
+            <a:r>
+              <a:rPr lang="en-US" dirty="0"/>
               <a:t> </a:t>
             </a:r>
             <a:r>
-              <a:rPr lang="en-US" b="0" dirty="0" err="1">
-                <a:solidFill>
-                  <a:schemeClr val="tx1"/>
-                </a:solidFill>
-              </a:rPr>
-              <a:t>diện</a:t>
-            </a:r>
-            <a:r>
-              <a:rPr lang="en-US" b="0" dirty="0">
-                <a:solidFill>
-                  <a:schemeClr val="tx1"/>
-                </a:solidFill>
-              </a:rPr>
+              <a:rPr lang="en-US" dirty="0" err="1"/>
+              <a:t>kí</a:t>
+            </a:r>
+            <a:endParaRPr lang="en-US" dirty="0"/>
+          </a:p>
+          <a:p>
+            <a:pPr lvl="1"/>
+            <a:r>
+              <a:rPr lang="en-US" dirty="0"/>
+              <a:t>Mua </a:t>
+            </a:r>
+            <a:r>
+              <a:rPr lang="en-US" dirty="0" err="1"/>
+              <a:t>hàng</a:t>
+            </a:r>
+            <a:r>
+              <a:rPr lang="en-US" dirty="0"/>
+              <a:t>, </a:t>
+            </a:r>
+            <a:r>
+              <a:rPr lang="en-US" dirty="0" err="1"/>
+              <a:t>thanh</a:t>
+            </a:r>
+            <a:r>
+              <a:rPr lang="en-US" dirty="0"/>
               <a:t> </a:t>
             </a:r>
             <a:r>
-              <a:rPr lang="en-US" b="0" dirty="0" err="1">
-                <a:solidFill>
-                  <a:schemeClr val="tx1"/>
-                </a:solidFill>
-              </a:rPr>
-              <a:t>cho</a:t>
-            </a:r>
-            <a:r>
-              <a:rPr lang="en-US" b="0" dirty="0">
-                <a:solidFill>
-                  <a:schemeClr val="tx1"/>
-                </a:solidFill>
-              </a:rPr>
+              <a:rPr lang="en-US" dirty="0" err="1"/>
+              <a:t>toán</a:t>
+            </a:r>
+            <a:endParaRPr lang="en-US" dirty="0"/>
+          </a:p>
+          <a:p>
+            <a:pPr lvl="1"/>
+            <a:r>
+              <a:rPr lang="en-US" dirty="0" err="1"/>
+              <a:t>Thêm</a:t>
+            </a:r>
+            <a:r>
+              <a:rPr lang="en-US" dirty="0"/>
               <a:t> </a:t>
             </a:r>
             <a:r>
-              <a:rPr lang="en-US" b="0" dirty="0" err="1">
-                <a:solidFill>
-                  <a:schemeClr val="tx1"/>
-                </a:solidFill>
-              </a:rPr>
-              <a:t>cửa</a:t>
-            </a:r>
-            <a:r>
-              <a:rPr lang="en-US" b="0" dirty="0">
-                <a:solidFill>
-                  <a:schemeClr val="tx1"/>
-                </a:solidFill>
-              </a:rPr>
+              <a:rPr lang="en-US" dirty="0" err="1"/>
+              <a:t>sản</a:t>
+            </a:r>
+            <a:r>
+              <a:rPr lang="en-US" dirty="0"/>
               <a:t> </a:t>
             </a:r>
             <a:r>
-              <a:rPr lang="en-US" b="0" dirty="0" err="1">
-                <a:solidFill>
-                  <a:schemeClr val="tx1"/>
-                </a:solidFill>
-              </a:rPr>
-              <a:t>hàng</a:t>
-            </a:r>
-            <a:r>
-              <a:rPr lang="en-US" b="0" dirty="0">
-                <a:solidFill>
-                  <a:schemeClr val="tx1"/>
-                </a:solidFill>
-              </a:rPr>
+              <a:rPr lang="en-US" dirty="0" err="1"/>
+              <a:t>phẩm</a:t>
+            </a:r>
+            <a:endParaRPr lang="en-US" dirty="0"/>
+          </a:p>
+          <a:p>
+            <a:pPr lvl="1"/>
+            <a:r>
+              <a:rPr lang="en-US" dirty="0" err="1"/>
+              <a:t>Gợi</a:t>
+            </a:r>
+            <a:r>
+              <a:rPr lang="en-US" dirty="0"/>
+              <a:t> ý </a:t>
+            </a:r>
+            <a:r>
+              <a:rPr lang="en-US" dirty="0" err="1"/>
+              <a:t>sản</a:t>
+            </a:r>
+            <a:r>
+              <a:rPr lang="en-US" dirty="0"/>
               <a:t> </a:t>
             </a:r>
             <a:r>
-              <a:rPr lang="en-US" b="0" dirty="0" err="1">
-                <a:solidFill>
-                  <a:schemeClr val="tx1"/>
-                </a:solidFill>
-              </a:rPr>
-              <a:t>nhu</a:t>
-            </a:r>
-            <a:r>
-              <a:rPr lang="en-US" b="0" dirty="0">
-                <a:solidFill>
-                  <a:schemeClr val="tx1"/>
-                </a:solidFill>
-              </a:rPr>
+              <a:rPr lang="en-US" dirty="0" err="1"/>
+              <a:t>phẩm</a:t>
+            </a:r>
+            <a:r>
+              <a:rPr lang="en-US" dirty="0"/>
+              <a:t> (</a:t>
+            </a:r>
+            <a:r>
+              <a:rPr lang="en-US" dirty="0" err="1"/>
+              <a:t>chưa</a:t>
+            </a:r>
+            <a:r>
+              <a:rPr lang="en-US" dirty="0"/>
               <a:t> </a:t>
             </a:r>
             <a:r>
-              <a:rPr lang="en-US" b="0" dirty="0" err="1">
-                <a:solidFill>
-                  <a:schemeClr val="tx1"/>
-                </a:solidFill>
-              </a:rPr>
-              <a:t>trang</a:t>
-            </a:r>
-            <a:r>
-              <a:rPr lang="en-US" b="0" dirty="0">
-                <a:solidFill>
-                  <a:schemeClr val="tx1"/>
-                </a:solidFill>
-              </a:rPr>
+              <a:rPr lang="en-US" dirty="0" err="1"/>
+              <a:t>hoàn</a:t>
+            </a:r>
+            <a:r>
+              <a:rPr lang="en-US" dirty="0"/>
               <a:t> </a:t>
             </a:r>
             <a:r>
-              <a:rPr lang="en-US" b="0" dirty="0" err="1">
-                <a:solidFill>
-                  <a:schemeClr val="tx1"/>
-                </a:solidFill>
-              </a:rPr>
-              <a:t>chủ</a:t>
-            </a:r>
-            <a:r>
-              <a:rPr lang="en-US" b="0" dirty="0">
-                <a:solidFill>
-                  <a:schemeClr val="tx1"/>
-                </a:solidFill>
-              </a:rPr>
-              <a:t>, </a:t>
-            </a:r>
-            <a:r>
-              <a:rPr lang="en-US" b="0" dirty="0" err="1">
-                <a:solidFill>
-                  <a:schemeClr val="tx1"/>
-                </a:solidFill>
-              </a:rPr>
-              <a:t>hiển</a:t>
-            </a:r>
-            <a:r>
-              <a:rPr lang="en-US" b="0" dirty="0">
-                <a:solidFill>
-                  <a:schemeClr val="tx1"/>
-                </a:solidFill>
-              </a:rPr>
-              <a:t> </a:t>
-            </a:r>
-            <a:r>
-              <a:rPr lang="en-US" b="0" dirty="0" err="1">
-                <a:solidFill>
-                  <a:schemeClr val="tx1"/>
-                </a:solidFill>
-              </a:rPr>
-              <a:t>thị</a:t>
-            </a:r>
-            <a:r>
-              <a:rPr lang="en-US" b="0" dirty="0">
-                <a:solidFill>
-                  <a:schemeClr val="tx1"/>
-                </a:solidFill>
-              </a:rPr>
-              <a:t> </a:t>
-            </a:r>
-            <a:r>
-              <a:rPr lang="en-US" b="0" dirty="0" err="1">
-                <a:solidFill>
-                  <a:schemeClr val="tx1"/>
-                </a:solidFill>
-              </a:rPr>
-              <a:t>sản</a:t>
-            </a:r>
-            <a:r>
-              <a:rPr lang="en-US" b="0" dirty="0">
-                <a:solidFill>
-                  <a:schemeClr val="tx1"/>
-                </a:solidFill>
-              </a:rPr>
-              <a:t> </a:t>
-            </a:r>
-            <a:r>
-              <a:rPr lang="en-US" b="0" dirty="0" err="1">
-                <a:solidFill>
-                  <a:schemeClr val="tx1"/>
-                </a:solidFill>
-              </a:rPr>
-              <a:t>phẩm</a:t>
-            </a:r>
-            <a:r>
-              <a:rPr lang="en-US" b="0" dirty="0">
-                <a:solidFill>
-                  <a:schemeClr val="tx1"/>
-                </a:solidFill>
-              </a:rPr>
-              <a:t>, </a:t>
-            </a:r>
-            <a:r>
-              <a:rPr lang="en-US" b="0" dirty="0" err="1">
-                <a:solidFill>
-                  <a:schemeClr val="tx1"/>
-                </a:solidFill>
-              </a:rPr>
-              <a:t>giỏ</a:t>
-            </a:r>
-            <a:r>
-              <a:rPr lang="en-US" b="0" dirty="0">
-                <a:solidFill>
-                  <a:schemeClr val="tx1"/>
-                </a:solidFill>
-              </a:rPr>
-              <a:t> </a:t>
-            </a:r>
-            <a:r>
-              <a:rPr lang="en-US" b="0" dirty="0" err="1">
-                <a:solidFill>
-                  <a:schemeClr val="tx1"/>
-                </a:solidFill>
-              </a:rPr>
-              <a:t>hàng</a:t>
-            </a:r>
-            <a:r>
-              <a:rPr lang="en-US" b="0" dirty="0">
-                <a:solidFill>
-                  <a:schemeClr val="tx1"/>
-                </a:solidFill>
-              </a:rPr>
-              <a:t>.</a:t>
+              <a:rPr lang="en-US" dirty="0" err="1"/>
+              <a:t>thiện</a:t>
+            </a:r>
+            <a:r>
+              <a:rPr lang="en-US" dirty="0"/>
+              <a:t>)</a:t>
             </a:r>
           </a:p>
         </p:txBody>
@@ -10636,7 +10438,7 @@
           <p:cNvPr id="4" name="Slide Number Placeholder 3">
             <a:extLst>
               <a:ext uri="{FF2B5EF4-FFF2-40B4-BE49-F238E27FC236}">
-                <a16:creationId xmlns:a16="http://schemas.microsoft.com/office/drawing/2014/main" id="{132E08EA-593F-5151-E028-009C2B0EFA05}"/>
+                <a16:creationId xmlns:a16="http://schemas.microsoft.com/office/drawing/2014/main" id="{25AC7649-3CDD-9BA6-AAC2-895EEFD01F3E}"/>
               </a:ext>
             </a:extLst>
           </p:cNvPr>
@@ -10668,130 +10470,10 @@
           </a:p>
         </p:txBody>
       </p:sp>
-      <p:pic>
-        <p:nvPicPr>
-          <p:cNvPr id="6" name="Picture 5">
-            <a:extLst>
-              <a:ext uri="{FF2B5EF4-FFF2-40B4-BE49-F238E27FC236}">
-                <a16:creationId xmlns:a16="http://schemas.microsoft.com/office/drawing/2014/main" id="{A292C26D-0096-D1B6-9528-E0C134A60ACB}"/>
-              </a:ext>
-            </a:extLst>
-          </p:cNvPr>
-          <p:cNvPicPr>
-            <a:picLocks noChangeAspect="1"/>
-          </p:cNvPicPr>
-          <p:nvPr/>
-        </p:nvPicPr>
-        <p:blipFill>
-          <a:blip r:embed="rId2"/>
-          <a:stretch>
-            <a:fillRect/>
-          </a:stretch>
-        </p:blipFill>
-        <p:spPr>
-          <a:xfrm>
-            <a:off x="1047201" y="2422688"/>
-            <a:ext cx="3793399" cy="1583703"/>
-          </a:xfrm>
-          <a:prstGeom prst="rect">
-            <a:avLst/>
-          </a:prstGeom>
-        </p:spPr>
-      </p:pic>
-      <p:pic>
-        <p:nvPicPr>
-          <p:cNvPr id="8" name="Picture 7">
-            <a:extLst>
-              <a:ext uri="{FF2B5EF4-FFF2-40B4-BE49-F238E27FC236}">
-                <a16:creationId xmlns:a16="http://schemas.microsoft.com/office/drawing/2014/main" id="{94D639AC-ED94-C7A8-8038-5B3EF2334130}"/>
-              </a:ext>
-            </a:extLst>
-          </p:cNvPr>
-          <p:cNvPicPr>
-            <a:picLocks noChangeAspect="1"/>
-          </p:cNvPicPr>
-          <p:nvPr/>
-        </p:nvPicPr>
-        <p:blipFill>
-          <a:blip r:embed="rId3"/>
-          <a:stretch>
-            <a:fillRect/>
-          </a:stretch>
-        </p:blipFill>
-        <p:spPr>
-          <a:xfrm>
-            <a:off x="6796520" y="1792275"/>
-            <a:ext cx="3911729" cy="2138411"/>
-          </a:xfrm>
-          <a:prstGeom prst="rect">
-            <a:avLst/>
-          </a:prstGeom>
-        </p:spPr>
-      </p:pic>
-      <p:pic>
-        <p:nvPicPr>
-          <p:cNvPr id="10" name="Picture 9">
-            <a:extLst>
-              <a:ext uri="{FF2B5EF4-FFF2-40B4-BE49-F238E27FC236}">
-                <a16:creationId xmlns:a16="http://schemas.microsoft.com/office/drawing/2014/main" id="{E0D8EE75-78F4-3E79-0065-1C3AA0F82C9B}"/>
-              </a:ext>
-            </a:extLst>
-          </p:cNvPr>
-          <p:cNvPicPr>
-            <a:picLocks noChangeAspect="1"/>
-          </p:cNvPicPr>
-          <p:nvPr/>
-        </p:nvPicPr>
-        <p:blipFill>
-          <a:blip r:embed="rId4"/>
-          <a:stretch>
-            <a:fillRect/>
-          </a:stretch>
-        </p:blipFill>
-        <p:spPr>
-          <a:xfrm>
-            <a:off x="683877" y="4350471"/>
-            <a:ext cx="5441152" cy="1851820"/>
-          </a:xfrm>
-          <a:prstGeom prst="rect">
-            <a:avLst/>
-          </a:prstGeom>
-        </p:spPr>
-      </p:pic>
-      <p:pic>
-        <p:nvPicPr>
-          <p:cNvPr id="12" name="Picture 11">
-            <a:extLst>
-              <a:ext uri="{FF2B5EF4-FFF2-40B4-BE49-F238E27FC236}">
-                <a16:creationId xmlns:a16="http://schemas.microsoft.com/office/drawing/2014/main" id="{FCB65B17-9A73-19B9-5459-9A3F390E0734}"/>
-              </a:ext>
-            </a:extLst>
-          </p:cNvPr>
-          <p:cNvPicPr>
-            <a:picLocks noChangeAspect="1"/>
-          </p:cNvPicPr>
-          <p:nvPr/>
-        </p:nvPicPr>
-        <p:blipFill>
-          <a:blip r:embed="rId5"/>
-          <a:stretch>
-            <a:fillRect/>
-          </a:stretch>
-        </p:blipFill>
-        <p:spPr>
-          <a:xfrm>
-            <a:off x="7120762" y="3930686"/>
-            <a:ext cx="3915013" cy="2271605"/>
-          </a:xfrm>
-          <a:prstGeom prst="rect">
-            <a:avLst/>
-          </a:prstGeom>
-        </p:spPr>
-      </p:pic>
     </p:spTree>
     <p:extLst>
       <p:ext uri="{BB962C8B-B14F-4D97-AF65-F5344CB8AC3E}">
-        <p14:creationId xmlns:p14="http://schemas.microsoft.com/office/powerpoint/2010/main" val="2600001806"/>
+        <p14:creationId xmlns:p14="http://schemas.microsoft.com/office/powerpoint/2010/main" val="967813397"/>
       </p:ext>
     </p:extLst>
   </p:cSld>
@@ -10877,8 +10559,12 @@
           <a:lstStyle/>
           <a:p>
             <a:r>
+              <a:rPr lang="en-US" dirty="0"/>
+              <a:t>Thu </a:t>
+            </a:r>
+            <a:r>
               <a:rPr lang="en-US" dirty="0" err="1"/>
-              <a:t>Xây</a:t>
+              <a:t>thập</a:t>
             </a:r>
             <a:r>
               <a:rPr lang="en-US" dirty="0"/>
@@ -10886,7 +10572,7 @@
             </a:r>
             <a:r>
               <a:rPr lang="en-US" dirty="0" err="1"/>
-              <a:t>dựng</a:t>
+              <a:t>và</a:t>
             </a:r>
             <a:r>
               <a:rPr lang="en-US" dirty="0"/>
@@ -10894,7 +10580,7 @@
             </a:r>
             <a:r>
               <a:rPr lang="en-US" dirty="0" err="1"/>
-              <a:t>hệ</a:t>
+              <a:t>xử</a:t>
             </a:r>
             <a:r>
               <a:rPr lang="en-US" dirty="0"/>
@@ -10902,7 +10588,7 @@
             </a:r>
             <a:r>
               <a:rPr lang="en-US" dirty="0" err="1"/>
-              <a:t>quản</a:t>
+              <a:t>lí</a:t>
             </a:r>
             <a:r>
               <a:rPr lang="en-US" dirty="0"/>
@@ -10910,7 +10596,7 @@
             </a:r>
             <a:r>
               <a:rPr lang="en-US" dirty="0" err="1"/>
-              <a:t>trị</a:t>
+              <a:t>dữ</a:t>
             </a:r>
             <a:r>
               <a:rPr lang="en-US" dirty="0"/>
@@ -10918,39 +10604,28 @@
             </a:r>
             <a:r>
               <a:rPr lang="en-US" dirty="0" err="1"/>
-              <a:t>cơ</a:t>
-            </a:r>
+              <a:t>liệu</a:t>
+            </a:r>
+            <a:r>
+              <a:rPr lang="en-US"/>
+              <a:t> </a:t>
+            </a:r>
+            <a:r>
+              <a:rPr lang="en-US">
+                <a:hlinkClick r:id="rId2"/>
+              </a:rPr>
+              <a:t>[2]</a:t>
+            </a:r>
+            <a:endParaRPr lang="en-US" dirty="0"/>
+          </a:p>
+          <a:p>
+            <a:pPr marL="0" indent="0">
+              <a:buNone/>
+            </a:pPr>
             <a:r>
               <a:rPr lang="en-US" dirty="0"/>
-              <a:t> </a:t>
-            </a:r>
-            <a:r>
-              <a:rPr lang="en-US" dirty="0" err="1"/>
-              <a:t>sở</a:t>
-            </a:r>
-            <a:r>
-              <a:rPr lang="en-US" dirty="0"/>
-              <a:t> </a:t>
-            </a:r>
-            <a:r>
-              <a:rPr lang="en-US" dirty="0" err="1"/>
-              <a:t>dữ</a:t>
-            </a:r>
-            <a:r>
-              <a:rPr lang="en-US" dirty="0"/>
-              <a:t> </a:t>
-            </a:r>
-            <a:r>
-              <a:rPr lang="en-US" dirty="0" err="1"/>
-              <a:t>liệu</a:t>
-            </a:r>
-            <a:r>
-              <a:rPr lang="en-US" dirty="0"/>
-              <a:t>:</a:t>
-            </a:r>
-          </a:p>
-          <a:p>
-            <a:endParaRPr lang="en-US" dirty="0"/>
+              <a:t>\</a:t>
+            </a:r>
           </a:p>
         </p:txBody>
       </p:sp>
@@ -10993,10 +10668,10 @@
       </p:sp>
       <p:pic>
         <p:nvPicPr>
-          <p:cNvPr id="6" name="Picture 5">
+          <p:cNvPr id="8" name="Picture 7">
             <a:extLst>
               <a:ext uri="{FF2B5EF4-FFF2-40B4-BE49-F238E27FC236}">
-                <a16:creationId xmlns:a16="http://schemas.microsoft.com/office/drawing/2014/main" id="{E1D465A0-342A-F91A-E354-A169784E4C66}"/>
+                <a16:creationId xmlns:a16="http://schemas.microsoft.com/office/drawing/2014/main" id="{902CDC7A-C58A-4E8A-5B11-5593D70DB05F}"/>
               </a:ext>
             </a:extLst>
           </p:cNvPr>
@@ -11006,15 +10681,73 @@
           <p:nvPr/>
         </p:nvPicPr>
         <p:blipFill>
-          <a:blip r:embed="rId2"/>
+          <a:blip r:embed="rId3"/>
           <a:stretch>
             <a:fillRect/>
           </a:stretch>
         </p:blipFill>
         <p:spPr>
           <a:xfrm>
-            <a:off x="2726534" y="1917003"/>
-            <a:ext cx="5427651" cy="4259018"/>
+            <a:off x="449943" y="1853056"/>
+            <a:ext cx="4863807" cy="3899615"/>
+          </a:xfrm>
+          <a:prstGeom prst="rect">
+            <a:avLst/>
+          </a:prstGeom>
+        </p:spPr>
+      </p:pic>
+      <p:pic>
+        <p:nvPicPr>
+          <p:cNvPr id="10" name="Picture 9">
+            <a:extLst>
+              <a:ext uri="{FF2B5EF4-FFF2-40B4-BE49-F238E27FC236}">
+                <a16:creationId xmlns:a16="http://schemas.microsoft.com/office/drawing/2014/main" id="{25837232-7C6A-6ABD-BFF8-CEC6826D919F}"/>
+              </a:ext>
+            </a:extLst>
+          </p:cNvPr>
+          <p:cNvPicPr>
+            <a:picLocks noChangeAspect="1"/>
+          </p:cNvPicPr>
+          <p:nvPr/>
+        </p:nvPicPr>
+        <p:blipFill rotWithShape="1">
+          <a:blip r:embed="rId4"/>
+          <a:srcRect r="50129"/>
+          <a:stretch/>
+        </p:blipFill>
+        <p:spPr>
+          <a:xfrm>
+            <a:off x="5497014" y="1281163"/>
+            <a:ext cx="6119836" cy="2192448"/>
+          </a:xfrm>
+          <a:prstGeom prst="rect">
+            <a:avLst/>
+          </a:prstGeom>
+        </p:spPr>
+      </p:pic>
+      <p:pic>
+        <p:nvPicPr>
+          <p:cNvPr id="12" name="Picture 11">
+            <a:extLst>
+              <a:ext uri="{FF2B5EF4-FFF2-40B4-BE49-F238E27FC236}">
+                <a16:creationId xmlns:a16="http://schemas.microsoft.com/office/drawing/2014/main" id="{F5DD942C-4E69-4E05-7EDF-A7E02842751B}"/>
+              </a:ext>
+            </a:extLst>
+          </p:cNvPr>
+          <p:cNvPicPr>
+            <a:picLocks noChangeAspect="1"/>
+          </p:cNvPicPr>
+          <p:nvPr/>
+        </p:nvPicPr>
+        <p:blipFill rotWithShape="1">
+          <a:blip r:embed="rId4"/>
+          <a:srcRect l="49215" t="4065" r="-509" b="-4065"/>
+          <a:stretch/>
+        </p:blipFill>
+        <p:spPr>
+          <a:xfrm>
+            <a:off x="5631032" y="3665454"/>
+            <a:ext cx="6111026" cy="2179678"/>
           </a:xfrm>
           <a:prstGeom prst="rect">
             <a:avLst/>
@@ -11024,7 +10757,7 @@
     </p:spTree>
     <p:extLst>
       <p:ext uri="{BB962C8B-B14F-4D97-AF65-F5344CB8AC3E}">
-        <p14:creationId xmlns:p14="http://schemas.microsoft.com/office/powerpoint/2010/main" val="4006938409"/>
+        <p14:creationId xmlns:p14="http://schemas.microsoft.com/office/powerpoint/2010/main" val="3689437155"/>
       </p:ext>
     </p:extLst>
   </p:cSld>
@@ -11110,12 +10843,8 @@
           <a:lstStyle/>
           <a:p>
             <a:r>
-              <a:rPr lang="en-US" dirty="0"/>
-              <a:t>Thu </a:t>
-            </a:r>
-            <a:r>
               <a:rPr lang="en-US" dirty="0" err="1"/>
-              <a:t>thập</a:t>
+              <a:t>Dữ</a:t>
             </a:r>
             <a:r>
               <a:rPr lang="en-US" dirty="0"/>
@@ -11123,7 +10852,7 @@
             </a:r>
             <a:r>
               <a:rPr lang="en-US" dirty="0" err="1"/>
-              <a:t>và</a:t>
+              <a:t>liệu</a:t>
             </a:r>
             <a:r>
               <a:rPr lang="en-US" dirty="0"/>
@@ -11131,7 +10860,7 @@
             </a:r>
             <a:r>
               <a:rPr lang="en-US" dirty="0" err="1"/>
-              <a:t>xử</a:t>
+              <a:t>sau</a:t>
             </a:r>
             <a:r>
               <a:rPr lang="en-US" dirty="0"/>
@@ -11139,7 +10868,7 @@
             </a:r>
             <a:r>
               <a:rPr lang="en-US" dirty="0" err="1"/>
-              <a:t>lí</a:t>
+              <a:t>khi</a:t>
             </a:r>
             <a:r>
               <a:rPr lang="en-US" dirty="0"/>
@@ -11147,7 +10876,7 @@
             </a:r>
             <a:r>
               <a:rPr lang="en-US" dirty="0" err="1"/>
-              <a:t>dữ</a:t>
+              <a:t>được</a:t>
             </a:r>
             <a:r>
               <a:rPr lang="en-US" dirty="0"/>
@@ -11155,18 +10884,20 @@
             </a:r>
             <a:r>
               <a:rPr lang="en-US" dirty="0" err="1"/>
-              <a:t>liệu</a:t>
+              <a:t>xử</a:t>
+            </a:r>
+            <a:r>
+              <a:rPr lang="en-US" dirty="0"/>
+              <a:t> </a:t>
+            </a:r>
+            <a:r>
+              <a:rPr lang="en-US" dirty="0" err="1"/>
+              <a:t>lí</a:t>
             </a:r>
             <a:endParaRPr lang="en-US" dirty="0"/>
           </a:p>
           <a:p>
-            <a:pPr marL="0" indent="0">
-              <a:buNone/>
-            </a:pPr>
-            <a:r>
-              <a:rPr lang="en-US" dirty="0"/>
-              <a:t>\</a:t>
-            </a:r>
+            <a:endParaRPr lang="en-US" dirty="0"/>
           </a:p>
         </p:txBody>
       </p:sp>
@@ -11209,10 +10940,10 @@
       </p:sp>
       <p:pic>
         <p:nvPicPr>
-          <p:cNvPr id="8" name="Picture 7">
+          <p:cNvPr id="5" name="Picture 4" descr="A screen shot of a computer&#10;&#10;Description automatically generated">
             <a:extLst>
               <a:ext uri="{FF2B5EF4-FFF2-40B4-BE49-F238E27FC236}">
-                <a16:creationId xmlns:a16="http://schemas.microsoft.com/office/drawing/2014/main" id="{902CDC7A-C58A-4E8A-5B11-5593D70DB05F}"/>
+                <a16:creationId xmlns:a16="http://schemas.microsoft.com/office/drawing/2014/main" id="{D390619D-D63A-5A76-DE99-FBC094B2D3F1}"/>
               </a:ext>
             </a:extLst>
           </p:cNvPr>
@@ -11229,66 +10960,8 @@
         </p:blipFill>
         <p:spPr>
           <a:xfrm>
-            <a:off x="449943" y="1853056"/>
-            <a:ext cx="4863807" cy="3899615"/>
-          </a:xfrm>
-          <a:prstGeom prst="rect">
-            <a:avLst/>
-          </a:prstGeom>
-        </p:spPr>
-      </p:pic>
-      <p:pic>
-        <p:nvPicPr>
-          <p:cNvPr id="10" name="Picture 9">
-            <a:extLst>
-              <a:ext uri="{FF2B5EF4-FFF2-40B4-BE49-F238E27FC236}">
-                <a16:creationId xmlns:a16="http://schemas.microsoft.com/office/drawing/2014/main" id="{25837232-7C6A-6ABD-BFF8-CEC6826D919F}"/>
-              </a:ext>
-            </a:extLst>
-          </p:cNvPr>
-          <p:cNvPicPr>
-            <a:picLocks noChangeAspect="1"/>
-          </p:cNvPicPr>
-          <p:nvPr/>
-        </p:nvPicPr>
-        <p:blipFill rotWithShape="1">
-          <a:blip r:embed="rId3"/>
-          <a:srcRect r="50129"/>
-          <a:stretch/>
-        </p:blipFill>
-        <p:spPr>
-          <a:xfrm>
-            <a:off x="5497014" y="1281163"/>
-            <a:ext cx="6119836" cy="2192448"/>
-          </a:xfrm>
-          <a:prstGeom prst="rect">
-            <a:avLst/>
-          </a:prstGeom>
-        </p:spPr>
-      </p:pic>
-      <p:pic>
-        <p:nvPicPr>
-          <p:cNvPr id="12" name="Picture 11">
-            <a:extLst>
-              <a:ext uri="{FF2B5EF4-FFF2-40B4-BE49-F238E27FC236}">
-                <a16:creationId xmlns:a16="http://schemas.microsoft.com/office/drawing/2014/main" id="{F5DD942C-4E69-4E05-7EDF-A7E02842751B}"/>
-              </a:ext>
-            </a:extLst>
-          </p:cNvPr>
-          <p:cNvPicPr>
-            <a:picLocks noChangeAspect="1"/>
-          </p:cNvPicPr>
-          <p:nvPr/>
-        </p:nvPicPr>
-        <p:blipFill rotWithShape="1">
-          <a:blip r:embed="rId3"/>
-          <a:srcRect l="49215" t="4065" r="-509" b="-4065"/>
-          <a:stretch/>
-        </p:blipFill>
-        <p:spPr>
-          <a:xfrm>
-            <a:off x="5631032" y="3665454"/>
-            <a:ext cx="6111026" cy="2179678"/>
+            <a:off x="861496" y="1895242"/>
+            <a:ext cx="8206573" cy="4137020"/>
           </a:xfrm>
           <a:prstGeom prst="rect">
             <a:avLst/>
@@ -11298,7 +10971,7 @@
     </p:spTree>
     <p:extLst>
       <p:ext uri="{BB962C8B-B14F-4D97-AF65-F5344CB8AC3E}">
-        <p14:creationId xmlns:p14="http://schemas.microsoft.com/office/powerpoint/2010/main" val="3689437155"/>
+        <p14:creationId xmlns:p14="http://schemas.microsoft.com/office/powerpoint/2010/main" val="3021270914"/>
       </p:ext>
     </p:extLst>
   </p:cSld>
@@ -11384,8 +11057,23 @@
           <a:lstStyle/>
           <a:p>
             <a:r>
+              <a:rPr lang="en-US" dirty="0"/>
+              <a:t>FP-growth (</a:t>
+            </a:r>
+            <a:r>
+              <a:rPr lang="en-US" sz="2800" b="1" dirty="0"/>
+              <a:t>Frequent Pattern-growth )</a:t>
+            </a:r>
+            <a:r>
+              <a:rPr lang="en-US" dirty="0"/>
+              <a:t>:</a:t>
+            </a:r>
+          </a:p>
+          <a:p>
+            <a:pPr lvl="1"/>
+            <a:r>
               <a:rPr lang="en-US" dirty="0" err="1"/>
-              <a:t>Dữ</a:t>
+              <a:t>Xây</a:t>
             </a:r>
             <a:r>
               <a:rPr lang="en-US" dirty="0"/>
@@ -11393,7 +11081,7 @@
             </a:r>
             <a:r>
               <a:rPr lang="en-US" dirty="0" err="1"/>
-              <a:t>liệu</a:t>
+              <a:t>dựng</a:t>
             </a:r>
             <a:r>
               <a:rPr lang="en-US" dirty="0"/>
@@ -11401,7 +11089,15 @@
             </a:r>
             <a:r>
               <a:rPr lang="en-US" dirty="0" err="1"/>
-              <a:t>sau</a:t>
+              <a:t>fp</a:t>
+            </a:r>
+            <a:r>
+              <a:rPr lang="en-US" dirty="0"/>
+              <a:t>-growth </a:t>
+            </a:r>
+            <a:r>
+              <a:rPr lang="en-US" dirty="0" err="1"/>
+              <a:t>chạy</a:t>
             </a:r>
             <a:r>
               <a:rPr lang="en-US" dirty="0"/>
@@ -11409,7 +11105,7 @@
             </a:r>
             <a:r>
               <a:rPr lang="en-US" dirty="0" err="1"/>
-              <a:t>khi</a:t>
+              <a:t>với</a:t>
             </a:r>
             <a:r>
               <a:rPr lang="en-US" dirty="0"/>
@@ -11417,7 +11113,7 @@
             </a:r>
             <a:r>
               <a:rPr lang="en-US" dirty="0" err="1"/>
-              <a:t>được</a:t>
+              <a:t>bộ</a:t>
             </a:r>
             <a:r>
               <a:rPr lang="en-US" dirty="0"/>
@@ -11425,7 +11121,7 @@
             </a:r>
             <a:r>
               <a:rPr lang="en-US" dirty="0" err="1"/>
-              <a:t>xử</a:t>
+              <a:t>dữ</a:t>
             </a:r>
             <a:r>
               <a:rPr lang="en-US" dirty="0"/>
@@ -11433,12 +11129,115 @@
             </a:r>
             <a:r>
               <a:rPr lang="en-US" dirty="0" err="1"/>
+              <a:t>liệu</a:t>
+            </a:r>
+            <a:r>
+              <a:rPr lang="en-US" dirty="0"/>
+              <a:t> </a:t>
+            </a:r>
+            <a:r>
+              <a:rPr lang="en-US" dirty="0" err="1"/>
+              <a:t>đã</a:t>
+            </a:r>
+            <a:r>
+              <a:rPr lang="en-US" dirty="0"/>
+              <a:t> </a:t>
+            </a:r>
+            <a:r>
+              <a:rPr lang="en-US" dirty="0" err="1"/>
+              <a:t>được</a:t>
+            </a:r>
+            <a:r>
+              <a:rPr lang="en-US" dirty="0"/>
+              <a:t> </a:t>
+            </a:r>
+            <a:r>
+              <a:rPr lang="en-US" dirty="0" err="1"/>
+              <a:t>xử</a:t>
+            </a:r>
+            <a:r>
+              <a:rPr lang="en-US" dirty="0"/>
+              <a:t> </a:t>
+            </a:r>
+            <a:r>
+              <a:rPr lang="en-US" dirty="0" err="1"/>
               <a:t>lí</a:t>
             </a:r>
+            <a:r>
+              <a:rPr lang="en-US" dirty="0"/>
+              <a:t>.</a:t>
+            </a:r>
+          </a:p>
+          <a:p>
+            <a:pPr lvl="1"/>
+            <a:r>
+              <a:rPr lang="en-US" dirty="0" err="1"/>
+              <a:t>Với</a:t>
+            </a:r>
+            <a:r>
+              <a:rPr lang="en-US" dirty="0"/>
+              <a:t> </a:t>
+            </a:r>
+            <a:r>
+              <a:rPr lang="en-US" dirty="0" err="1"/>
+              <a:t>minsupport</a:t>
+            </a:r>
+            <a:r>
+              <a:rPr lang="en-US" dirty="0"/>
+              <a:t> = 0.02 ta </a:t>
+            </a:r>
+            <a:r>
+              <a:rPr lang="en-US" dirty="0" err="1"/>
+              <a:t>có</a:t>
+            </a:r>
+            <a:r>
+              <a:rPr lang="en-US" dirty="0"/>
+              <a:t> </a:t>
+            </a:r>
+            <a:r>
+              <a:rPr lang="en-US" dirty="0" err="1"/>
+              <a:t>được</a:t>
+            </a:r>
+            <a:r>
+              <a:rPr lang="en-US" dirty="0"/>
+              <a:t> </a:t>
+            </a:r>
+            <a:r>
+              <a:rPr lang="en-US" dirty="0" err="1"/>
+              <a:t>các</a:t>
+            </a:r>
+            <a:r>
+              <a:rPr lang="en-US" dirty="0"/>
+              <a:t> </a:t>
+            </a:r>
+            <a:r>
+              <a:rPr lang="en-US" dirty="0" err="1"/>
+              <a:t>kết</a:t>
+            </a:r>
+            <a:r>
+              <a:rPr lang="en-US" dirty="0"/>
+              <a:t> </a:t>
+            </a:r>
+            <a:r>
+              <a:rPr lang="en-US" dirty="0" err="1"/>
+              <a:t>quả</a:t>
+            </a:r>
+            <a:r>
+              <a:rPr lang="en-US" dirty="0"/>
+              <a:t>:</a:t>
+            </a:r>
+          </a:p>
+          <a:p>
+            <a:pPr marL="344487" lvl="1" indent="0">
+              <a:buNone/>
+            </a:pPr>
             <a:endParaRPr lang="en-US" dirty="0"/>
           </a:p>
           <a:p>
-            <a:endParaRPr lang="en-US" dirty="0"/>
+            <a:pPr marL="0" indent="0">
+              <a:buNone/>
+            </a:pPr>
+            <a:endParaRPr lang="en-US" b="0" dirty="0"/>
           </a:p>
         </p:txBody>
       </p:sp>
@@ -11481,10 +11280,10 @@
       </p:sp>
       <p:pic>
         <p:nvPicPr>
-          <p:cNvPr id="5" name="Picture 4" descr="A screen shot of a computer&#10;&#10;Description automatically generated">
+          <p:cNvPr id="5" name="Picture 4">
             <a:extLst>
               <a:ext uri="{FF2B5EF4-FFF2-40B4-BE49-F238E27FC236}">
-                <a16:creationId xmlns:a16="http://schemas.microsoft.com/office/drawing/2014/main" id="{D390619D-D63A-5A76-DE99-FBC094B2D3F1}"/>
+                <a16:creationId xmlns:a16="http://schemas.microsoft.com/office/drawing/2014/main" id="{8F38E210-341B-DAC5-28A3-6778A31CADAD}"/>
               </a:ext>
             </a:extLst>
           </p:cNvPr>
@@ -11493,16 +11292,15 @@
           </p:cNvPicPr>
           <p:nvPr/>
         </p:nvPicPr>
-        <p:blipFill>
+        <p:blipFill rotWithShape="1">
           <a:blip r:embed="rId2"/>
-          <a:stretch>
-            <a:fillRect/>
-          </a:stretch>
+          <a:srcRect t="28352"/>
+          <a:stretch/>
         </p:blipFill>
         <p:spPr>
           <a:xfrm>
-            <a:off x="861496" y="1895242"/>
-            <a:ext cx="8206573" cy="4137020"/>
+            <a:off x="449942" y="2656382"/>
+            <a:ext cx="9212531" cy="3519639"/>
           </a:xfrm>
           <a:prstGeom prst="rect">
             <a:avLst/>
@@ -11512,7 +11310,7 @@
     </p:spTree>
     <p:extLst>
       <p:ext uri="{BB962C8B-B14F-4D97-AF65-F5344CB8AC3E}">
-        <p14:creationId xmlns:p14="http://schemas.microsoft.com/office/powerpoint/2010/main" val="3021270914"/>
+        <p14:creationId xmlns:p14="http://schemas.microsoft.com/office/powerpoint/2010/main" val="1296754513"/>
       </p:ext>
     </p:extLst>
   </p:cSld>
@@ -11599,14 +11397,30 @@
           <a:p>
             <a:r>
               <a:rPr lang="en-US" dirty="0"/>
-              <a:t>FP-growth:</a:t>
+              <a:t>FP-growth (</a:t>
+            </a:r>
+            <a:r>
+              <a:rPr lang="en-US" sz="2800" b="1" dirty="0"/>
+              <a:t>Frequent Pattern-growth )</a:t>
+            </a:r>
+            <a:r>
+              <a:rPr lang="en-US" dirty="0"/>
+              <a:t>:</a:t>
             </a:r>
           </a:p>
           <a:p>
             <a:pPr lvl="1"/>
             <a:r>
+              <a:rPr lang="vi-VN" dirty="0"/>
+              <a:t>Các mặt hàng có giá trị hỗ trợ cao đều có xu hướng phổ biến trong dữ liệu mua sắm. Điều này có thể là các sản phẩm phổ biến và được nhiều khách hàng chọn mua. </a:t>
+            </a:r>
+            <a:endParaRPr lang="en-US" dirty="0"/>
+          </a:p>
+          <a:p>
+            <a:pPr lvl="1"/>
+            <a:r>
               <a:rPr lang="en-US" dirty="0" err="1"/>
-              <a:t>Xây</a:t>
+              <a:t>Thử</a:t>
             </a:r>
             <a:r>
               <a:rPr lang="en-US" dirty="0"/>
@@ -11614,7 +11428,7 @@
             </a:r>
             <a:r>
               <a:rPr lang="en-US" dirty="0" err="1"/>
-              <a:t>dựng</a:t>
+              <a:t>dự</a:t>
             </a:r>
             <a:r>
               <a:rPr lang="en-US" dirty="0"/>
@@ -11622,142 +11436,11 @@
             </a:r>
             <a:r>
               <a:rPr lang="en-US" dirty="0" err="1"/>
-              <a:t>fp</a:t>
+              <a:t>doán</a:t>
             </a:r>
             <a:r>
               <a:rPr lang="en-US" dirty="0"/>
-              <a:t>-growth </a:t>
-            </a:r>
-            <a:r>
-              <a:rPr lang="en-US" dirty="0" err="1"/>
-              <a:t>chạy</a:t>
-            </a:r>
-            <a:r>
-              <a:rPr lang="en-US" dirty="0"/>
-              <a:t> </a:t>
-            </a:r>
-            <a:r>
-              <a:rPr lang="en-US" dirty="0" err="1"/>
-              <a:t>với</a:t>
-            </a:r>
-            <a:r>
-              <a:rPr lang="en-US" dirty="0"/>
-              <a:t> </a:t>
-            </a:r>
-            <a:r>
-              <a:rPr lang="en-US" dirty="0" err="1"/>
-              <a:t>bộ</a:t>
-            </a:r>
-            <a:r>
-              <a:rPr lang="en-US" dirty="0"/>
-              <a:t> </a:t>
-            </a:r>
-            <a:r>
-              <a:rPr lang="en-US" dirty="0" err="1"/>
-              <a:t>dữ</a:t>
-            </a:r>
-            <a:r>
-              <a:rPr lang="en-US" dirty="0"/>
-              <a:t> </a:t>
-            </a:r>
-            <a:r>
-              <a:rPr lang="en-US" dirty="0" err="1"/>
-              <a:t>liệu</a:t>
-            </a:r>
-            <a:r>
-              <a:rPr lang="en-US" dirty="0"/>
-              <a:t> </a:t>
-            </a:r>
-            <a:r>
-              <a:rPr lang="en-US" dirty="0" err="1"/>
-              <a:t>đã</a:t>
-            </a:r>
-            <a:r>
-              <a:rPr lang="en-US" dirty="0"/>
-              <a:t> </a:t>
-            </a:r>
-            <a:r>
-              <a:rPr lang="en-US" dirty="0" err="1"/>
-              <a:t>được</a:t>
-            </a:r>
-            <a:r>
-              <a:rPr lang="en-US" dirty="0"/>
-              <a:t> </a:t>
-            </a:r>
-            <a:r>
-              <a:rPr lang="en-US" dirty="0" err="1"/>
-              <a:t>xử</a:t>
-            </a:r>
-            <a:r>
-              <a:rPr lang="en-US" dirty="0"/>
-              <a:t> </a:t>
-            </a:r>
-            <a:r>
-              <a:rPr lang="en-US" dirty="0" err="1"/>
-              <a:t>lí</a:t>
-            </a:r>
-            <a:r>
-              <a:rPr lang="en-US" dirty="0"/>
-              <a:t>.</a:t>
-            </a:r>
-          </a:p>
-          <a:p>
-            <a:pPr lvl="1"/>
-            <a:r>
-              <a:rPr lang="en-US" dirty="0" err="1"/>
-              <a:t>Với</a:t>
-            </a:r>
-            <a:r>
-              <a:rPr lang="en-US" dirty="0"/>
-              <a:t> </a:t>
-            </a:r>
-            <a:r>
-              <a:rPr lang="en-US" dirty="0" err="1"/>
-              <a:t>minsupport</a:t>
-            </a:r>
-            <a:r>
-              <a:rPr lang="en-US" dirty="0"/>
-              <a:t> = 0.02 ta </a:t>
-            </a:r>
-            <a:r>
-              <a:rPr lang="en-US" dirty="0" err="1"/>
-              <a:t>có</a:t>
-            </a:r>
-            <a:r>
-              <a:rPr lang="en-US" dirty="0"/>
-              <a:t> </a:t>
-            </a:r>
-            <a:r>
-              <a:rPr lang="en-US" dirty="0" err="1"/>
-              <a:t>được</a:t>
-            </a:r>
-            <a:r>
-              <a:rPr lang="en-US" dirty="0"/>
-              <a:t> </a:t>
-            </a:r>
-            <a:r>
-              <a:rPr lang="en-US" dirty="0" err="1"/>
-              <a:t>các</a:t>
-            </a:r>
-            <a:r>
-              <a:rPr lang="en-US" dirty="0"/>
-              <a:t> </a:t>
-            </a:r>
-            <a:r>
-              <a:rPr lang="en-US" dirty="0" err="1"/>
-              <a:t>kết</a:t>
-            </a:r>
-            <a:r>
-              <a:rPr lang="en-US" dirty="0"/>
-              <a:t> </a:t>
-            </a:r>
-            <a:r>
-              <a:rPr lang="en-US" dirty="0" err="1"/>
-              <a:t>quả</a:t>
-            </a:r>
-            <a:r>
-              <a:rPr lang="en-US" dirty="0"/>
-              <a:t>:</a:t>
+              <a:t> vs FP-growth</a:t>
             </a:r>
           </a:p>
           <a:p>
@@ -11813,10 +11496,10 @@
       </p:sp>
       <p:pic>
         <p:nvPicPr>
-          <p:cNvPr id="5" name="Picture 4">
+          <p:cNvPr id="7" name="Picture 6">
             <a:extLst>
               <a:ext uri="{FF2B5EF4-FFF2-40B4-BE49-F238E27FC236}">
-                <a16:creationId xmlns:a16="http://schemas.microsoft.com/office/drawing/2014/main" id="{8F38E210-341B-DAC5-28A3-6778A31CADAD}"/>
+                <a16:creationId xmlns:a16="http://schemas.microsoft.com/office/drawing/2014/main" id="{D758E018-C68F-E516-C7E2-768E45A72DE5}"/>
               </a:ext>
             </a:extLst>
           </p:cNvPr>
@@ -11825,15 +11508,46 @@
           </p:cNvPicPr>
           <p:nvPr/>
         </p:nvPicPr>
-        <p:blipFill rotWithShape="1">
+        <p:blipFill>
           <a:blip r:embed="rId2"/>
-          <a:srcRect t="28352"/>
-          <a:stretch/>
+          <a:stretch>
+            <a:fillRect/>
+          </a:stretch>
         </p:blipFill>
         <p:spPr>
           <a:xfrm>
-            <a:off x="449942" y="2656382"/>
-            <a:ext cx="9212531" cy="3519639"/>
+            <a:off x="767436" y="3237508"/>
+            <a:ext cx="4898245" cy="2173778"/>
+          </a:xfrm>
+          <a:prstGeom prst="rect">
+            <a:avLst/>
+          </a:prstGeom>
+        </p:spPr>
+      </p:pic>
+      <p:pic>
+        <p:nvPicPr>
+          <p:cNvPr id="6" name="Picture 5">
+            <a:extLst>
+              <a:ext uri="{FF2B5EF4-FFF2-40B4-BE49-F238E27FC236}">
+                <a16:creationId xmlns:a16="http://schemas.microsoft.com/office/drawing/2014/main" id="{D00630E4-7882-D8D3-CF6C-160C664141D5}"/>
+              </a:ext>
+            </a:extLst>
+          </p:cNvPr>
+          <p:cNvPicPr>
+            <a:picLocks noChangeAspect="1"/>
+          </p:cNvPicPr>
+          <p:nvPr/>
+        </p:nvPicPr>
+        <p:blipFill>
+          <a:blip r:embed="rId3"/>
+          <a:stretch>
+            <a:fillRect/>
+          </a:stretch>
+        </p:blipFill>
+        <p:spPr>
+          <a:xfrm>
+            <a:off x="6418640" y="2717871"/>
+            <a:ext cx="5323417" cy="3458149"/>
           </a:xfrm>
           <a:prstGeom prst="rect">
             <a:avLst/>
@@ -11843,7 +11557,7 @@
     </p:spTree>
     <p:extLst>
       <p:ext uri="{BB962C8B-B14F-4D97-AF65-F5344CB8AC3E}">
-        <p14:creationId xmlns:p14="http://schemas.microsoft.com/office/powerpoint/2010/main" val="1296754513"/>
+        <p14:creationId xmlns:p14="http://schemas.microsoft.com/office/powerpoint/2010/main" val="3883852287"/>
       </p:ext>
     </p:extLst>
   </p:cSld>
@@ -11930,55 +11644,25 @@
           <a:p>
             <a:r>
               <a:rPr lang="en-US" dirty="0"/>
-              <a:t>FP-growth:</a:t>
-            </a:r>
-          </a:p>
-          <a:p>
-            <a:pPr lvl="1"/>
-            <a:r>
-              <a:rPr lang="vi-VN" dirty="0"/>
-              <a:t>Các mặt hàng có giá trị hỗ trợ cao đều có xu hướng phổ biến trong dữ liệu mua sắm. Điều này có thể là các sản phẩm phổ biến và được nhiều khách hàng chọn mua. </a:t>
-            </a:r>
+              <a:t>FP-growth (</a:t>
+            </a:r>
+            <a:r>
+              <a:rPr lang="en-US" sz="2800" b="1" dirty="0"/>
+              <a:t>Frequent Pattern-growth )</a:t>
+            </a:r>
+            <a:r>
+              <a:rPr lang="en-US" dirty="0"/>
+              <a:t>:</a:t>
+            </a:r>
+          </a:p>
+          <a:p>
             <a:endParaRPr lang="en-US" dirty="0"/>
           </a:p>
           <a:p>
-            <a:pPr lvl="1"/>
-            <a:r>
-              <a:rPr lang="en-US" dirty="0" err="1"/>
-              <a:t>Thử</a:t>
-            </a:r>
-            <a:r>
-              <a:rPr lang="en-US" dirty="0"/>
-              <a:t> </a:t>
-            </a:r>
-            <a:r>
-              <a:rPr lang="en-US" dirty="0" err="1"/>
-              <a:t>dự</a:t>
-            </a:r>
-            <a:r>
-              <a:rPr lang="en-US" dirty="0"/>
-              <a:t> </a:t>
-            </a:r>
-            <a:r>
-              <a:rPr lang="en-US" dirty="0" err="1"/>
-              <a:t>doán</a:t>
-            </a:r>
-            <a:r>
-              <a:rPr lang="en-US" dirty="0"/>
-              <a:t> vs FP-growth</a:t>
-            </a:r>
-          </a:p>
-          <a:p>
-            <a:pPr marL="344487" lvl="1" indent="0">
+            <a:pPr marL="0" indent="0">
               <a:buNone/>
             </a:pPr>
             <a:endParaRPr lang="en-US" dirty="0"/>
-          </a:p>
-          <a:p>
-            <a:pPr marL="0" indent="0">
-              <a:buNone/>
-            </a:pPr>
-            <a:endParaRPr lang="en-US" b="0" dirty="0"/>
           </a:p>
         </p:txBody>
       </p:sp>
@@ -12019,36 +11703,6 @@
           </a:p>
         </p:txBody>
       </p:sp>
-      <p:pic>
-        <p:nvPicPr>
-          <p:cNvPr id="6" name="Picture 5">
-            <a:extLst>
-              <a:ext uri="{FF2B5EF4-FFF2-40B4-BE49-F238E27FC236}">
-                <a16:creationId xmlns:a16="http://schemas.microsoft.com/office/drawing/2014/main" id="{2E1DA516-78E6-DB0F-B02B-933F576D09CD}"/>
-              </a:ext>
-            </a:extLst>
-          </p:cNvPr>
-          <p:cNvPicPr>
-            <a:picLocks noChangeAspect="1"/>
-          </p:cNvPicPr>
-          <p:nvPr/>
-        </p:nvPicPr>
-        <p:blipFill>
-          <a:blip r:embed="rId2"/>
-          <a:stretch>
-            <a:fillRect/>
-          </a:stretch>
-        </p:blipFill>
-        <p:spPr>
-          <a:xfrm>
-            <a:off x="965798" y="2961814"/>
-            <a:ext cx="10184989" cy="1033501"/>
-          </a:xfrm>
-          <a:prstGeom prst="rect">
-            <a:avLst/>
-          </a:prstGeom>
-        </p:spPr>
-      </p:pic>
       <p:sp>
         <p:nvSpPr>
           <p:cNvPr id="8" name="TextBox 7">
@@ -12063,7 +11717,7 @@
         </p:nvSpPr>
         <p:spPr>
           <a:xfrm>
-            <a:off x="844370" y="4155417"/>
+            <a:off x="1047981" y="1772020"/>
             <a:ext cx="9732504" cy="461665"/>
           </a:xfrm>
           <a:prstGeom prst="rect">
@@ -12305,15 +11959,15 @@
           <p:nvPr/>
         </p:nvPicPr>
         <p:blipFill>
-          <a:blip r:embed="rId3"/>
+          <a:blip r:embed="rId2"/>
           <a:stretch>
             <a:fillRect/>
           </a:stretch>
         </p:blipFill>
         <p:spPr>
           <a:xfrm>
-            <a:off x="946758" y="4840897"/>
-            <a:ext cx="10298484" cy="489541"/>
+            <a:off x="937331" y="2352897"/>
+            <a:ext cx="9732504" cy="462637"/>
           </a:xfrm>
           <a:prstGeom prst="rect">
             <a:avLst/>
@@ -13005,6 +12659,46 @@
               <a:t>growth</a:t>
             </a:r>
             <a:r>
+              <a:rPr lang="en-US" dirty="0"/>
+              <a:t>, </a:t>
+            </a:r>
+            <a:r>
+              <a:rPr lang="en-US" dirty="0" err="1"/>
+              <a:t>xây</a:t>
+            </a:r>
+            <a:r>
+              <a:rPr lang="en-US" dirty="0"/>
+              <a:t> </a:t>
+            </a:r>
+            <a:r>
+              <a:rPr lang="en-US" dirty="0" err="1"/>
+              <a:t>dựng</a:t>
+            </a:r>
+            <a:r>
+              <a:rPr lang="en-US" dirty="0"/>
+              <a:t> </a:t>
+            </a:r>
+            <a:r>
+              <a:rPr lang="en-US" dirty="0" err="1"/>
+              <a:t>hàm</a:t>
+            </a:r>
+            <a:r>
+              <a:rPr lang="en-US" dirty="0"/>
+              <a:t> </a:t>
+            </a:r>
+            <a:r>
+              <a:rPr lang="en-US" dirty="0" err="1"/>
+              <a:t>đánh</a:t>
+            </a:r>
+            <a:r>
+              <a:rPr lang="en-US" dirty="0"/>
+              <a:t> </a:t>
+            </a:r>
+            <a:r>
+              <a:rPr lang="en-US" dirty="0" err="1"/>
+              <a:t>giá</a:t>
+            </a:r>
+            <a:r>
               <a:rPr lang="vi-VN" dirty="0"/>
               <a:t> để đảm bảo hiệu suất cao và khả năng mở rộng tốt trên các bộ dữ liệu lớn. </a:t>
             </a:r>
@@ -13130,8 +12824,8 @@
         </p:nvSpPr>
         <p:spPr>
           <a:xfrm>
-            <a:off x="2271485" y="2617999"/>
-            <a:ext cx="7649029" cy="882257"/>
+            <a:off x="1913641" y="2467169"/>
+            <a:ext cx="8022211" cy="882257"/>
           </a:xfrm>
         </p:spPr>
         <p:txBody>
@@ -13141,12 +12835,52 @@
           <a:lstStyle/>
           <a:p>
             <a:r>
+              <a:rPr lang="en-US" dirty="0">
+                <a:solidFill>
+                  <a:srgbClr val="0070C0"/>
+                </a:solidFill>
+              </a:rPr>
+              <a:t>Xin </a:t>
+            </a:r>
+            <a:r>
               <a:rPr lang="en-US" dirty="0" err="1">
                 <a:solidFill>
                   <a:srgbClr val="0070C0"/>
                 </a:solidFill>
               </a:rPr>
-              <a:t>Cám</a:t>
+              <a:t>chân</a:t>
+            </a:r>
+            <a:r>
+              <a:rPr lang="en-US" dirty="0">
+                <a:solidFill>
+                  <a:srgbClr val="0070C0"/>
+                </a:solidFill>
+              </a:rPr>
+              <a:t> </a:t>
+            </a:r>
+            <a:r>
+              <a:rPr lang="en-US" dirty="0" err="1">
+                <a:solidFill>
+                  <a:srgbClr val="0070C0"/>
+                </a:solidFill>
+              </a:rPr>
+              <a:t>thành</a:t>
+            </a:r>
+            <a:r>
+              <a:rPr lang="en-US" dirty="0">
+                <a:solidFill>
+                  <a:srgbClr val="0070C0"/>
+                </a:solidFill>
+              </a:rPr>
+              <a:t> </a:t>
+            </a:r>
+            <a:r>
+              <a:rPr lang="en-US" dirty="0" err="1">
+                <a:solidFill>
+                  <a:srgbClr val="0070C0"/>
+                </a:solidFill>
+              </a:rPr>
+              <a:t>cảm</a:t>
             </a:r>
             <a:r>
               <a:rPr lang="en-US" dirty="0">
@@ -13359,7 +13093,12 @@
             <p:ph type="title"/>
           </p:nvPr>
         </p:nvSpPr>
-        <p:spPr/>
+        <p:spPr>
+          <a:xfrm>
+            <a:off x="1397000" y="125587"/>
+            <a:ext cx="10403114" cy="867003"/>
+          </a:xfrm>
+        </p:spPr>
         <p:txBody>
           <a:bodyPr/>
           <a:lstStyle/>
@@ -13381,7 +13120,12 @@
             <p:ph type="sldNum" sz="quarter" idx="12"/>
           </p:nvPr>
         </p:nvSpPr>
-        <p:spPr/>
+        <p:spPr>
+          <a:xfrm>
+            <a:off x="10780485" y="6521156"/>
+            <a:ext cx="1019629" cy="365125"/>
+          </a:xfrm>
+        </p:spPr>
         <p:txBody>
           <a:bodyPr/>
           <a:lstStyle/>
@@ -13402,13 +13146,13 @@
           <p:nvPr>
             <p:extLst>
               <p:ext uri="{D42A27DB-BD31-4B8C-83A1-F6EECF244321}">
-                <p14:modId xmlns:p14="http://schemas.microsoft.com/office/powerpoint/2010/main" val="2410240308"/>
+                <p14:modId xmlns:p14="http://schemas.microsoft.com/office/powerpoint/2010/main" val="3123538217"/>
               </p:ext>
             </p:extLst>
           </p:nvPr>
         </p:nvGraphicFramePr>
         <p:xfrm>
-          <a:off x="2032000" y="1161143"/>
+          <a:off x="2032000" y="1189424"/>
           <a:ext cx="9448800" cy="5221833"/>
         </p:xfrm>
         <a:graphic>
@@ -15039,6 +14783,82 @@
       </p:sp>
       <p:sp>
         <p:nvSpPr>
+          <p:cNvPr id="3" name="Content Placeholder 2"/>
+          <p:cNvSpPr>
+            <a:spLocks noGrp="1"/>
+          </p:cNvSpPr>
+          <p:nvPr>
+            <p:ph idx="1"/>
+          </p:nvPr>
+        </p:nvSpPr>
+        <p:spPr/>
+        <p:txBody>
+          <a:bodyPr>
+            <a:normAutofit/>
+          </a:bodyPr>
+          <a:lstStyle/>
+          <a:p>
+            <a:r>
+              <a:rPr lang="en-US" dirty="0"/>
+              <a:t>Ý </a:t>
+            </a:r>
+            <a:r>
+              <a:rPr lang="en-US" dirty="0" err="1"/>
+              <a:t>nghĩa</a:t>
+            </a:r>
+            <a:r>
+              <a:rPr lang="en-US" dirty="0"/>
+              <a:t> </a:t>
+            </a:r>
+            <a:r>
+              <a:rPr lang="en-US" dirty="0" err="1"/>
+              <a:t>của</a:t>
+            </a:r>
+            <a:r>
+              <a:rPr lang="en-US" dirty="0"/>
+              <a:t> </a:t>
+            </a:r>
+            <a:r>
+              <a:rPr lang="en-US" dirty="0" err="1"/>
+              <a:t>đề</a:t>
+            </a:r>
+            <a:r>
+              <a:rPr lang="en-US" dirty="0"/>
+              <a:t> </a:t>
+            </a:r>
+            <a:r>
+              <a:rPr lang="en-US" dirty="0" err="1"/>
+              <a:t>tài</a:t>
+            </a:r>
+            <a:endParaRPr lang="en-US" dirty="0"/>
+          </a:p>
+          <a:p>
+            <a:pPr lvl="1" algn="just">
+              <a:lnSpc>
+                <a:spcPct val="150000"/>
+              </a:lnSpc>
+            </a:pPr>
+            <a:r>
+              <a:rPr lang="vi-VN" dirty="0"/>
+              <a:t>Đề tài có thể giúp quản lí hệ thống cửa hàng dễ dàng hơn, cải thiện được doanh thu, tăng lợi ích cho người kinh doanh và đáp ứng được nhu cầu sử dụng của khách hàng.</a:t>
+            </a:r>
+          </a:p>
+          <a:p>
+            <a:pPr lvl="1" algn="just">
+              <a:lnSpc>
+                <a:spcPct val="150000"/>
+              </a:lnSpc>
+            </a:pPr>
+            <a:r>
+              <a:rPr lang="vi-VN" dirty="0"/>
+              <a:t>Giúp mang lại giá trị thực tế cho cửa hàng, có thể ứng dụng cho ngành bán lẻ và có thể mở rộng cho các hệ thống cửa hàng.</a:t>
+            </a:r>
+            <a:endParaRPr lang="en-US" dirty="0"/>
+          </a:p>
+        </p:txBody>
+      </p:sp>
+      <p:sp>
+        <p:nvSpPr>
           <p:cNvPr id="4" name="Slide Number Placeholder 3"/>
           <p:cNvSpPr>
             <a:spLocks noGrp="1"/>
@@ -15061,242 +14881,10 @@
           </a:p>
         </p:txBody>
       </p:sp>
-      <p:pic>
-        <p:nvPicPr>
-          <p:cNvPr id="3074" name="Picture 2" descr="Đối tượng và phạm vi nghiên cứu là gì?">
-            <a:extLst>
-              <a:ext uri="{FF2B5EF4-FFF2-40B4-BE49-F238E27FC236}">
-                <a16:creationId xmlns:a16="http://schemas.microsoft.com/office/drawing/2014/main" id="{12ADEF41-3444-80BD-DEF9-5CF1EB09CD53}"/>
-              </a:ext>
-            </a:extLst>
-          </p:cNvPr>
-          <p:cNvPicPr>
-            <a:picLocks noChangeAspect="1" noChangeArrowheads="1"/>
-          </p:cNvPicPr>
-          <p:nvPr/>
-        </p:nvPicPr>
-        <p:blipFill>
-          <a:blip r:embed="rId2" cstate="print">
-            <a:extLst>
-              <a:ext uri="{28A0092B-C50C-407E-A947-70E740481C1C}">
-                <a14:useLocalDpi xmlns:a14="http://schemas.microsoft.com/office/drawing/2010/main" val="0"/>
-              </a:ext>
-            </a:extLst>
-          </a:blip>
-          <a:srcRect/>
-          <a:stretch>
-            <a:fillRect/>
-          </a:stretch>
-        </p:blipFill>
-        <p:spPr bwMode="auto">
-          <a:xfrm>
-            <a:off x="761215" y="1402958"/>
-            <a:ext cx="3254604" cy="1859193"/>
-          </a:xfrm>
-          <a:prstGeom prst="rect">
-            <a:avLst/>
-          </a:prstGeom>
-          <a:noFill/>
-          <a:extLst>
-            <a:ext uri="{909E8E84-426E-40DD-AFC4-6F175D3DCCD1}">
-              <a14:hiddenFill xmlns:a14="http://schemas.microsoft.com/office/drawing/2010/main">
-                <a:solidFill>
-                  <a:srgbClr val="FFFFFF"/>
-                </a:solidFill>
-              </a14:hiddenFill>
-            </a:ext>
-          </a:extLst>
-        </p:spPr>
-      </p:pic>
-      <p:sp>
-        <p:nvSpPr>
-          <p:cNvPr id="7" name="TextBox 6">
-            <a:extLst>
-              <a:ext uri="{FF2B5EF4-FFF2-40B4-BE49-F238E27FC236}">
-                <a16:creationId xmlns:a16="http://schemas.microsoft.com/office/drawing/2014/main" id="{7FA503E8-192F-2CE4-8590-2C641A51D81E}"/>
-              </a:ext>
-            </a:extLst>
-          </p:cNvPr>
-          <p:cNvSpPr txBox="1"/>
-          <p:nvPr/>
-        </p:nvSpPr>
-        <p:spPr>
-          <a:xfrm>
-            <a:off x="1139465" y="3331468"/>
-            <a:ext cx="2498103" cy="369332"/>
-          </a:xfrm>
-          <a:prstGeom prst="rect">
-            <a:avLst/>
-          </a:prstGeom>
-          <a:noFill/>
-        </p:spPr>
-        <p:txBody>
-          <a:bodyPr wrap="square" rtlCol="0">
-            <a:spAutoFit/>
-          </a:bodyPr>
-          <a:lstStyle/>
-          <a:p>
-            <a:r>
-              <a:rPr lang="en-US" i="1" dirty="0" err="1">
-                <a:latin typeface="Times New Roman" panose="02020603050405020304" pitchFamily="18" charset="0"/>
-                <a:cs typeface="Times New Roman" panose="02020603050405020304" pitchFamily="18" charset="0"/>
-              </a:rPr>
-              <a:t>Đối</a:t>
-            </a:r>
-            <a:r>
-              <a:rPr lang="en-US" i="1" dirty="0">
-                <a:latin typeface="Times New Roman" panose="02020603050405020304" pitchFamily="18" charset="0"/>
-                <a:cs typeface="Times New Roman" panose="02020603050405020304" pitchFamily="18" charset="0"/>
-              </a:rPr>
-              <a:t> </a:t>
-            </a:r>
-            <a:r>
-              <a:rPr lang="en-US" i="1" dirty="0" err="1">
-                <a:latin typeface="Times New Roman" panose="02020603050405020304" pitchFamily="18" charset="0"/>
-                <a:cs typeface="Times New Roman" panose="02020603050405020304" pitchFamily="18" charset="0"/>
-              </a:rPr>
-              <a:t>tượng</a:t>
-            </a:r>
-            <a:r>
-              <a:rPr lang="en-US" i="1" dirty="0">
-                <a:latin typeface="Times New Roman" panose="02020603050405020304" pitchFamily="18" charset="0"/>
-                <a:cs typeface="Times New Roman" panose="02020603050405020304" pitchFamily="18" charset="0"/>
-              </a:rPr>
-              <a:t> </a:t>
-            </a:r>
-            <a:r>
-              <a:rPr lang="en-US" i="1" dirty="0" err="1">
-                <a:latin typeface="Times New Roman" panose="02020603050405020304" pitchFamily="18" charset="0"/>
-                <a:cs typeface="Times New Roman" panose="02020603050405020304" pitchFamily="18" charset="0"/>
-              </a:rPr>
-              <a:t>nghiên</a:t>
-            </a:r>
-            <a:r>
-              <a:rPr lang="en-US" i="1" dirty="0">
-                <a:latin typeface="Times New Roman" panose="02020603050405020304" pitchFamily="18" charset="0"/>
-                <a:cs typeface="Times New Roman" panose="02020603050405020304" pitchFamily="18" charset="0"/>
-              </a:rPr>
-              <a:t> </a:t>
-            </a:r>
-            <a:r>
-              <a:rPr lang="en-US" i="1" dirty="0" err="1">
-                <a:latin typeface="Times New Roman" panose="02020603050405020304" pitchFamily="18" charset="0"/>
-                <a:cs typeface="Times New Roman" panose="02020603050405020304" pitchFamily="18" charset="0"/>
-              </a:rPr>
-              <a:t>cứu</a:t>
-            </a:r>
-            <a:endParaRPr lang="en-US" i="1" dirty="0">
-              <a:latin typeface="Times New Roman" panose="02020603050405020304" pitchFamily="18" charset="0"/>
-              <a:cs typeface="Times New Roman" panose="02020603050405020304" pitchFamily="18" charset="0"/>
-            </a:endParaRPr>
-          </a:p>
-        </p:txBody>
-      </p:sp>
-      <p:pic>
-        <p:nvPicPr>
-          <p:cNvPr id="3078" name="Picture 3077">
-            <a:extLst>
-              <a:ext uri="{FF2B5EF4-FFF2-40B4-BE49-F238E27FC236}">
-                <a16:creationId xmlns:a16="http://schemas.microsoft.com/office/drawing/2014/main" id="{3DFA9880-DF21-19D7-ADEE-04E6B9EA17C4}"/>
-              </a:ext>
-            </a:extLst>
-          </p:cNvPr>
-          <p:cNvPicPr>
-            <a:picLocks noChangeAspect="1"/>
-          </p:cNvPicPr>
-          <p:nvPr/>
-        </p:nvPicPr>
-        <p:blipFill>
-          <a:blip r:embed="rId3"/>
-          <a:stretch>
-            <a:fillRect/>
-          </a:stretch>
-        </p:blipFill>
-        <p:spPr>
-          <a:xfrm>
-            <a:off x="7834421" y="1402958"/>
-            <a:ext cx="3017412" cy="1859193"/>
-          </a:xfrm>
-          <a:prstGeom prst="rect">
-            <a:avLst/>
-          </a:prstGeom>
-        </p:spPr>
-      </p:pic>
-      <p:sp>
-        <p:nvSpPr>
-          <p:cNvPr id="3079" name="TextBox 3078">
-            <a:extLst>
-              <a:ext uri="{FF2B5EF4-FFF2-40B4-BE49-F238E27FC236}">
-                <a16:creationId xmlns:a16="http://schemas.microsoft.com/office/drawing/2014/main" id="{EA783390-4F82-6BF5-2056-6B105BD2323C}"/>
-              </a:ext>
-            </a:extLst>
-          </p:cNvPr>
-          <p:cNvSpPr txBox="1"/>
-          <p:nvPr/>
-        </p:nvSpPr>
-        <p:spPr>
-          <a:xfrm>
-            <a:off x="8094075" y="3297502"/>
-            <a:ext cx="2498103" cy="369332"/>
-          </a:xfrm>
-          <a:prstGeom prst="rect">
-            <a:avLst/>
-          </a:prstGeom>
-          <a:noFill/>
-        </p:spPr>
-        <p:txBody>
-          <a:bodyPr wrap="square" rtlCol="0">
-            <a:spAutoFit/>
-          </a:bodyPr>
-          <a:lstStyle/>
-          <a:p>
-            <a:pPr algn="ctr"/>
-            <a:r>
-              <a:rPr lang="en-US" i="1" dirty="0" err="1">
-                <a:latin typeface="Times New Roman" panose="02020603050405020304" pitchFamily="18" charset="0"/>
-                <a:cs typeface="Times New Roman" panose="02020603050405020304" pitchFamily="18" charset="0"/>
-              </a:rPr>
-              <a:t>Phạm</a:t>
-            </a:r>
-            <a:r>
-              <a:rPr lang="en-US" i="1" dirty="0">
-                <a:latin typeface="Times New Roman" panose="02020603050405020304" pitchFamily="18" charset="0"/>
-                <a:cs typeface="Times New Roman" panose="02020603050405020304" pitchFamily="18" charset="0"/>
-              </a:rPr>
-              <a:t> vi </a:t>
-            </a:r>
-            <a:r>
-              <a:rPr lang="en-US" i="1" dirty="0" err="1">
-                <a:latin typeface="Times New Roman" panose="02020603050405020304" pitchFamily="18" charset="0"/>
-                <a:cs typeface="Times New Roman" panose="02020603050405020304" pitchFamily="18" charset="0"/>
-              </a:rPr>
-              <a:t>nghiên</a:t>
-            </a:r>
-            <a:r>
-              <a:rPr lang="en-US" i="1" dirty="0">
-                <a:latin typeface="Times New Roman" panose="02020603050405020304" pitchFamily="18" charset="0"/>
-                <a:cs typeface="Times New Roman" panose="02020603050405020304" pitchFamily="18" charset="0"/>
-              </a:rPr>
-              <a:t> </a:t>
-            </a:r>
-            <a:r>
-              <a:rPr lang="en-US" i="1" dirty="0" err="1">
-                <a:latin typeface="Times New Roman" panose="02020603050405020304" pitchFamily="18" charset="0"/>
-                <a:cs typeface="Times New Roman" panose="02020603050405020304" pitchFamily="18" charset="0"/>
-              </a:rPr>
-              <a:t>cứu</a:t>
-            </a:r>
-            <a:endParaRPr lang="en-US" i="1" dirty="0">
-              <a:latin typeface="Times New Roman" panose="02020603050405020304" pitchFamily="18" charset="0"/>
-              <a:cs typeface="Times New Roman" panose="02020603050405020304" pitchFamily="18" charset="0"/>
-            </a:endParaRPr>
-          </a:p>
-        </p:txBody>
-      </p:sp>
     </p:spTree>
     <p:extLst>
       <p:ext uri="{BB962C8B-B14F-4D97-AF65-F5344CB8AC3E}">
-        <p14:creationId xmlns:p14="http://schemas.microsoft.com/office/powerpoint/2010/main" val="842167970"/>
+        <p14:creationId xmlns:p14="http://schemas.microsoft.com/office/powerpoint/2010/main" val="3436409431"/>
       </p:ext>
     </p:extLst>
   </p:cSld>
@@ -15343,804 +14931,6 @@
             <a:pPr lvl="0"/>
             <a:r>
               <a:rPr lang="en-US" b="1" dirty="0" err="1"/>
-              <a:t>Giới</a:t>
-            </a:r>
-            <a:r>
-              <a:rPr lang="en-US" b="1" dirty="0"/>
-              <a:t> </a:t>
-            </a:r>
-            <a:r>
-              <a:rPr lang="en-US" b="1" dirty="0" err="1"/>
-              <a:t>thiệu</a:t>
-            </a:r>
-            <a:r>
-              <a:rPr lang="en-US" b="1" dirty="0"/>
-              <a:t> </a:t>
-            </a:r>
-            <a:r>
-              <a:rPr lang="en-US" b="1" dirty="0" err="1"/>
-              <a:t>về</a:t>
-            </a:r>
-            <a:r>
-              <a:rPr lang="en-US" b="1" dirty="0"/>
-              <a:t> </a:t>
-            </a:r>
-            <a:r>
-              <a:rPr lang="en-US" b="1" dirty="0" err="1"/>
-              <a:t>đề</a:t>
-            </a:r>
-            <a:r>
-              <a:rPr lang="en-US" b="1" dirty="0"/>
-              <a:t> </a:t>
-            </a:r>
-            <a:r>
-              <a:rPr lang="en-US" b="1" dirty="0" err="1"/>
-              <a:t>tài</a:t>
-            </a:r>
-            <a:endParaRPr lang="en-US" b="1" dirty="0"/>
-          </a:p>
-        </p:txBody>
-      </p:sp>
-      <p:sp>
-        <p:nvSpPr>
-          <p:cNvPr id="3" name="Content Placeholder 2"/>
-          <p:cNvSpPr>
-            <a:spLocks noGrp="1"/>
-          </p:cNvSpPr>
-          <p:nvPr>
-            <p:ph idx="1"/>
-          </p:nvPr>
-        </p:nvSpPr>
-        <p:spPr/>
-        <p:txBody>
-          <a:bodyPr>
-            <a:normAutofit/>
-          </a:bodyPr>
-          <a:lstStyle/>
-          <a:p>
-            <a:r>
-              <a:rPr lang="en-US" dirty="0"/>
-              <a:t>Ý </a:t>
-            </a:r>
-            <a:r>
-              <a:rPr lang="en-US" dirty="0" err="1"/>
-              <a:t>nghĩa</a:t>
-            </a:r>
-            <a:r>
-              <a:rPr lang="en-US" dirty="0"/>
-              <a:t> </a:t>
-            </a:r>
-            <a:r>
-              <a:rPr lang="en-US" dirty="0" err="1"/>
-              <a:t>của</a:t>
-            </a:r>
-            <a:r>
-              <a:rPr lang="en-US" dirty="0"/>
-              <a:t> </a:t>
-            </a:r>
-            <a:r>
-              <a:rPr lang="en-US" dirty="0" err="1"/>
-              <a:t>đề</a:t>
-            </a:r>
-            <a:r>
-              <a:rPr lang="en-US" dirty="0"/>
-              <a:t> </a:t>
-            </a:r>
-            <a:r>
-              <a:rPr lang="en-US" dirty="0" err="1"/>
-              <a:t>tài</a:t>
-            </a:r>
-            <a:endParaRPr lang="en-US" dirty="0"/>
-          </a:p>
-          <a:p>
-            <a:pPr lvl="1" algn="just">
-              <a:lnSpc>
-                <a:spcPct val="150000"/>
-              </a:lnSpc>
-            </a:pPr>
-            <a:r>
-              <a:rPr lang="vi-VN" dirty="0"/>
-              <a:t>Đề tài có thể giúp quản lí hệ thống cửa hàng dễ dàng hơn, cải thiện được doanh thu, tăng lợi ích cho người kinh doanh và đáp ứng được nhu cầu sử dụng của khách hàng.</a:t>
-            </a:r>
-          </a:p>
-          <a:p>
-            <a:pPr lvl="1" algn="just">
-              <a:lnSpc>
-                <a:spcPct val="150000"/>
-              </a:lnSpc>
-            </a:pPr>
-            <a:r>
-              <a:rPr lang="vi-VN" dirty="0"/>
-              <a:t>Giúp mang lại giá trị thực tế cho cửa hàng, có thể ứng dụng cho ngành bán lẻ và có thể mở rộng cho các hệ thống cửa hàng.</a:t>
-            </a:r>
-            <a:endParaRPr lang="en-US" dirty="0"/>
-          </a:p>
-        </p:txBody>
-      </p:sp>
-      <p:sp>
-        <p:nvSpPr>
-          <p:cNvPr id="4" name="Slide Number Placeholder 3"/>
-          <p:cNvSpPr>
-            <a:spLocks noGrp="1"/>
-          </p:cNvSpPr>
-          <p:nvPr>
-            <p:ph type="sldNum" sz="quarter" idx="12"/>
-          </p:nvPr>
-        </p:nvSpPr>
-        <p:spPr/>
-        <p:txBody>
-          <a:bodyPr/>
-          <a:lstStyle/>
-          <a:p>
-            <a:fld id="{9EA40E5E-19B2-469A-81BC-1F6A517536BE}" type="slidenum">
-              <a:rPr lang="en-US" smtClean="0"/>
-              <a:pPr/>
-              <a:t>6</a:t>
-            </a:fld>
-            <a:endParaRPr lang="en-US"/>
-          </a:p>
-        </p:txBody>
-      </p:sp>
-    </p:spTree>
-    <p:extLst>
-      <p:ext uri="{BB962C8B-B14F-4D97-AF65-F5344CB8AC3E}">
-        <p14:creationId xmlns:p14="http://schemas.microsoft.com/office/powerpoint/2010/main" val="3436409431"/>
-      </p:ext>
-    </p:extLst>
-  </p:cSld>
-  <p:clrMapOvr>
-    <a:masterClrMapping/>
-  </p:clrMapOvr>
-</p:sld>
-</file>
-
-<file path=ppt/slides/slide7.xml><?xml version="1.0" encoding="utf-8"?>
-<p:sld xmlns:a="http://schemas.openxmlformats.org/drawingml/2006/main" xmlns:r="http://schemas.openxmlformats.org/officeDocument/2006/relationships" xmlns:p="http://schemas.openxmlformats.org/presentationml/2006/main">
-  <p:cSld>
-    <p:spTree>
-      <p:nvGrpSpPr>
-        <p:cNvPr id="1" name=""/>
-        <p:cNvGrpSpPr/>
-        <p:nvPr/>
-      </p:nvGrpSpPr>
-      <p:grpSpPr>
-        <a:xfrm>
-          <a:off x="0" y="0"/>
-          <a:ext cx="0" cy="0"/>
-          <a:chOff x="0" y="0"/>
-          <a:chExt cx="0" cy="0"/>
-        </a:xfrm>
-      </p:grpSpPr>
-      <p:sp>
-        <p:nvSpPr>
-          <p:cNvPr id="2" name="Title 1"/>
-          <p:cNvSpPr>
-            <a:spLocks noGrp="1"/>
-          </p:cNvSpPr>
-          <p:nvPr>
-            <p:ph type="title"/>
-          </p:nvPr>
-        </p:nvSpPr>
-        <p:spPr/>
-        <p:txBody>
-          <a:bodyPr>
-            <a:normAutofit/>
-          </a:bodyPr>
-          <a:lstStyle/>
-          <a:p>
-            <a:pPr lvl="0"/>
-            <a:r>
-              <a:rPr lang="en-US" b="1" dirty="0" err="1"/>
-              <a:t>Nghiên</a:t>
-            </a:r>
-            <a:r>
-              <a:rPr lang="en-US" b="1" dirty="0"/>
-              <a:t> </a:t>
-            </a:r>
-            <a:r>
-              <a:rPr lang="en-US" b="1" dirty="0" err="1"/>
-              <a:t>cứu</a:t>
-            </a:r>
-            <a:r>
-              <a:rPr lang="en-US" b="1" dirty="0"/>
-              <a:t> </a:t>
-            </a:r>
-            <a:r>
-              <a:rPr lang="en-US" b="1" dirty="0" err="1"/>
-              <a:t>liên</a:t>
-            </a:r>
-            <a:r>
-              <a:rPr lang="en-US" b="1" dirty="0"/>
-              <a:t> </a:t>
-            </a:r>
-            <a:r>
-              <a:rPr lang="en-US" b="1" dirty="0" err="1"/>
-              <a:t>quan</a:t>
-            </a:r>
-            <a:endParaRPr lang="en-US" b="1" dirty="0"/>
-          </a:p>
-        </p:txBody>
-      </p:sp>
-      <p:sp>
-        <p:nvSpPr>
-          <p:cNvPr id="3" name="Content Placeholder 2"/>
-          <p:cNvSpPr>
-            <a:spLocks noGrp="1"/>
-          </p:cNvSpPr>
-          <p:nvPr>
-            <p:ph idx="1"/>
-          </p:nvPr>
-        </p:nvSpPr>
-        <p:spPr>
-          <a:xfrm>
-            <a:off x="947318" y="964309"/>
-            <a:ext cx="10852796" cy="5154068"/>
-          </a:xfrm>
-        </p:spPr>
-        <p:txBody>
-          <a:bodyPr>
-            <a:normAutofit fontScale="92500"/>
-          </a:bodyPr>
-          <a:lstStyle/>
-          <a:p>
-            <a:pPr marL="0" indent="0">
-              <a:lnSpc>
-                <a:spcPct val="160000"/>
-              </a:lnSpc>
-              <a:spcBef>
-                <a:spcPts val="0"/>
-              </a:spcBef>
-              <a:buNone/>
-            </a:pPr>
-            <a:r>
-              <a:rPr lang="en-US" sz="2400" b="0" i="1" dirty="0" err="1">
-                <a:solidFill>
-                  <a:schemeClr val="tx1"/>
-                </a:solidFill>
-                <a:effectLst/>
-                <a:latin typeface="Times New Roman" panose="02020603050405020304" pitchFamily="18" charset="0"/>
-                <a:ea typeface="Times New Roman" panose="02020603050405020304" pitchFamily="18" charset="0"/>
-              </a:rPr>
-              <a:t>Tên</a:t>
-            </a:r>
-            <a:r>
-              <a:rPr lang="en-US" sz="2400" b="0" i="1" dirty="0">
-                <a:solidFill>
-                  <a:schemeClr val="tx1"/>
-                </a:solidFill>
-                <a:effectLst/>
-                <a:latin typeface="Times New Roman" panose="02020603050405020304" pitchFamily="18" charset="0"/>
-                <a:ea typeface="Times New Roman" panose="02020603050405020304" pitchFamily="18" charset="0"/>
-              </a:rPr>
-              <a:t> </a:t>
-            </a:r>
-            <a:r>
-              <a:rPr lang="en-US" sz="2400" b="0" i="1" dirty="0" err="1">
-                <a:solidFill>
-                  <a:schemeClr val="tx1"/>
-                </a:solidFill>
-                <a:effectLst/>
-                <a:latin typeface="Times New Roman" panose="02020603050405020304" pitchFamily="18" charset="0"/>
-                <a:ea typeface="Times New Roman" panose="02020603050405020304" pitchFamily="18" charset="0"/>
-              </a:rPr>
-              <a:t>bài</a:t>
-            </a:r>
-            <a:r>
-              <a:rPr lang="en-US" sz="2400" b="0" i="1" dirty="0">
-                <a:solidFill>
-                  <a:schemeClr val="tx1"/>
-                </a:solidFill>
-                <a:effectLst/>
-                <a:latin typeface="Times New Roman" panose="02020603050405020304" pitchFamily="18" charset="0"/>
-                <a:ea typeface="Times New Roman" panose="02020603050405020304" pitchFamily="18" charset="0"/>
-              </a:rPr>
-              <a:t> </a:t>
-            </a:r>
-            <a:r>
-              <a:rPr lang="en-US" sz="2400" b="0" i="1" dirty="0" err="1">
-                <a:solidFill>
-                  <a:schemeClr val="tx1"/>
-                </a:solidFill>
-                <a:effectLst/>
-                <a:latin typeface="Times New Roman" panose="02020603050405020304" pitchFamily="18" charset="0"/>
-                <a:ea typeface="Times New Roman" panose="02020603050405020304" pitchFamily="18" charset="0"/>
-              </a:rPr>
-              <a:t>báo</a:t>
-            </a:r>
-            <a:r>
-              <a:rPr lang="en-US" sz="2400" b="0" i="1" dirty="0">
-                <a:solidFill>
-                  <a:schemeClr val="tx1"/>
-                </a:solidFill>
-                <a:effectLst/>
-                <a:latin typeface="Times New Roman" panose="02020603050405020304" pitchFamily="18" charset="0"/>
-                <a:ea typeface="Times New Roman" panose="02020603050405020304" pitchFamily="18" charset="0"/>
-              </a:rPr>
-              <a:t>:  </a:t>
-            </a:r>
-          </a:p>
-          <a:p>
-            <a:pPr marL="0" indent="0">
-              <a:spcBef>
-                <a:spcPts val="0"/>
-              </a:spcBef>
-              <a:buNone/>
-            </a:pPr>
-            <a:r>
-              <a:rPr lang="vi-VN" dirty="0">
-                <a:solidFill>
-                  <a:schemeClr val="tx1"/>
-                </a:solidFill>
-                <a:effectLst/>
-                <a:latin typeface="Times New Roman" panose="02020603050405020304" pitchFamily="18" charset="0"/>
-                <a:ea typeface="Times New Roman" panose="02020603050405020304" pitchFamily="18" charset="0"/>
-              </a:rPr>
-              <a:t>Nghiên cứu so sánh về thuật toán </a:t>
-            </a:r>
-            <a:r>
-              <a:rPr lang="vi-VN" dirty="0" err="1">
-                <a:solidFill>
-                  <a:schemeClr val="tx1"/>
-                </a:solidFill>
-                <a:effectLst/>
-                <a:latin typeface="Times New Roman" panose="02020603050405020304" pitchFamily="18" charset="0"/>
-                <a:ea typeface="Times New Roman" panose="02020603050405020304" pitchFamily="18" charset="0"/>
-              </a:rPr>
-              <a:t>Apriori</a:t>
-            </a:r>
-            <a:r>
-              <a:rPr lang="vi-VN" dirty="0">
-                <a:solidFill>
-                  <a:schemeClr val="tx1"/>
-                </a:solidFill>
-                <a:effectLst/>
-                <a:latin typeface="Times New Roman" panose="02020603050405020304" pitchFamily="18" charset="0"/>
-                <a:ea typeface="Times New Roman" panose="02020603050405020304" pitchFamily="18" charset="0"/>
-              </a:rPr>
-              <a:t> và thuật toán tăng trưởng </a:t>
-            </a:r>
-            <a:r>
-              <a:rPr lang="vi-VN" dirty="0" err="1">
-                <a:solidFill>
-                  <a:schemeClr val="tx1"/>
-                </a:solidFill>
-                <a:effectLst/>
-                <a:latin typeface="Times New Roman" panose="02020603050405020304" pitchFamily="18" charset="0"/>
-                <a:ea typeface="Times New Roman" panose="02020603050405020304" pitchFamily="18" charset="0"/>
-              </a:rPr>
-              <a:t>Fp</a:t>
-            </a:r>
-            <a:r>
-              <a:rPr lang="vi-VN" dirty="0">
-                <a:solidFill>
-                  <a:schemeClr val="tx1"/>
-                </a:solidFill>
-                <a:effectLst/>
-                <a:latin typeface="Times New Roman" panose="02020603050405020304" pitchFamily="18" charset="0"/>
-                <a:ea typeface="Times New Roman" panose="02020603050405020304" pitchFamily="18" charset="0"/>
-              </a:rPr>
-              <a:t> với những ưu và nhược điểm</a:t>
-            </a:r>
-            <a:r>
-              <a:rPr lang="en-US" dirty="0">
-                <a:solidFill>
-                  <a:schemeClr val="tx1"/>
-                </a:solidFill>
-                <a:effectLst/>
-                <a:latin typeface="Times New Roman" panose="02020603050405020304" pitchFamily="18" charset="0"/>
-                <a:ea typeface="Times New Roman" panose="02020603050405020304" pitchFamily="18" charset="0"/>
-              </a:rPr>
-              <a:t> </a:t>
-            </a:r>
-            <a:r>
-              <a:rPr lang="en-US" dirty="0">
-                <a:solidFill>
-                  <a:schemeClr val="tx1"/>
-                </a:solidFill>
-                <a:effectLst/>
-                <a:latin typeface="Times New Roman" panose="02020603050405020304" pitchFamily="18" charset="0"/>
-                <a:ea typeface="Times New Roman" panose="02020603050405020304" pitchFamily="18" charset="0"/>
-                <a:hlinkClick r:id="rId2" action="ppaction://hlinkfile"/>
-              </a:rPr>
-              <a:t>[1]</a:t>
-            </a:r>
-            <a:endParaRPr lang="en-US" dirty="0">
-              <a:solidFill>
-                <a:schemeClr val="accent5"/>
-              </a:solidFill>
-              <a:effectLst/>
-              <a:latin typeface="Times New Roman" panose="02020603050405020304" pitchFamily="18" charset="0"/>
-              <a:ea typeface="Times New Roman" panose="02020603050405020304" pitchFamily="18" charset="0"/>
-            </a:endParaRPr>
-          </a:p>
-          <a:p>
-            <a:pPr marL="0" indent="0">
-              <a:lnSpc>
-                <a:spcPct val="160000"/>
-              </a:lnSpc>
-              <a:spcBef>
-                <a:spcPts val="0"/>
-              </a:spcBef>
-              <a:buNone/>
-            </a:pPr>
-            <a:r>
-              <a:rPr lang="en-US" sz="2400" b="0" i="1" dirty="0" err="1">
-                <a:solidFill>
-                  <a:schemeClr val="tx1"/>
-                </a:solidFill>
-                <a:effectLst/>
-                <a:latin typeface="Times New Roman" panose="02020603050405020304" pitchFamily="18" charset="0"/>
-                <a:ea typeface="Times New Roman" panose="02020603050405020304" pitchFamily="18" charset="0"/>
-              </a:rPr>
-              <a:t>Tác</a:t>
-            </a:r>
-            <a:r>
-              <a:rPr lang="en-US" sz="2400" b="0" i="1" dirty="0">
-                <a:solidFill>
-                  <a:schemeClr val="tx1"/>
-                </a:solidFill>
-                <a:effectLst/>
-                <a:latin typeface="Times New Roman" panose="02020603050405020304" pitchFamily="18" charset="0"/>
-                <a:ea typeface="Times New Roman" panose="02020603050405020304" pitchFamily="18" charset="0"/>
-              </a:rPr>
-              <a:t> </a:t>
-            </a:r>
-            <a:r>
-              <a:rPr lang="en-US" sz="2400" b="0" i="1" dirty="0" err="1">
-                <a:solidFill>
-                  <a:schemeClr val="tx1"/>
-                </a:solidFill>
-                <a:effectLst/>
-                <a:latin typeface="Times New Roman" panose="02020603050405020304" pitchFamily="18" charset="0"/>
-                <a:ea typeface="Times New Roman" panose="02020603050405020304" pitchFamily="18" charset="0"/>
-              </a:rPr>
-              <a:t>Giả</a:t>
-            </a:r>
-            <a:r>
-              <a:rPr lang="en-US" sz="2400" b="0" i="1" dirty="0">
-                <a:solidFill>
-                  <a:schemeClr val="tx1"/>
-                </a:solidFill>
-                <a:ea typeface="Times New Roman" panose="02020603050405020304" pitchFamily="18" charset="0"/>
-              </a:rPr>
-              <a:t>: </a:t>
-            </a:r>
-          </a:p>
-          <a:p>
-            <a:pPr marL="0" indent="0">
-              <a:spcBef>
-                <a:spcPts val="0"/>
-              </a:spcBef>
-              <a:buNone/>
-            </a:pPr>
-            <a:r>
-              <a:rPr lang="en-US" sz="2400" dirty="0">
-                <a:solidFill>
-                  <a:schemeClr val="tx1"/>
-                </a:solidFill>
-                <a:ea typeface="Times New Roman" panose="02020603050405020304" pitchFamily="18" charset="0"/>
-              </a:rPr>
-              <a:t>M. Kavitha, S.T. Tamil Selvi (</a:t>
-            </a:r>
-            <a:r>
-              <a:rPr lang="en-US" sz="2400" dirty="0" err="1">
-                <a:solidFill>
-                  <a:schemeClr val="tx1"/>
-                </a:solidFill>
-                <a:ea typeface="Times New Roman" panose="02020603050405020304" pitchFamily="18" charset="0"/>
-              </a:rPr>
-              <a:t>Ấn</a:t>
-            </a:r>
-            <a:r>
-              <a:rPr lang="en-US" sz="2400" dirty="0">
-                <a:solidFill>
-                  <a:schemeClr val="tx1"/>
-                </a:solidFill>
-                <a:ea typeface="Times New Roman" panose="02020603050405020304" pitchFamily="18" charset="0"/>
-              </a:rPr>
-              <a:t> </a:t>
-            </a:r>
-            <a:r>
-              <a:rPr lang="en-US" sz="2400" dirty="0" err="1">
-                <a:solidFill>
-                  <a:schemeClr val="tx1"/>
-                </a:solidFill>
-                <a:ea typeface="Times New Roman" panose="02020603050405020304" pitchFamily="18" charset="0"/>
-              </a:rPr>
-              <a:t>Độ</a:t>
-            </a:r>
-            <a:r>
-              <a:rPr lang="en-US" sz="2400" dirty="0">
-                <a:solidFill>
-                  <a:schemeClr val="tx1"/>
-                </a:solidFill>
-                <a:ea typeface="Times New Roman" panose="02020603050405020304" pitchFamily="18" charset="0"/>
-              </a:rPr>
-              <a:t>) </a:t>
-            </a:r>
-          </a:p>
-          <a:p>
-            <a:pPr marL="0" indent="0">
-              <a:lnSpc>
-                <a:spcPct val="160000"/>
-              </a:lnSpc>
-              <a:spcBef>
-                <a:spcPts val="0"/>
-              </a:spcBef>
-              <a:buNone/>
-            </a:pPr>
-            <a:r>
-              <a:rPr lang="en-US" sz="2400" b="0" i="1" dirty="0" err="1">
-                <a:solidFill>
-                  <a:schemeClr val="tx1"/>
-                </a:solidFill>
-                <a:effectLst/>
-                <a:latin typeface="Times New Roman" panose="02020603050405020304" pitchFamily="18" charset="0"/>
-                <a:ea typeface="Times New Roman" panose="02020603050405020304" pitchFamily="18" charset="0"/>
-              </a:rPr>
-              <a:t>Thời</a:t>
-            </a:r>
-            <a:r>
-              <a:rPr lang="en-US" sz="2400" b="0" i="1" dirty="0">
-                <a:solidFill>
-                  <a:schemeClr val="tx1"/>
-                </a:solidFill>
-                <a:effectLst/>
-                <a:latin typeface="Times New Roman" panose="02020603050405020304" pitchFamily="18" charset="0"/>
-                <a:ea typeface="Times New Roman" panose="02020603050405020304" pitchFamily="18" charset="0"/>
-              </a:rPr>
-              <a:t> </a:t>
-            </a:r>
-            <a:r>
-              <a:rPr lang="en-US" sz="2400" b="0" i="1" dirty="0" err="1">
-                <a:solidFill>
-                  <a:schemeClr val="tx1"/>
-                </a:solidFill>
-                <a:effectLst/>
-                <a:latin typeface="Times New Roman" panose="02020603050405020304" pitchFamily="18" charset="0"/>
-                <a:ea typeface="Times New Roman" panose="02020603050405020304" pitchFamily="18" charset="0"/>
-              </a:rPr>
-              <a:t>gian</a:t>
-            </a:r>
-            <a:r>
-              <a:rPr lang="en-US" sz="2400" b="0" i="1" dirty="0">
-                <a:solidFill>
-                  <a:schemeClr val="tx1"/>
-                </a:solidFill>
-                <a:effectLst/>
-                <a:latin typeface="Times New Roman" panose="02020603050405020304" pitchFamily="18" charset="0"/>
-                <a:ea typeface="Times New Roman" panose="02020603050405020304" pitchFamily="18" charset="0"/>
-              </a:rPr>
-              <a:t>: </a:t>
-            </a:r>
-            <a:r>
-              <a:rPr lang="en-US" sz="2400" b="0" dirty="0" err="1">
-                <a:solidFill>
-                  <a:schemeClr val="tx1"/>
-                </a:solidFill>
-                <a:effectLst/>
-                <a:latin typeface="Times New Roman" panose="02020603050405020304" pitchFamily="18" charset="0"/>
-                <a:ea typeface="Times New Roman" panose="02020603050405020304" pitchFamily="18" charset="0"/>
-              </a:rPr>
-              <a:t>tháng</a:t>
-            </a:r>
-            <a:r>
-              <a:rPr lang="en-US" sz="2400" b="0" dirty="0">
-                <a:solidFill>
-                  <a:schemeClr val="tx1"/>
-                </a:solidFill>
-                <a:effectLst/>
-                <a:latin typeface="Times New Roman" panose="02020603050405020304" pitchFamily="18" charset="0"/>
-                <a:ea typeface="Times New Roman" panose="02020603050405020304" pitchFamily="18" charset="0"/>
-              </a:rPr>
-              <a:t> 8 </a:t>
-            </a:r>
-            <a:r>
-              <a:rPr lang="en-US" sz="2400" b="0" dirty="0" err="1">
-                <a:solidFill>
-                  <a:schemeClr val="tx1"/>
-                </a:solidFill>
-                <a:effectLst/>
-                <a:latin typeface="Times New Roman" panose="02020603050405020304" pitchFamily="18" charset="0"/>
-                <a:ea typeface="Times New Roman" panose="02020603050405020304" pitchFamily="18" charset="0"/>
-              </a:rPr>
-              <a:t>năm</a:t>
-            </a:r>
-            <a:r>
-              <a:rPr lang="en-US" sz="2400" b="0" dirty="0">
-                <a:solidFill>
-                  <a:schemeClr val="tx1"/>
-                </a:solidFill>
-                <a:effectLst/>
-                <a:latin typeface="Times New Roman" panose="02020603050405020304" pitchFamily="18" charset="0"/>
-                <a:ea typeface="Times New Roman" panose="02020603050405020304" pitchFamily="18" charset="0"/>
-              </a:rPr>
-              <a:t> 2016</a:t>
-            </a:r>
-          </a:p>
-          <a:p>
-            <a:pPr marL="0" indent="0">
-              <a:lnSpc>
-                <a:spcPct val="170000"/>
-              </a:lnSpc>
-              <a:spcBef>
-                <a:spcPts val="0"/>
-              </a:spcBef>
-              <a:buNone/>
-            </a:pPr>
-            <a:r>
-              <a:rPr lang="en-US" sz="2400" b="0" dirty="0" err="1">
-                <a:solidFill>
-                  <a:schemeClr val="tx1"/>
-                </a:solidFill>
-                <a:effectLst/>
-                <a:latin typeface="Times New Roman" panose="02020603050405020304" pitchFamily="18" charset="0"/>
-                <a:ea typeface="Times New Roman" panose="02020603050405020304" pitchFamily="18" charset="0"/>
-              </a:rPr>
-              <a:t>Kết</a:t>
-            </a:r>
-            <a:r>
-              <a:rPr lang="en-US" sz="2400" b="0" dirty="0">
-                <a:solidFill>
-                  <a:schemeClr val="tx1"/>
-                </a:solidFill>
-                <a:effectLst/>
-                <a:latin typeface="Times New Roman" panose="02020603050405020304" pitchFamily="18" charset="0"/>
-                <a:ea typeface="Times New Roman" panose="02020603050405020304" pitchFamily="18" charset="0"/>
-              </a:rPr>
-              <a:t> </a:t>
-            </a:r>
-            <a:r>
-              <a:rPr lang="en-US" sz="2400" b="0" dirty="0" err="1">
-                <a:solidFill>
-                  <a:schemeClr val="tx1"/>
-                </a:solidFill>
-                <a:effectLst/>
-                <a:latin typeface="Times New Roman" panose="02020603050405020304" pitchFamily="18" charset="0"/>
-                <a:ea typeface="Times New Roman" panose="02020603050405020304" pitchFamily="18" charset="0"/>
-              </a:rPr>
-              <a:t>luận</a:t>
-            </a:r>
-            <a:r>
-              <a:rPr lang="en-US" sz="2400" b="0" dirty="0">
-                <a:solidFill>
-                  <a:schemeClr val="tx1"/>
-                </a:solidFill>
-                <a:effectLst/>
-                <a:latin typeface="Times New Roman" panose="02020603050405020304" pitchFamily="18" charset="0"/>
-                <a:ea typeface="Times New Roman" panose="02020603050405020304" pitchFamily="18" charset="0"/>
-              </a:rPr>
-              <a:t>:  </a:t>
-            </a:r>
-            <a:r>
-              <a:rPr lang="vi-VN" sz="2400" b="0" dirty="0" err="1">
-                <a:solidFill>
-                  <a:schemeClr val="tx1"/>
-                </a:solidFill>
-                <a:effectLst/>
-                <a:latin typeface="Times New Roman" panose="02020603050405020304" pitchFamily="18" charset="0"/>
-                <a:ea typeface="Times New Roman" panose="02020603050405020304" pitchFamily="18" charset="0"/>
-              </a:rPr>
-              <a:t>Apriori</a:t>
-            </a:r>
-            <a:r>
-              <a:rPr lang="vi-VN" sz="2400" b="0" dirty="0">
-                <a:solidFill>
-                  <a:schemeClr val="tx1"/>
-                </a:solidFill>
-                <a:effectLst/>
-                <a:latin typeface="Times New Roman" panose="02020603050405020304" pitchFamily="18" charset="0"/>
-                <a:ea typeface="Times New Roman" panose="02020603050405020304" pitchFamily="18" charset="0"/>
-              </a:rPr>
-              <a:t>, mặc dù phù hợp với cơ sở dữ liệu lớn, nhưng đối mặt với các thách thức về thời gian và bộ nhớ do quá trình tạo nhiều tập ứng viên. Trong khi đó, FP-</a:t>
-            </a:r>
-            <a:r>
-              <a:rPr lang="vi-VN" sz="2400" b="0" dirty="0" err="1">
-                <a:solidFill>
-                  <a:schemeClr val="tx1"/>
-                </a:solidFill>
-                <a:effectLst/>
-                <a:latin typeface="Times New Roman" panose="02020603050405020304" pitchFamily="18" charset="0"/>
-                <a:ea typeface="Times New Roman" panose="02020603050405020304" pitchFamily="18" charset="0"/>
-              </a:rPr>
-              <a:t>Growth</a:t>
-            </a:r>
-            <a:r>
-              <a:rPr lang="vi-VN" sz="2400" b="0" dirty="0">
-                <a:solidFill>
-                  <a:schemeClr val="tx1"/>
-                </a:solidFill>
-                <a:effectLst/>
-                <a:latin typeface="Times New Roman" panose="02020603050405020304" pitchFamily="18" charset="0"/>
-                <a:ea typeface="Times New Roman" panose="02020603050405020304" pitchFamily="18" charset="0"/>
-              </a:rPr>
-              <a:t> được mô tả là hiệu quả hơn đối với cơ sở dữ liệu lớn vì nó tiết kiệm bộ nhớ và thời gian thực thi.</a:t>
-            </a:r>
-            <a:endParaRPr lang="en-US" sz="2400" b="0" dirty="0">
-              <a:solidFill>
-                <a:schemeClr val="tx1"/>
-              </a:solidFill>
-              <a:effectLst/>
-              <a:latin typeface="Times New Roman" panose="02020603050405020304" pitchFamily="18" charset="0"/>
-              <a:ea typeface="Times New Roman" panose="02020603050405020304" pitchFamily="18" charset="0"/>
-            </a:endParaRPr>
-          </a:p>
-        </p:txBody>
-      </p:sp>
-      <p:sp>
-        <p:nvSpPr>
-          <p:cNvPr id="4" name="Slide Number Placeholder 3"/>
-          <p:cNvSpPr>
-            <a:spLocks noGrp="1"/>
-          </p:cNvSpPr>
-          <p:nvPr>
-            <p:ph type="sldNum" sz="quarter" idx="12"/>
-          </p:nvPr>
-        </p:nvSpPr>
-        <p:spPr/>
-        <p:txBody>
-          <a:bodyPr/>
-          <a:lstStyle/>
-          <a:p>
-            <a:fld id="{9EA40E5E-19B2-469A-81BC-1F6A517536BE}" type="slidenum">
-              <a:rPr lang="en-US" smtClean="0"/>
-              <a:pPr/>
-              <a:t>7</a:t>
-            </a:fld>
-            <a:endParaRPr lang="en-US"/>
-          </a:p>
-        </p:txBody>
-      </p:sp>
-    </p:spTree>
-    <p:extLst>
-      <p:ext uri="{BB962C8B-B14F-4D97-AF65-F5344CB8AC3E}">
-        <p14:creationId xmlns:p14="http://schemas.microsoft.com/office/powerpoint/2010/main" val="1370417916"/>
-      </p:ext>
-    </p:extLst>
-  </p:cSld>
-  <p:clrMapOvr>
-    <a:masterClrMapping/>
-  </p:clrMapOvr>
-</p:sld>
-</file>
-
-<file path=ppt/slides/slide8.xml><?xml version="1.0" encoding="utf-8"?>
-<p:sld xmlns:a="http://schemas.openxmlformats.org/drawingml/2006/main" xmlns:r="http://schemas.openxmlformats.org/officeDocument/2006/relationships" xmlns:p="http://schemas.openxmlformats.org/presentationml/2006/main">
-  <p:cSld>
-    <p:spTree>
-      <p:nvGrpSpPr>
-        <p:cNvPr id="1" name=""/>
-        <p:cNvGrpSpPr/>
-        <p:nvPr/>
-      </p:nvGrpSpPr>
-      <p:grpSpPr>
-        <a:xfrm>
-          <a:off x="0" y="0"/>
-          <a:ext cx="0" cy="0"/>
-          <a:chOff x="0" y="0"/>
-          <a:chExt cx="0" cy="0"/>
-        </a:xfrm>
-      </p:grpSpPr>
-      <p:sp>
-        <p:nvSpPr>
-          <p:cNvPr id="2" name="Title 1"/>
-          <p:cNvSpPr>
-            <a:spLocks noGrp="1"/>
-          </p:cNvSpPr>
-          <p:nvPr>
-            <p:ph type="title"/>
-          </p:nvPr>
-        </p:nvSpPr>
-        <p:spPr/>
-        <p:txBody>
-          <a:bodyPr>
-            <a:normAutofit/>
-          </a:bodyPr>
-          <a:lstStyle/>
-          <a:p>
-            <a:pPr lvl="0"/>
-            <a:r>
-              <a:rPr lang="en-US" b="1" dirty="0" err="1"/>
               <a:t>Mô</a:t>
             </a:r>
             <a:r>
@@ -16343,7 +15133,7 @@
             <a:fld id="{9EA40E5E-19B2-469A-81BC-1F6A517536BE}" type="slidenum">
               <a:rPr lang="en-US" smtClean="0"/>
               <a:pPr/>
-              <a:t>8</a:t>
+              <a:t>6</a:t>
             </a:fld>
             <a:endParaRPr lang="en-US"/>
           </a:p>
@@ -16392,7 +15182,7 @@
 </p:sld>
 </file>
 
-<file path=ppt/slides/slide9.xml><?xml version="1.0" encoding="utf-8"?>
+<file path=ppt/slides/slide7.xml><?xml version="1.0" encoding="utf-8"?>
 <p:sld xmlns:a="http://schemas.openxmlformats.org/drawingml/2006/main" xmlns:r="http://schemas.openxmlformats.org/officeDocument/2006/relationships" xmlns:p="http://schemas.openxmlformats.org/presentationml/2006/main">
   <p:cSld>
     <p:spTree>
@@ -16549,7 +15339,7 @@
             <a:fld id="{9EA40E5E-19B2-469A-81BC-1F6A517536BE}" type="slidenum">
               <a:rPr lang="en-US" smtClean="0"/>
               <a:pPr/>
-              <a:t>9</a:t>
+              <a:t>7</a:t>
             </a:fld>
             <a:endParaRPr lang="en-US"/>
           </a:p>
@@ -18547,6 +17337,831 @@
 </p:sld>
 </file>
 
+<file path=ppt/slides/slide8.xml><?xml version="1.0" encoding="utf-8"?>
+<p:sld xmlns:a="http://schemas.openxmlformats.org/drawingml/2006/main" xmlns:r="http://schemas.openxmlformats.org/officeDocument/2006/relationships" xmlns:p="http://schemas.openxmlformats.org/presentationml/2006/main">
+  <p:cSld>
+    <p:spTree>
+      <p:nvGrpSpPr>
+        <p:cNvPr id="1" name=""/>
+        <p:cNvGrpSpPr/>
+        <p:nvPr/>
+      </p:nvGrpSpPr>
+      <p:grpSpPr>
+        <a:xfrm>
+          <a:off x="0" y="0"/>
+          <a:ext cx="0" cy="0"/>
+          <a:chOff x="0" y="0"/>
+          <a:chExt cx="0" cy="0"/>
+        </a:xfrm>
+      </p:grpSpPr>
+      <p:sp>
+        <p:nvSpPr>
+          <p:cNvPr id="2" name="Title 1">
+            <a:extLst>
+              <a:ext uri="{FF2B5EF4-FFF2-40B4-BE49-F238E27FC236}">
+                <a16:creationId xmlns:a16="http://schemas.microsoft.com/office/drawing/2014/main" id="{C900A04F-7B24-F8F5-7598-D662ED1515FD}"/>
+              </a:ext>
+            </a:extLst>
+          </p:cNvPr>
+          <p:cNvSpPr>
+            <a:spLocks noGrp="1"/>
+          </p:cNvSpPr>
+          <p:nvPr>
+            <p:ph type="title"/>
+          </p:nvPr>
+        </p:nvSpPr>
+        <p:spPr/>
+        <p:txBody>
+          <a:bodyPr/>
+          <a:lstStyle/>
+          <a:p>
+            <a:r>
+              <a:rPr lang="en-US" dirty="0" err="1"/>
+              <a:t>Thực</a:t>
+            </a:r>
+            <a:r>
+              <a:rPr lang="en-US" dirty="0"/>
+              <a:t> </a:t>
+            </a:r>
+            <a:r>
+              <a:rPr lang="en-US" dirty="0" err="1"/>
+              <a:t>nghiệm</a:t>
+            </a:r>
+            <a:r>
+              <a:rPr lang="en-US" dirty="0"/>
+              <a:t> </a:t>
+            </a:r>
+          </a:p>
+        </p:txBody>
+      </p:sp>
+      <p:sp>
+        <p:nvSpPr>
+          <p:cNvPr id="3" name="Content Placeholder 2">
+            <a:extLst>
+              <a:ext uri="{FF2B5EF4-FFF2-40B4-BE49-F238E27FC236}">
+                <a16:creationId xmlns:a16="http://schemas.microsoft.com/office/drawing/2014/main" id="{52C8E888-CA05-884C-CDA6-2B8553363B97}"/>
+              </a:ext>
+            </a:extLst>
+          </p:cNvPr>
+          <p:cNvSpPr>
+            <a:spLocks noGrp="1"/>
+          </p:cNvSpPr>
+          <p:nvPr>
+            <p:ph idx="1"/>
+          </p:nvPr>
+        </p:nvSpPr>
+        <p:spPr>
+          <a:xfrm>
+            <a:off x="449943" y="1190171"/>
+            <a:ext cx="11350172" cy="1317359"/>
+          </a:xfrm>
+        </p:spPr>
+        <p:txBody>
+          <a:bodyPr/>
+          <a:lstStyle/>
+          <a:p>
+            <a:r>
+              <a:rPr lang="en-US" dirty="0" err="1"/>
+              <a:t>Thiết</a:t>
+            </a:r>
+            <a:r>
+              <a:rPr lang="en-US" dirty="0"/>
+              <a:t> </a:t>
+            </a:r>
+            <a:r>
+              <a:rPr lang="en-US" dirty="0" err="1"/>
+              <a:t>kế</a:t>
+            </a:r>
+            <a:r>
+              <a:rPr lang="en-US" dirty="0"/>
+              <a:t> </a:t>
+            </a:r>
+            <a:r>
+              <a:rPr lang="en-US" dirty="0" err="1"/>
+              <a:t>giao</a:t>
+            </a:r>
+            <a:r>
+              <a:rPr lang="en-US" dirty="0"/>
+              <a:t> </a:t>
+            </a:r>
+            <a:r>
+              <a:rPr lang="en-US" dirty="0" err="1"/>
+              <a:t>diện</a:t>
+            </a:r>
+            <a:r>
+              <a:rPr lang="en-US" dirty="0"/>
+              <a:t> : </a:t>
+            </a:r>
+            <a:r>
+              <a:rPr lang="en-US" b="0" dirty="0" err="1">
+                <a:solidFill>
+                  <a:schemeClr val="tx1"/>
+                </a:solidFill>
+              </a:rPr>
+              <a:t>xây</a:t>
+            </a:r>
+            <a:r>
+              <a:rPr lang="en-US" b="0" dirty="0">
+                <a:solidFill>
+                  <a:schemeClr val="tx1"/>
+                </a:solidFill>
+              </a:rPr>
+              <a:t> </a:t>
+            </a:r>
+            <a:r>
+              <a:rPr lang="en-US" b="0" dirty="0" err="1">
+                <a:solidFill>
+                  <a:schemeClr val="tx1"/>
+                </a:solidFill>
+              </a:rPr>
+              <a:t>dựng</a:t>
+            </a:r>
+            <a:r>
+              <a:rPr lang="en-US" b="0" dirty="0">
+                <a:solidFill>
+                  <a:schemeClr val="tx1"/>
+                </a:solidFill>
+              </a:rPr>
+              <a:t> </a:t>
+            </a:r>
+            <a:r>
+              <a:rPr lang="en-US" b="0" dirty="0" err="1">
+                <a:solidFill>
+                  <a:schemeClr val="tx1"/>
+                </a:solidFill>
+              </a:rPr>
+              <a:t>một</a:t>
+            </a:r>
+            <a:r>
+              <a:rPr lang="en-US" b="0" dirty="0">
+                <a:solidFill>
+                  <a:schemeClr val="tx1"/>
+                </a:solidFill>
+              </a:rPr>
+              <a:t> </a:t>
+            </a:r>
+            <a:r>
+              <a:rPr lang="en-US" b="0" dirty="0" err="1">
+                <a:solidFill>
+                  <a:schemeClr val="tx1"/>
+                </a:solidFill>
+              </a:rPr>
+              <a:t>số</a:t>
+            </a:r>
+            <a:r>
+              <a:rPr lang="en-US" b="0" dirty="0">
+                <a:solidFill>
+                  <a:schemeClr val="tx1"/>
+                </a:solidFill>
+              </a:rPr>
+              <a:t> </a:t>
+            </a:r>
+            <a:r>
+              <a:rPr lang="en-US" b="0" dirty="0" err="1">
+                <a:solidFill>
+                  <a:schemeClr val="tx1"/>
+                </a:solidFill>
+              </a:rPr>
+              <a:t>mẫu</a:t>
+            </a:r>
+            <a:r>
+              <a:rPr lang="en-US" b="0" dirty="0">
+                <a:solidFill>
+                  <a:schemeClr val="tx1"/>
+                </a:solidFill>
+              </a:rPr>
+              <a:t> </a:t>
+            </a:r>
+            <a:r>
+              <a:rPr lang="en-US" b="0" dirty="0" err="1">
+                <a:solidFill>
+                  <a:schemeClr val="tx1"/>
+                </a:solidFill>
+              </a:rPr>
+              <a:t>giao</a:t>
+            </a:r>
+            <a:r>
+              <a:rPr lang="en-US" b="0" dirty="0">
+                <a:solidFill>
+                  <a:schemeClr val="tx1"/>
+                </a:solidFill>
+              </a:rPr>
+              <a:t> </a:t>
+            </a:r>
+            <a:r>
+              <a:rPr lang="en-US" b="0" dirty="0" err="1">
+                <a:solidFill>
+                  <a:schemeClr val="tx1"/>
+                </a:solidFill>
+              </a:rPr>
+              <a:t>diện</a:t>
+            </a:r>
+            <a:r>
+              <a:rPr lang="en-US" b="0" dirty="0">
+                <a:solidFill>
+                  <a:schemeClr val="tx1"/>
+                </a:solidFill>
+              </a:rPr>
+              <a:t> </a:t>
+            </a:r>
+            <a:r>
+              <a:rPr lang="en-US" b="0" dirty="0" err="1">
+                <a:solidFill>
+                  <a:schemeClr val="tx1"/>
+                </a:solidFill>
+              </a:rPr>
+              <a:t>cho</a:t>
+            </a:r>
+            <a:r>
+              <a:rPr lang="en-US" b="0" dirty="0">
+                <a:solidFill>
+                  <a:schemeClr val="tx1"/>
+                </a:solidFill>
+              </a:rPr>
+              <a:t> </a:t>
+            </a:r>
+            <a:r>
+              <a:rPr lang="en-US" b="0" dirty="0" err="1">
+                <a:solidFill>
+                  <a:schemeClr val="tx1"/>
+                </a:solidFill>
+              </a:rPr>
+              <a:t>cửa</a:t>
+            </a:r>
+            <a:r>
+              <a:rPr lang="en-US" b="0" dirty="0">
+                <a:solidFill>
+                  <a:schemeClr val="tx1"/>
+                </a:solidFill>
+              </a:rPr>
+              <a:t> </a:t>
+            </a:r>
+            <a:r>
+              <a:rPr lang="en-US" b="0" dirty="0" err="1">
+                <a:solidFill>
+                  <a:schemeClr val="tx1"/>
+                </a:solidFill>
+              </a:rPr>
+              <a:t>hàng</a:t>
+            </a:r>
+            <a:r>
+              <a:rPr lang="en-US" b="0" dirty="0">
+                <a:solidFill>
+                  <a:schemeClr val="tx1"/>
+                </a:solidFill>
+              </a:rPr>
+              <a:t> </a:t>
+            </a:r>
+            <a:r>
+              <a:rPr lang="en-US" b="0" dirty="0" err="1">
+                <a:solidFill>
+                  <a:schemeClr val="tx1"/>
+                </a:solidFill>
+              </a:rPr>
+              <a:t>nhu</a:t>
+            </a:r>
+            <a:r>
+              <a:rPr lang="en-US" b="0" dirty="0">
+                <a:solidFill>
+                  <a:schemeClr val="tx1"/>
+                </a:solidFill>
+              </a:rPr>
+              <a:t> </a:t>
+            </a:r>
+            <a:r>
+              <a:rPr lang="en-US" b="0" dirty="0" err="1">
+                <a:solidFill>
+                  <a:schemeClr val="tx1"/>
+                </a:solidFill>
+              </a:rPr>
+              <a:t>trang</a:t>
+            </a:r>
+            <a:r>
+              <a:rPr lang="en-US" b="0" dirty="0">
+                <a:solidFill>
+                  <a:schemeClr val="tx1"/>
+                </a:solidFill>
+              </a:rPr>
+              <a:t> </a:t>
+            </a:r>
+            <a:r>
+              <a:rPr lang="en-US" b="0" dirty="0" err="1">
+                <a:solidFill>
+                  <a:schemeClr val="tx1"/>
+                </a:solidFill>
+              </a:rPr>
+              <a:t>chủ</a:t>
+            </a:r>
+            <a:r>
+              <a:rPr lang="en-US" b="0" dirty="0">
+                <a:solidFill>
+                  <a:schemeClr val="tx1"/>
+                </a:solidFill>
+              </a:rPr>
+              <a:t>, </a:t>
+            </a:r>
+            <a:r>
+              <a:rPr lang="en-US" b="0" dirty="0" err="1">
+                <a:solidFill>
+                  <a:schemeClr val="tx1"/>
+                </a:solidFill>
+              </a:rPr>
+              <a:t>hiển</a:t>
+            </a:r>
+            <a:r>
+              <a:rPr lang="en-US" b="0" dirty="0">
+                <a:solidFill>
+                  <a:schemeClr val="tx1"/>
+                </a:solidFill>
+              </a:rPr>
+              <a:t> </a:t>
+            </a:r>
+            <a:r>
+              <a:rPr lang="en-US" b="0" dirty="0" err="1">
+                <a:solidFill>
+                  <a:schemeClr val="tx1"/>
+                </a:solidFill>
+              </a:rPr>
+              <a:t>thị</a:t>
+            </a:r>
+            <a:r>
+              <a:rPr lang="en-US" b="0" dirty="0">
+                <a:solidFill>
+                  <a:schemeClr val="tx1"/>
+                </a:solidFill>
+              </a:rPr>
+              <a:t> </a:t>
+            </a:r>
+            <a:r>
+              <a:rPr lang="en-US" b="0" dirty="0" err="1">
+                <a:solidFill>
+                  <a:schemeClr val="tx1"/>
+                </a:solidFill>
+              </a:rPr>
+              <a:t>sản</a:t>
+            </a:r>
+            <a:r>
+              <a:rPr lang="en-US" b="0" dirty="0">
+                <a:solidFill>
+                  <a:schemeClr val="tx1"/>
+                </a:solidFill>
+              </a:rPr>
+              <a:t> </a:t>
+            </a:r>
+            <a:r>
+              <a:rPr lang="en-US" b="0" dirty="0" err="1">
+                <a:solidFill>
+                  <a:schemeClr val="tx1"/>
+                </a:solidFill>
+              </a:rPr>
+              <a:t>phẩm</a:t>
+            </a:r>
+            <a:r>
+              <a:rPr lang="en-US" b="0" dirty="0">
+                <a:solidFill>
+                  <a:schemeClr val="tx1"/>
+                </a:solidFill>
+              </a:rPr>
+              <a:t>, </a:t>
+            </a:r>
+            <a:r>
+              <a:rPr lang="en-US" b="0" dirty="0" err="1">
+                <a:solidFill>
+                  <a:schemeClr val="tx1"/>
+                </a:solidFill>
+              </a:rPr>
+              <a:t>giỏ</a:t>
+            </a:r>
+            <a:r>
+              <a:rPr lang="en-US" b="0" dirty="0">
+                <a:solidFill>
+                  <a:schemeClr val="tx1"/>
+                </a:solidFill>
+              </a:rPr>
+              <a:t> </a:t>
+            </a:r>
+            <a:r>
+              <a:rPr lang="en-US" b="0" dirty="0" err="1">
+                <a:solidFill>
+                  <a:schemeClr val="tx1"/>
+                </a:solidFill>
+              </a:rPr>
+              <a:t>hàng</a:t>
+            </a:r>
+            <a:r>
+              <a:rPr lang="en-US" b="0" dirty="0">
+                <a:solidFill>
+                  <a:schemeClr val="tx1"/>
+                </a:solidFill>
+              </a:rPr>
+              <a:t>.</a:t>
+            </a:r>
+          </a:p>
+        </p:txBody>
+      </p:sp>
+      <p:sp>
+        <p:nvSpPr>
+          <p:cNvPr id="4" name="Slide Number Placeholder 3">
+            <a:extLst>
+              <a:ext uri="{FF2B5EF4-FFF2-40B4-BE49-F238E27FC236}">
+                <a16:creationId xmlns:a16="http://schemas.microsoft.com/office/drawing/2014/main" id="{132E08EA-593F-5151-E028-009C2B0EFA05}"/>
+              </a:ext>
+            </a:extLst>
+          </p:cNvPr>
+          <p:cNvSpPr>
+            <a:spLocks noGrp="1"/>
+          </p:cNvSpPr>
+          <p:nvPr>
+            <p:ph type="sldNum" sz="quarter" idx="12"/>
+          </p:nvPr>
+        </p:nvSpPr>
+        <p:spPr/>
+        <p:txBody>
+          <a:bodyPr/>
+          <a:lstStyle/>
+          <a:p>
+            <a:r>
+              <a:rPr lang="en-US"/>
+              <a:t>- </a:t>
+            </a:r>
+            <a:fld id="{9EA40E5E-19B2-469A-81BC-1F6A517536BE}" type="slidenum">
+              <a:rPr lang="en-US" smtClean="0"/>
+              <a:pPr/>
+              <a:t>8</a:t>
+            </a:fld>
+            <a:r>
+              <a:rPr lang="en-US"/>
+              <a:t> -</a:t>
+            </a:r>
+          </a:p>
+        </p:txBody>
+      </p:sp>
+      <p:pic>
+        <p:nvPicPr>
+          <p:cNvPr id="6" name="Picture 5">
+            <a:extLst>
+              <a:ext uri="{FF2B5EF4-FFF2-40B4-BE49-F238E27FC236}">
+                <a16:creationId xmlns:a16="http://schemas.microsoft.com/office/drawing/2014/main" id="{A292C26D-0096-D1B6-9528-E0C134A60ACB}"/>
+              </a:ext>
+            </a:extLst>
+          </p:cNvPr>
+          <p:cNvPicPr>
+            <a:picLocks noChangeAspect="1"/>
+          </p:cNvPicPr>
+          <p:nvPr/>
+        </p:nvPicPr>
+        <p:blipFill>
+          <a:blip r:embed="rId2"/>
+          <a:stretch>
+            <a:fillRect/>
+          </a:stretch>
+        </p:blipFill>
+        <p:spPr>
+          <a:xfrm>
+            <a:off x="1075481" y="2422688"/>
+            <a:ext cx="3793399" cy="1583703"/>
+          </a:xfrm>
+          <a:prstGeom prst="rect">
+            <a:avLst/>
+          </a:prstGeom>
+        </p:spPr>
+      </p:pic>
+      <p:pic>
+        <p:nvPicPr>
+          <p:cNvPr id="8" name="Picture 7">
+            <a:extLst>
+              <a:ext uri="{FF2B5EF4-FFF2-40B4-BE49-F238E27FC236}">
+                <a16:creationId xmlns:a16="http://schemas.microsoft.com/office/drawing/2014/main" id="{94D639AC-ED94-C7A8-8038-5B3EF2334130}"/>
+              </a:ext>
+            </a:extLst>
+          </p:cNvPr>
+          <p:cNvPicPr>
+            <a:picLocks noChangeAspect="1"/>
+          </p:cNvPicPr>
+          <p:nvPr/>
+        </p:nvPicPr>
+        <p:blipFill>
+          <a:blip r:embed="rId3"/>
+          <a:stretch>
+            <a:fillRect/>
+          </a:stretch>
+        </p:blipFill>
+        <p:spPr>
+          <a:xfrm>
+            <a:off x="6796520" y="1792275"/>
+            <a:ext cx="3911729" cy="2138411"/>
+          </a:xfrm>
+          <a:prstGeom prst="rect">
+            <a:avLst/>
+          </a:prstGeom>
+        </p:spPr>
+      </p:pic>
+      <p:pic>
+        <p:nvPicPr>
+          <p:cNvPr id="10" name="Picture 9">
+            <a:extLst>
+              <a:ext uri="{FF2B5EF4-FFF2-40B4-BE49-F238E27FC236}">
+                <a16:creationId xmlns:a16="http://schemas.microsoft.com/office/drawing/2014/main" id="{E0D8EE75-78F4-3E79-0065-1C3AA0F82C9B}"/>
+              </a:ext>
+            </a:extLst>
+          </p:cNvPr>
+          <p:cNvPicPr>
+            <a:picLocks noChangeAspect="1"/>
+          </p:cNvPicPr>
+          <p:nvPr/>
+        </p:nvPicPr>
+        <p:blipFill>
+          <a:blip r:embed="rId4"/>
+          <a:stretch>
+            <a:fillRect/>
+          </a:stretch>
+        </p:blipFill>
+        <p:spPr>
+          <a:xfrm>
+            <a:off x="683877" y="4350471"/>
+            <a:ext cx="5441152" cy="1851820"/>
+          </a:xfrm>
+          <a:prstGeom prst="rect">
+            <a:avLst/>
+          </a:prstGeom>
+        </p:spPr>
+      </p:pic>
+      <p:pic>
+        <p:nvPicPr>
+          <p:cNvPr id="12" name="Picture 11">
+            <a:extLst>
+              <a:ext uri="{FF2B5EF4-FFF2-40B4-BE49-F238E27FC236}">
+                <a16:creationId xmlns:a16="http://schemas.microsoft.com/office/drawing/2014/main" id="{FCB65B17-9A73-19B9-5459-9A3F390E0734}"/>
+              </a:ext>
+            </a:extLst>
+          </p:cNvPr>
+          <p:cNvPicPr>
+            <a:picLocks noChangeAspect="1"/>
+          </p:cNvPicPr>
+          <p:nvPr/>
+        </p:nvPicPr>
+        <p:blipFill>
+          <a:blip r:embed="rId5"/>
+          <a:stretch>
+            <a:fillRect/>
+          </a:stretch>
+        </p:blipFill>
+        <p:spPr>
+          <a:xfrm>
+            <a:off x="7120762" y="3930686"/>
+            <a:ext cx="3915013" cy="2271605"/>
+          </a:xfrm>
+          <a:prstGeom prst="rect">
+            <a:avLst/>
+          </a:prstGeom>
+        </p:spPr>
+      </p:pic>
+    </p:spTree>
+    <p:extLst>
+      <p:ext uri="{BB962C8B-B14F-4D97-AF65-F5344CB8AC3E}">
+        <p14:creationId xmlns:p14="http://schemas.microsoft.com/office/powerpoint/2010/main" val="2600001806"/>
+      </p:ext>
+    </p:extLst>
+  </p:cSld>
+  <p:clrMapOvr>
+    <a:masterClrMapping/>
+  </p:clrMapOvr>
+</p:sld>
+</file>
+
+<file path=ppt/slides/slide9.xml><?xml version="1.0" encoding="utf-8"?>
+<p:sld xmlns:a="http://schemas.openxmlformats.org/drawingml/2006/main" xmlns:r="http://schemas.openxmlformats.org/officeDocument/2006/relationships" xmlns:p="http://schemas.openxmlformats.org/presentationml/2006/main">
+  <p:cSld>
+    <p:spTree>
+      <p:nvGrpSpPr>
+        <p:cNvPr id="1" name=""/>
+        <p:cNvGrpSpPr/>
+        <p:nvPr/>
+      </p:nvGrpSpPr>
+      <p:grpSpPr>
+        <a:xfrm>
+          <a:off x="0" y="0"/>
+          <a:ext cx="0" cy="0"/>
+          <a:chOff x="0" y="0"/>
+          <a:chExt cx="0" cy="0"/>
+        </a:xfrm>
+      </p:grpSpPr>
+      <p:sp>
+        <p:nvSpPr>
+          <p:cNvPr id="2" name="Title 1">
+            <a:extLst>
+              <a:ext uri="{FF2B5EF4-FFF2-40B4-BE49-F238E27FC236}">
+                <a16:creationId xmlns:a16="http://schemas.microsoft.com/office/drawing/2014/main" id="{B2BDB952-C4E4-E5A7-9E03-0D66FA743909}"/>
+              </a:ext>
+            </a:extLst>
+          </p:cNvPr>
+          <p:cNvSpPr>
+            <a:spLocks noGrp="1"/>
+          </p:cNvSpPr>
+          <p:nvPr>
+            <p:ph type="title"/>
+          </p:nvPr>
+        </p:nvSpPr>
+        <p:spPr/>
+        <p:txBody>
+          <a:bodyPr/>
+          <a:lstStyle/>
+          <a:p>
+            <a:r>
+              <a:rPr lang="en-US" dirty="0" err="1"/>
+              <a:t>Thực</a:t>
+            </a:r>
+            <a:r>
+              <a:rPr lang="en-US" dirty="0"/>
+              <a:t> </a:t>
+            </a:r>
+            <a:r>
+              <a:rPr lang="en-US" dirty="0" err="1"/>
+              <a:t>nghiệm</a:t>
+            </a:r>
+            <a:endParaRPr lang="en-US" dirty="0"/>
+          </a:p>
+        </p:txBody>
+      </p:sp>
+      <p:sp>
+        <p:nvSpPr>
+          <p:cNvPr id="3" name="Content Placeholder 2">
+            <a:extLst>
+              <a:ext uri="{FF2B5EF4-FFF2-40B4-BE49-F238E27FC236}">
+                <a16:creationId xmlns:a16="http://schemas.microsoft.com/office/drawing/2014/main" id="{2B4FB0D7-7B2F-3889-778A-CF0BACC03775}"/>
+              </a:ext>
+            </a:extLst>
+          </p:cNvPr>
+          <p:cNvSpPr>
+            <a:spLocks noGrp="1"/>
+          </p:cNvSpPr>
+          <p:nvPr>
+            <p:ph idx="1"/>
+          </p:nvPr>
+        </p:nvSpPr>
+        <p:spPr/>
+        <p:txBody>
+          <a:bodyPr/>
+          <a:lstStyle/>
+          <a:p>
+            <a:r>
+              <a:rPr lang="en-US" dirty="0" err="1"/>
+              <a:t>Xây</a:t>
+            </a:r>
+            <a:r>
+              <a:rPr lang="en-US" dirty="0"/>
+              <a:t> </a:t>
+            </a:r>
+            <a:r>
+              <a:rPr lang="en-US" dirty="0" err="1"/>
+              <a:t>dựng</a:t>
+            </a:r>
+            <a:r>
+              <a:rPr lang="en-US" dirty="0"/>
+              <a:t> </a:t>
+            </a:r>
+            <a:r>
+              <a:rPr lang="en-US" dirty="0" err="1"/>
+              <a:t>hệ</a:t>
+            </a:r>
+            <a:r>
+              <a:rPr lang="en-US" dirty="0"/>
+              <a:t> </a:t>
+            </a:r>
+            <a:r>
+              <a:rPr lang="en-US" dirty="0" err="1"/>
+              <a:t>quản</a:t>
+            </a:r>
+            <a:r>
+              <a:rPr lang="en-US" dirty="0"/>
+              <a:t> </a:t>
+            </a:r>
+            <a:r>
+              <a:rPr lang="en-US" dirty="0" err="1"/>
+              <a:t>trị</a:t>
+            </a:r>
+            <a:r>
+              <a:rPr lang="en-US" dirty="0"/>
+              <a:t> </a:t>
+            </a:r>
+            <a:r>
+              <a:rPr lang="en-US" dirty="0" err="1"/>
+              <a:t>cơ</a:t>
+            </a:r>
+            <a:r>
+              <a:rPr lang="en-US" dirty="0"/>
+              <a:t> </a:t>
+            </a:r>
+            <a:r>
+              <a:rPr lang="en-US" dirty="0" err="1"/>
+              <a:t>sở</a:t>
+            </a:r>
+            <a:r>
+              <a:rPr lang="en-US" dirty="0"/>
+              <a:t> </a:t>
+            </a:r>
+            <a:r>
+              <a:rPr lang="en-US" dirty="0" err="1"/>
+              <a:t>dữ</a:t>
+            </a:r>
+            <a:r>
+              <a:rPr lang="en-US" dirty="0"/>
+              <a:t> </a:t>
+            </a:r>
+            <a:r>
+              <a:rPr lang="en-US" dirty="0" err="1"/>
+              <a:t>liệu</a:t>
+            </a:r>
+            <a:r>
+              <a:rPr lang="en-US" dirty="0"/>
+              <a:t>:</a:t>
+            </a:r>
+          </a:p>
+          <a:p>
+            <a:endParaRPr lang="en-US" dirty="0"/>
+          </a:p>
+        </p:txBody>
+      </p:sp>
+      <p:sp>
+        <p:nvSpPr>
+          <p:cNvPr id="4" name="Slide Number Placeholder 3">
+            <a:extLst>
+              <a:ext uri="{FF2B5EF4-FFF2-40B4-BE49-F238E27FC236}">
+                <a16:creationId xmlns:a16="http://schemas.microsoft.com/office/drawing/2014/main" id="{25AC7649-3CDD-9BA6-AAC2-895EEFD01F3E}"/>
+              </a:ext>
+            </a:extLst>
+          </p:cNvPr>
+          <p:cNvSpPr>
+            <a:spLocks noGrp="1"/>
+          </p:cNvSpPr>
+          <p:nvPr>
+            <p:ph type="sldNum" sz="quarter" idx="12"/>
+          </p:nvPr>
+        </p:nvSpPr>
+        <p:spPr/>
+        <p:txBody>
+          <a:bodyPr/>
+          <a:lstStyle/>
+          <a:p>
+            <a:r>
+              <a:rPr lang="en-US"/>
+              <a:t>- </a:t>
+            </a:r>
+            <a:fld id="{9EA40E5E-19B2-469A-81BC-1F6A517536BE}" type="slidenum">
+              <a:rPr lang="en-US" smtClean="0"/>
+              <a:pPr/>
+              <a:t>9</a:t>
+            </a:fld>
+            <a:r>
+              <a:rPr lang="en-US"/>
+              <a:t> -</a:t>
+            </a:r>
+          </a:p>
+        </p:txBody>
+      </p:sp>
+      <p:pic>
+        <p:nvPicPr>
+          <p:cNvPr id="6" name="Picture 5">
+            <a:extLst>
+              <a:ext uri="{FF2B5EF4-FFF2-40B4-BE49-F238E27FC236}">
+                <a16:creationId xmlns:a16="http://schemas.microsoft.com/office/drawing/2014/main" id="{E1D465A0-342A-F91A-E354-A169784E4C66}"/>
+              </a:ext>
+            </a:extLst>
+          </p:cNvPr>
+          <p:cNvPicPr>
+            <a:picLocks noChangeAspect="1"/>
+          </p:cNvPicPr>
+          <p:nvPr/>
+        </p:nvPicPr>
+        <p:blipFill>
+          <a:blip r:embed="rId2"/>
+          <a:stretch>
+            <a:fillRect/>
+          </a:stretch>
+        </p:blipFill>
+        <p:spPr>
+          <a:xfrm>
+            <a:off x="2726534" y="1917003"/>
+            <a:ext cx="5427651" cy="4259018"/>
+          </a:xfrm>
+          <a:prstGeom prst="rect">
+            <a:avLst/>
+          </a:prstGeom>
+        </p:spPr>
+      </p:pic>
+    </p:spTree>
+    <p:extLst>
+      <p:ext uri="{BB962C8B-B14F-4D97-AF65-F5344CB8AC3E}">
+        <p14:creationId xmlns:p14="http://schemas.microsoft.com/office/powerpoint/2010/main" val="4006938409"/>
+      </p:ext>
+    </p:extLst>
+  </p:cSld>
+  <p:clrMapOvr>
+    <a:masterClrMapping/>
+  </p:clrMapOvr>
+</p:sld>
+</file>
+
 <file path=ppt/tags/tag1.xml><?xml version="1.0" encoding="utf-8"?>
 <p:tagLst xmlns:a="http://schemas.openxmlformats.org/drawingml/2006/main" xmlns:r="http://schemas.openxmlformats.org/officeDocument/2006/relationships" xmlns:p="http://schemas.openxmlformats.org/presentationml/2006/main">
   <p:tag name="MMPROD_UIDATA" val="&lt;database version=&quot;11.0&quot;&gt;&lt;object type=&quot;1&quot; unique_id=&quot;10001&quot;&gt;&lt;object type=&quot;2&quot; unique_id=&quot;10002&quot;&gt;&lt;object type=&quot;3&quot; unique_id=&quot;10003&quot;&gt;&lt;property id=&quot;20148&quot; value=&quot;5&quot;/&gt;&lt;property id=&quot;20300&quot; value=&quot;Slide 1 - &amp;quot;BÁO CÁO THỰC TẬP TỐT NGHIỆP&amp;quot;&quot;/&gt;&lt;property id=&quot;20307&quot; value=&quot;256&quot;/&gt;&lt;/object&gt;&lt;object type=&quot;3&quot; unique_id=&quot;10004&quot;&gt;&lt;property id=&quot;20148&quot; value=&quot;5&quot;/&gt;&lt;property id=&quot;20300&quot; value=&quot;Slide 2 - &amp;quot;NỘI DUNG&amp;quot;&quot;/&gt;&lt;property id=&quot;20307&quot; value=&quot;295&quot;/&gt;&lt;/object&gt;&lt;object type=&quot;3&quot; unique_id=&quot;10005&quot;&gt;&lt;property id=&quot;20148&quot; value=&quot;5&quot;/&gt;&lt;property id=&quot;20300&quot; value=&quot;Slide 3 - &amp;quot;Giới thiệu đơn vị thực tập&amp;quot;&quot;/&gt;&lt;property id=&quot;20307&quot; value=&quot;258&quot;/&gt;&lt;/object&gt;&lt;object type=&quot;3&quot; unique_id=&quot;10006&quot;&gt;&lt;property id=&quot;20148&quot; value=&quot;5&quot;/&gt;&lt;property id=&quot;20300&quot; value=&quot;Slide 4 - &amp;quot;Tính cấp thiết của đề tài thực tập&amp;quot;&quot;/&gt;&lt;property id=&quot;20307&quot; value=&quot;286&quot;/&gt;&lt;/object&gt;&lt;object type=&quot;3&quot; unique_id=&quot;10007&quot;&gt;&lt;property id=&quot;20148&quot; value=&quot;5&quot;/&gt;&lt;property id=&quot;20300&quot; value=&quot;Slide 5 - &amp;quot;Các nghiên cứu lý thuyết của đề tài&amp;quot;&quot;/&gt;&lt;property id=&quot;20307&quot; value=&quot;285&quot;/&gt;&lt;/object&gt;&lt;object type=&quot;3&quot; unique_id=&quot;10008&quot;&gt;&lt;property id=&quot;20148&quot; value=&quot;5&quot;/&gt;&lt;property id=&quot;20300&quot; value=&quot;Slide 6 - &amp;quot;Triển khai đề tài tại đơn vị thực tập&amp;quot;&quot;/&gt;&lt;property id=&quot;20307&quot; value=&quot;288&quot;/&gt;&lt;/object&gt;&lt;object type=&quot;3&quot; unique_id=&quot;10009&quot;&gt;&lt;property id=&quot;20148&quot; value=&quot;5&quot;/&gt;&lt;property id=&quot;20300&quot; value=&quot;Slide 7 - &amp;quot;Triển khai đề tài tại đơn vị thực tập&amp;quot;&quot;/&gt;&lt;property id=&quot;20307&quot; value=&quot;308&quot;/&gt;&lt;/object&gt;&lt;object type=&quot;3&quot; unique_id=&quot;10010&quot;&gt;&lt;property id=&quot;20148&quot; value=&quot;5&quot;/&gt;&lt;property id=&quot;20300&quot; value=&quot;Slide 8 - &amp;quot;Kết luận&amp;quot;&quot;/&gt;&lt;property id=&quot;20307&quot; value=&quot;307&quot;/&gt;&lt;/object&gt;&lt;object type=&quot;3&quot; unique_id=&quot;10011&quot;&gt;&lt;property id=&quot;20148&quot; value=&quot;5&quot;/&gt;&lt;property id=&quot;20300&quot; value=&quot;Slide 9 - &amp;quot;Cám ơn !&amp;quot;&quot;/&gt;&lt;property id=&quot;20307&quot; value=&quot;309&quot;/&gt;&lt;/object&gt;&lt;/object&gt;&lt;object type=&quot;8&quot; unique_id=&quot;10022&quot;&gt;&lt;/object&gt;&lt;/object&gt;&lt;/database&gt;"/>
